--- a/Диплом финрезультаты.pptx
+++ b/Диплом финрезультаты.pptx
@@ -377,11 +377,11 @@
           <c:showBubbleSize val="0"/>
         </c:dLbls>
         <c:gapWidth val="150"/>
-        <c:axId val="261308000"/>
-        <c:axId val="261009944"/>
+        <c:axId val="260081128"/>
+        <c:axId val="260083088"/>
       </c:barChart>
       <c:catAx>
-        <c:axId val="261308000"/>
+        <c:axId val="260081128"/>
         <c:scaling>
           <c:orientation val="minMax"/>
         </c:scaling>
@@ -401,7 +401,7 @@
             <a:endParaRPr lang="ru-RU"/>
           </a:p>
         </c:txPr>
-        <c:crossAx val="261009944"/>
+        <c:crossAx val="260083088"/>
         <c:crosses val="autoZero"/>
         <c:auto val="1"/>
         <c:lblAlgn val="ctr"/>
@@ -409,7 +409,7 @@
         <c:noMultiLvlLbl val="0"/>
       </c:catAx>
       <c:valAx>
-        <c:axId val="261009944"/>
+        <c:axId val="260083088"/>
         <c:scaling>
           <c:orientation val="minMax"/>
           <c:max val="1800"/>
@@ -458,7 +458,7 @@
             <a:endParaRPr lang="ru-RU"/>
           </a:p>
         </c:txPr>
-        <c:crossAx val="261308000"/>
+        <c:crossAx val="260081128"/>
         <c:crosses val="autoZero"/>
         <c:crossBetween val="between"/>
         <c:majorUnit val="400"/>
@@ -767,11 +767,11 @@
           <c:showBubbleSize val="0"/>
         </c:dLbls>
         <c:gapWidth val="150"/>
-        <c:axId val="261011904"/>
-        <c:axId val="261010728"/>
+        <c:axId val="260083872"/>
+        <c:axId val="260081520"/>
       </c:barChart>
       <c:catAx>
-        <c:axId val="261011904"/>
+        <c:axId val="260083872"/>
         <c:scaling>
           <c:orientation val="minMax"/>
         </c:scaling>
@@ -781,7 +781,7 @@
         <c:majorTickMark val="out"/>
         <c:minorTickMark val="none"/>
         <c:tickLblPos val="nextTo"/>
-        <c:crossAx val="261010728"/>
+        <c:crossAx val="260081520"/>
         <c:crosses val="autoZero"/>
         <c:auto val="1"/>
         <c:lblAlgn val="ctr"/>
@@ -789,7 +789,7 @@
         <c:noMultiLvlLbl val="0"/>
       </c:catAx>
       <c:valAx>
-        <c:axId val="261010728"/>
+        <c:axId val="260081520"/>
         <c:scaling>
           <c:orientation val="minMax"/>
         </c:scaling>
@@ -827,7 +827,7 @@
         <c:majorTickMark val="out"/>
         <c:minorTickMark val="none"/>
         <c:tickLblPos val="nextTo"/>
-        <c:crossAx val="261011904"/>
+        <c:crossAx val="260083872"/>
         <c:crosses val="autoZero"/>
         <c:crossBetween val="between"/>
       </c:valAx>
@@ -984,11 +984,11 @@
           <c:showBubbleSize val="0"/>
         </c:dLbls>
         <c:gapWidth val="150"/>
-        <c:axId val="261011120"/>
-        <c:axId val="261011512"/>
+        <c:axId val="260079560"/>
+        <c:axId val="260081912"/>
       </c:barChart>
       <c:catAx>
-        <c:axId val="261011120"/>
+        <c:axId val="260079560"/>
         <c:scaling>
           <c:orientation val="minMax"/>
         </c:scaling>
@@ -1008,7 +1008,7 @@
             <a:endParaRPr lang="ru-RU"/>
           </a:p>
         </c:txPr>
-        <c:crossAx val="261011512"/>
+        <c:crossAx val="260081912"/>
         <c:crosses val="autoZero"/>
         <c:auto val="1"/>
         <c:lblAlgn val="ctr"/>
@@ -1016,7 +1016,7 @@
         <c:noMultiLvlLbl val="0"/>
       </c:catAx>
       <c:valAx>
-        <c:axId val="261011512"/>
+        <c:axId val="260081912"/>
         <c:scaling>
           <c:orientation val="minMax"/>
           <c:max val="2000"/>
@@ -1057,7 +1057,7 @@
             <a:endParaRPr lang="ru-RU"/>
           </a:p>
         </c:txPr>
-        <c:crossAx val="261011120"/>
+        <c:crossAx val="260079560"/>
         <c:crosses val="autoZero"/>
         <c:crossBetween val="between"/>
         <c:majorUnit val="400"/>
@@ -1431,12 +1431,12 @@
         </c:dLbls>
         <c:gapWidth val="150"/>
         <c:shape val="box"/>
-        <c:axId val="261008768"/>
-        <c:axId val="261009552"/>
+        <c:axId val="260085048"/>
+        <c:axId val="260084656"/>
         <c:axId val="0"/>
       </c:bar3DChart>
       <c:catAx>
-        <c:axId val="261008768"/>
+        <c:axId val="260085048"/>
         <c:scaling>
           <c:orientation val="minMax"/>
         </c:scaling>
@@ -1446,7 +1446,7 @@
         <c:majorTickMark val="out"/>
         <c:minorTickMark val="none"/>
         <c:tickLblPos val="nextTo"/>
-        <c:crossAx val="261009552"/>
+        <c:crossAx val="260084656"/>
         <c:crosses val="autoZero"/>
         <c:auto val="1"/>
         <c:lblAlgn val="ctr"/>
@@ -1454,7 +1454,7 @@
         <c:noMultiLvlLbl val="0"/>
       </c:catAx>
       <c:valAx>
-        <c:axId val="261009552"/>
+        <c:axId val="260084656"/>
         <c:scaling>
           <c:orientation val="minMax"/>
         </c:scaling>
@@ -1491,7 +1491,7 @@
         <c:majorTickMark val="out"/>
         <c:minorTickMark val="none"/>
         <c:tickLblPos val="nextTo"/>
-        <c:crossAx val="261008768"/>
+        <c:crossAx val="260085048"/>
         <c:crosses val="autoZero"/>
         <c:crossBetween val="between"/>
       </c:valAx>
@@ -1998,11 +1998,11 @@
         </c:dLbls>
         <c:gapWidth val="267"/>
         <c:overlap val="-43"/>
-        <c:axId val="261592072"/>
-        <c:axId val="261586976"/>
+        <c:axId val="260084264"/>
+        <c:axId val="260086616"/>
       </c:barChart>
       <c:catAx>
-        <c:axId val="261592072"/>
+        <c:axId val="260084264"/>
         <c:scaling>
           <c:orientation val="minMax"/>
         </c:scaling>
@@ -2049,7 +2049,7 @@
             <a:endParaRPr lang="ru-RU"/>
           </a:p>
         </c:txPr>
-        <c:crossAx val="261586976"/>
+        <c:crossAx val="260086616"/>
         <c:crosses val="autoZero"/>
         <c:auto val="1"/>
         <c:lblAlgn val="ctr"/>
@@ -2057,7 +2057,7 @@
         <c:noMultiLvlLbl val="0"/>
       </c:catAx>
       <c:valAx>
-        <c:axId val="261586976"/>
+        <c:axId val="260086616"/>
         <c:scaling>
           <c:orientation val="minMax"/>
           <c:max val="500"/>
@@ -2125,7 +2125,7 @@
             <a:endParaRPr lang="ru-RU"/>
           </a:p>
         </c:txPr>
-        <c:crossAx val="261592072"/>
+        <c:crossAx val="260084264"/>
         <c:crosses val="autoZero"/>
         <c:crossBetween val="between"/>
         <c:majorUnit val="50"/>
@@ -2471,12 +2471,12 @@
         </c:dLbls>
         <c:gapWidth val="150"/>
         <c:shape val="cylinder"/>
-        <c:axId val="261590896"/>
-        <c:axId val="261589328"/>
+        <c:axId val="260085832"/>
+        <c:axId val="260086224"/>
         <c:axId val="0"/>
       </c:bar3DChart>
       <c:catAx>
-        <c:axId val="261590896"/>
+        <c:axId val="260085832"/>
         <c:scaling>
           <c:orientation val="minMax"/>
         </c:scaling>
@@ -2486,7 +2486,7 @@
         <c:majorTickMark val="out"/>
         <c:minorTickMark val="none"/>
         <c:tickLblPos val="nextTo"/>
-        <c:crossAx val="261589328"/>
+        <c:crossAx val="260086224"/>
         <c:crosses val="autoZero"/>
         <c:auto val="1"/>
         <c:lblAlgn val="ctr"/>
@@ -2494,7 +2494,7 @@
         <c:noMultiLvlLbl val="0"/>
       </c:catAx>
       <c:valAx>
-        <c:axId val="261589328"/>
+        <c:axId val="260086224"/>
         <c:scaling>
           <c:orientation val="minMax"/>
         </c:scaling>
@@ -2531,7 +2531,7 @@
         <c:majorTickMark val="out"/>
         <c:minorTickMark val="none"/>
         <c:tickLblPos val="nextTo"/>
-        <c:crossAx val="261590896"/>
+        <c:crossAx val="260085832"/>
         <c:crosses val="autoZero"/>
         <c:crossBetween val="between"/>
       </c:valAx>
@@ -7220,8 +7220,8 @@
     <dgm:cxn modelId="{65E0CDB7-2ED2-402F-8795-A3850B44499F}" type="presOf" srcId="{419F95E7-BC8F-4765-8F6A-8A6C0F3DDE8A}" destId="{09634E8B-A990-455B-878C-90DAB1E97FAA}" srcOrd="0" destOrd="0" presId="urn:microsoft.com/office/officeart/2008/layout/HorizontalMultiLevelHierarchy"/>
     <dgm:cxn modelId="{92F67C03-F08A-425F-A53C-209220A3271D}" srcId="{FD1F08BF-713A-48D8-A4F9-C1F30ED1AA20}" destId="{B2717EC9-7823-48B8-A130-D52DD2527F27}" srcOrd="0" destOrd="0" parTransId="{172F1BB0-7C1D-4156-84FB-BF54600AB6F4}" sibTransId="{3AE4D44E-323A-4197-ADE1-CD08E0DBB3A0}"/>
     <dgm:cxn modelId="{CC9C3689-CFF5-42CE-92D4-1FE069FD2ADA}" type="presOf" srcId="{F3D762B0-9616-4D34-B2DE-52583C2ED498}" destId="{D2FFD10A-D92B-403F-B927-5A94CA626061}" srcOrd="0" destOrd="0" presId="urn:microsoft.com/office/officeart/2008/layout/HorizontalMultiLevelHierarchy"/>
+    <dgm:cxn modelId="{CFB731EF-DD11-40E7-BFAA-D8F951A1ACF7}" type="presOf" srcId="{3C70F188-2264-46B3-8302-CAA4BDF4753F}" destId="{24B88061-83BA-412C-9CC3-904F54D7415B}" srcOrd="0" destOrd="0" presId="urn:microsoft.com/office/officeart/2008/layout/HorizontalMultiLevelHierarchy"/>
     <dgm:cxn modelId="{B21C14E1-C034-46A3-B0C2-E8622A3F5046}" srcId="{B2717EC9-7823-48B8-A130-D52DD2527F27}" destId="{FD8EC714-B89C-4BFB-A29A-7743B58AA181}" srcOrd="0" destOrd="0" parTransId="{F5737074-E3CD-4347-B364-EBD42A7C5D0F}" sibTransId="{1A8E4308-BDC4-4154-8C60-CACD7F16871B}"/>
-    <dgm:cxn modelId="{CFB731EF-DD11-40E7-BFAA-D8F951A1ACF7}" type="presOf" srcId="{3C70F188-2264-46B3-8302-CAA4BDF4753F}" destId="{24B88061-83BA-412C-9CC3-904F54D7415B}" srcOrd="0" destOrd="0" presId="urn:microsoft.com/office/officeart/2008/layout/HorizontalMultiLevelHierarchy"/>
     <dgm:cxn modelId="{D24A4B84-90E5-4CE7-9916-6F59C888F2F8}" type="presOf" srcId="{172F1BB0-7C1D-4156-84FB-BF54600AB6F4}" destId="{E877708C-D880-42F4-98FA-B308F0D72F61}" srcOrd="1" destOrd="0" presId="urn:microsoft.com/office/officeart/2008/layout/HorizontalMultiLevelHierarchy"/>
     <dgm:cxn modelId="{1D455CE3-15D2-47CF-BD8B-3C0C5255B69A}" type="presParOf" srcId="{33393049-140C-4DE7-9FDC-48D3187C005F}" destId="{2082F161-0726-4358-B70B-FB9C00645E59}" srcOrd="0" destOrd="0" presId="urn:microsoft.com/office/officeart/2008/layout/HorizontalMultiLevelHierarchy"/>
     <dgm:cxn modelId="{D06BD5B6-CF55-471B-89B8-5BDA8A26C357}" type="presParOf" srcId="{2082F161-0726-4358-B70B-FB9C00645E59}" destId="{1EC23980-C375-4C0B-9E67-35FCF6803BEB}" srcOrd="0" destOrd="0" presId="urn:microsoft.com/office/officeart/2008/layout/HorizontalMultiLevelHierarchy"/>
@@ -7270,6 +7270,2478 @@
       <dsp:cNvGrpSpPr/>
     </dsp:nvGrpSpPr>
     <dsp:grpSpPr/>
+    <dsp:sp modelId="{A4CD2B4C-B148-4761-95EB-6793008B07E6}">
+      <dsp:nvSpPr>
+        <dsp:cNvPr id="0" name=""/>
+        <dsp:cNvSpPr/>
+      </dsp:nvSpPr>
+      <dsp:spPr>
+        <a:xfrm>
+          <a:off x="2081740" y="4068"/>
+          <a:ext cx="5266334" cy="487208"/>
+        </a:xfrm>
+        <a:prstGeom prst="roundRect">
+          <a:avLst>
+            <a:gd name="adj" fmla="val 10000"/>
+          </a:avLst>
+        </a:prstGeom>
+        <a:gradFill rotWithShape="0">
+          <a:gsLst>
+            <a:gs pos="0">
+              <a:sysClr val="window" lastClr="FFFFFF">
+                <a:hueOff val="0"/>
+                <a:satOff val="0"/>
+                <a:lumOff val="0"/>
+                <a:alphaOff val="0"/>
+                <a:tint val="50000"/>
+                <a:satMod val="300000"/>
+              </a:sysClr>
+            </a:gs>
+            <a:gs pos="35000">
+              <a:sysClr val="window" lastClr="FFFFFF">
+                <a:hueOff val="0"/>
+                <a:satOff val="0"/>
+                <a:lumOff val="0"/>
+                <a:alphaOff val="0"/>
+                <a:tint val="37000"/>
+                <a:satMod val="300000"/>
+              </a:sysClr>
+            </a:gs>
+            <a:gs pos="100000">
+              <a:sysClr val="window" lastClr="FFFFFF">
+                <a:hueOff val="0"/>
+                <a:satOff val="0"/>
+                <a:lumOff val="0"/>
+                <a:alphaOff val="0"/>
+                <a:tint val="15000"/>
+                <a:satMod val="350000"/>
+              </a:sysClr>
+            </a:gs>
+          </a:gsLst>
+          <a:lin ang="16200000" scaled="1"/>
+        </a:gradFill>
+        <a:ln>
+          <a:noFill/>
+        </a:ln>
+        <a:effectLst>
+          <a:outerShdw blurRad="40000" dist="20000" dir="5400000" rotWithShape="0">
+            <a:srgbClr val="000000">
+              <a:alpha val="38000"/>
+            </a:srgbClr>
+          </a:outerShdw>
+        </a:effectLst>
+        <a:scene3d>
+          <a:camera prst="orthographicFront"/>
+          <a:lightRig rig="flat" dir="t"/>
+        </a:scene3d>
+        <a:sp3d prstMaterial="dkEdge">
+          <a:bevelT w="8200" h="38100"/>
+        </a:sp3d>
+      </dsp:spPr>
+      <dsp:style>
+        <a:lnRef idx="0">
+          <a:scrgbClr r="0" g="0" b="0"/>
+        </a:lnRef>
+        <a:fillRef idx="2">
+          <a:scrgbClr r="0" g="0" b="0"/>
+        </a:fillRef>
+        <a:effectRef idx="1">
+          <a:scrgbClr r="0" g="0" b="0"/>
+        </a:effectRef>
+        <a:fontRef idx="minor">
+          <a:schemeClr val="dk1"/>
+        </a:fontRef>
+      </dsp:style>
+      <dsp:txBody>
+        <a:bodyPr spcFirstLastPara="0" vert="horz" wrap="square" lIns="60960" tIns="60960" rIns="60960" bIns="60960" numCol="1" spcCol="1270" anchor="ctr" anchorCtr="0">
+          <a:noAutofit/>
+        </a:bodyPr>
+        <a:lstStyle/>
+        <a:p>
+          <a:pPr lvl="0" algn="ctr" defTabSz="711200">
+            <a:lnSpc>
+              <a:spcPct val="90000"/>
+            </a:lnSpc>
+            <a:spcBef>
+              <a:spcPct val="0"/>
+            </a:spcBef>
+            <a:spcAft>
+              <a:spcPct val="35000"/>
+            </a:spcAft>
+          </a:pPr>
+          <a:r>
+            <a:rPr lang="ru-RU" sz="1600" kern="1200" dirty="0">
+              <a:solidFill>
+                <a:sysClr val="windowText" lastClr="000000">
+                  <a:hueOff val="0"/>
+                  <a:satOff val="0"/>
+                  <a:lumOff val="0"/>
+                  <a:alphaOff val="0"/>
+                </a:sysClr>
+              </a:solidFill>
+              <a:latin typeface="Times New Roman" pitchFamily="18" charset="0"/>
+              <a:ea typeface="+mn-ea"/>
+              <a:cs typeface="Times New Roman" pitchFamily="18" charset="0"/>
+            </a:rPr>
+            <a:t>Валовая прибыль (разница между выручкой от реализации и себестоимости продукции, работ, услуг)</a:t>
+          </a:r>
+        </a:p>
+      </dsp:txBody>
+      <dsp:txXfrm>
+        <a:off x="2096010" y="18338"/>
+        <a:ext cx="5237794" cy="458668"/>
+      </dsp:txXfrm>
+    </dsp:sp>
+    <dsp:sp modelId="{67D4BE9D-AACE-4348-BE44-9EE3611688B1}">
+      <dsp:nvSpPr>
+        <dsp:cNvPr id="0" name=""/>
+        <dsp:cNvSpPr/>
+      </dsp:nvSpPr>
+      <dsp:spPr>
+        <a:xfrm rot="5400000">
+          <a:off x="4610876" y="499868"/>
+          <a:ext cx="128871" cy="154646"/>
+        </a:xfrm>
+        <a:prstGeom prst="mathMinus">
+          <a:avLst/>
+        </a:prstGeom>
+        <a:gradFill rotWithShape="0">
+          <a:gsLst>
+            <a:gs pos="0">
+              <a:sysClr val="windowText" lastClr="000000">
+                <a:tint val="60000"/>
+                <a:hueOff val="0"/>
+                <a:satOff val="0"/>
+                <a:lumOff val="0"/>
+                <a:alphaOff val="0"/>
+                <a:tint val="50000"/>
+                <a:satMod val="300000"/>
+              </a:sysClr>
+            </a:gs>
+            <a:gs pos="35000">
+              <a:sysClr val="windowText" lastClr="000000">
+                <a:tint val="60000"/>
+                <a:hueOff val="0"/>
+                <a:satOff val="0"/>
+                <a:lumOff val="0"/>
+                <a:alphaOff val="0"/>
+                <a:tint val="37000"/>
+                <a:satMod val="300000"/>
+              </a:sysClr>
+            </a:gs>
+            <a:gs pos="100000">
+              <a:sysClr val="windowText" lastClr="000000">
+                <a:tint val="60000"/>
+                <a:hueOff val="0"/>
+                <a:satOff val="0"/>
+                <a:lumOff val="0"/>
+                <a:alphaOff val="0"/>
+                <a:tint val="15000"/>
+                <a:satMod val="350000"/>
+              </a:sysClr>
+            </a:gs>
+          </a:gsLst>
+          <a:lin ang="16200000" scaled="1"/>
+        </a:gradFill>
+        <a:ln>
+          <a:noFill/>
+        </a:ln>
+        <a:effectLst>
+          <a:outerShdw blurRad="40000" dist="20000" dir="5400000" rotWithShape="0">
+            <a:srgbClr val="000000">
+              <a:alpha val="38000"/>
+            </a:srgbClr>
+          </a:outerShdw>
+        </a:effectLst>
+      </dsp:spPr>
+      <dsp:style>
+        <a:lnRef idx="0">
+          <a:scrgbClr r="0" g="0" b="0"/>
+        </a:lnRef>
+        <a:fillRef idx="2">
+          <a:scrgbClr r="0" g="0" b="0"/>
+        </a:fillRef>
+        <a:effectRef idx="1">
+          <a:scrgbClr r="0" g="0" b="0"/>
+        </a:effectRef>
+        <a:fontRef idx="minor">
+          <a:schemeClr val="dk1"/>
+        </a:fontRef>
+      </dsp:style>
+      <dsp:txBody>
+        <a:bodyPr spcFirstLastPara="0" vert="horz" wrap="square" lIns="0" tIns="0" rIns="0" bIns="0" numCol="1" spcCol="1270" anchor="ctr" anchorCtr="0">
+          <a:noAutofit/>
+        </a:bodyPr>
+        <a:lstStyle/>
+        <a:p>
+          <a:pPr lvl="0" algn="ctr" defTabSz="711200">
+            <a:lnSpc>
+              <a:spcPct val="90000"/>
+            </a:lnSpc>
+            <a:spcBef>
+              <a:spcPct val="0"/>
+            </a:spcBef>
+            <a:spcAft>
+              <a:spcPct val="35000"/>
+            </a:spcAft>
+          </a:pPr>
+          <a:endParaRPr lang="ru-RU" sz="1600" kern="1200">
+            <a:solidFill>
+              <a:sysClr val="windowText" lastClr="000000">
+                <a:hueOff val="0"/>
+                <a:satOff val="0"/>
+                <a:lumOff val="0"/>
+                <a:alphaOff val="0"/>
+              </a:sysClr>
+            </a:solidFill>
+            <a:latin typeface="Times New Roman" pitchFamily="18" charset="0"/>
+            <a:ea typeface="+mn-ea"/>
+            <a:cs typeface="Times New Roman" pitchFamily="18" charset="0"/>
+          </a:endParaRPr>
+        </a:p>
+      </dsp:txBody>
+      <dsp:txXfrm rot="-5400000">
+        <a:off x="4628918" y="512756"/>
+        <a:ext cx="92788" cy="90210"/>
+      </dsp:txXfrm>
+    </dsp:sp>
+    <dsp:sp modelId="{8549213A-2BE0-4BCB-A72B-70844CABC642}">
+      <dsp:nvSpPr>
+        <dsp:cNvPr id="0" name=""/>
+        <dsp:cNvSpPr/>
+      </dsp:nvSpPr>
+      <dsp:spPr>
+        <a:xfrm>
+          <a:off x="2081740" y="663106"/>
+          <a:ext cx="5266334" cy="343658"/>
+        </a:xfrm>
+        <a:prstGeom prst="roundRect">
+          <a:avLst>
+            <a:gd name="adj" fmla="val 10000"/>
+          </a:avLst>
+        </a:prstGeom>
+        <a:gradFill rotWithShape="0">
+          <a:gsLst>
+            <a:gs pos="0">
+              <a:sysClr val="window" lastClr="FFFFFF">
+                <a:hueOff val="0"/>
+                <a:satOff val="0"/>
+                <a:lumOff val="0"/>
+                <a:alphaOff val="0"/>
+                <a:tint val="50000"/>
+                <a:satMod val="300000"/>
+              </a:sysClr>
+            </a:gs>
+            <a:gs pos="35000">
+              <a:sysClr val="window" lastClr="FFFFFF">
+                <a:hueOff val="0"/>
+                <a:satOff val="0"/>
+                <a:lumOff val="0"/>
+                <a:alphaOff val="0"/>
+                <a:tint val="37000"/>
+                <a:satMod val="300000"/>
+              </a:sysClr>
+            </a:gs>
+            <a:gs pos="100000">
+              <a:sysClr val="window" lastClr="FFFFFF">
+                <a:hueOff val="0"/>
+                <a:satOff val="0"/>
+                <a:lumOff val="0"/>
+                <a:alphaOff val="0"/>
+                <a:tint val="15000"/>
+                <a:satMod val="350000"/>
+              </a:sysClr>
+            </a:gs>
+          </a:gsLst>
+          <a:lin ang="16200000" scaled="1"/>
+        </a:gradFill>
+        <a:ln>
+          <a:noFill/>
+        </a:ln>
+        <a:effectLst>
+          <a:outerShdw blurRad="40000" dist="20000" dir="5400000" rotWithShape="0">
+            <a:srgbClr val="000000">
+              <a:alpha val="38000"/>
+            </a:srgbClr>
+          </a:outerShdw>
+        </a:effectLst>
+        <a:scene3d>
+          <a:camera prst="orthographicFront"/>
+          <a:lightRig rig="flat" dir="t"/>
+        </a:scene3d>
+        <a:sp3d prstMaterial="dkEdge">
+          <a:bevelT w="8200" h="38100"/>
+        </a:sp3d>
+      </dsp:spPr>
+      <dsp:style>
+        <a:lnRef idx="0">
+          <a:scrgbClr r="0" g="0" b="0"/>
+        </a:lnRef>
+        <a:fillRef idx="2">
+          <a:scrgbClr r="0" g="0" b="0"/>
+        </a:fillRef>
+        <a:effectRef idx="1">
+          <a:scrgbClr r="0" g="0" b="0"/>
+        </a:effectRef>
+        <a:fontRef idx="minor">
+          <a:schemeClr val="dk1"/>
+        </a:fontRef>
+      </dsp:style>
+      <dsp:txBody>
+        <a:bodyPr spcFirstLastPara="0" vert="horz" wrap="square" lIns="60960" tIns="60960" rIns="60960" bIns="60960" numCol="1" spcCol="1270" anchor="ctr" anchorCtr="0">
+          <a:noAutofit/>
+        </a:bodyPr>
+        <a:lstStyle/>
+        <a:p>
+          <a:pPr lvl="0" algn="ctr" defTabSz="711200">
+            <a:lnSpc>
+              <a:spcPct val="90000"/>
+            </a:lnSpc>
+            <a:spcBef>
+              <a:spcPct val="0"/>
+            </a:spcBef>
+            <a:spcAft>
+              <a:spcPct val="35000"/>
+            </a:spcAft>
+          </a:pPr>
+          <a:r>
+            <a:rPr lang="ru-RU" sz="1600" kern="1200">
+              <a:solidFill>
+                <a:sysClr val="windowText" lastClr="000000">
+                  <a:hueOff val="0"/>
+                  <a:satOff val="0"/>
+                  <a:lumOff val="0"/>
+                  <a:alphaOff val="0"/>
+                </a:sysClr>
+              </a:solidFill>
+              <a:latin typeface="Times New Roman" pitchFamily="18" charset="0"/>
+              <a:ea typeface="+mn-ea"/>
+              <a:cs typeface="Times New Roman" pitchFamily="18" charset="0"/>
+            </a:rPr>
+            <a:t>Управленческие расходы и расходы на реализацию</a:t>
+          </a:r>
+        </a:p>
+      </dsp:txBody>
+      <dsp:txXfrm>
+        <a:off x="2091805" y="673171"/>
+        <a:ext cx="5246204" cy="323528"/>
+      </dsp:txXfrm>
+    </dsp:sp>
+    <dsp:sp modelId="{EE3305CE-BE93-482F-B093-39270D4778BA}">
+      <dsp:nvSpPr>
+        <dsp:cNvPr id="0" name=""/>
+        <dsp:cNvSpPr/>
+      </dsp:nvSpPr>
+      <dsp:spPr>
+        <a:xfrm rot="5400000">
+          <a:off x="4650472" y="1015356"/>
+          <a:ext cx="128871" cy="154646"/>
+        </a:xfrm>
+        <a:prstGeom prst="mathEqual">
+          <a:avLst/>
+        </a:prstGeom>
+        <a:gradFill rotWithShape="0">
+          <a:gsLst>
+            <a:gs pos="0">
+              <a:sysClr val="windowText" lastClr="000000">
+                <a:tint val="60000"/>
+                <a:hueOff val="0"/>
+                <a:satOff val="0"/>
+                <a:lumOff val="0"/>
+                <a:alphaOff val="0"/>
+                <a:tint val="50000"/>
+                <a:satMod val="300000"/>
+              </a:sysClr>
+            </a:gs>
+            <a:gs pos="35000">
+              <a:sysClr val="windowText" lastClr="000000">
+                <a:tint val="60000"/>
+                <a:hueOff val="0"/>
+                <a:satOff val="0"/>
+                <a:lumOff val="0"/>
+                <a:alphaOff val="0"/>
+                <a:tint val="37000"/>
+                <a:satMod val="300000"/>
+              </a:sysClr>
+            </a:gs>
+            <a:gs pos="100000">
+              <a:sysClr val="windowText" lastClr="000000">
+                <a:tint val="60000"/>
+                <a:hueOff val="0"/>
+                <a:satOff val="0"/>
+                <a:lumOff val="0"/>
+                <a:alphaOff val="0"/>
+                <a:tint val="15000"/>
+                <a:satMod val="350000"/>
+              </a:sysClr>
+            </a:gs>
+          </a:gsLst>
+          <a:lin ang="16200000" scaled="1"/>
+        </a:gradFill>
+        <a:ln>
+          <a:noFill/>
+        </a:ln>
+        <a:effectLst>
+          <a:outerShdw blurRad="40000" dist="20000" dir="5400000" rotWithShape="0">
+            <a:srgbClr val="000000">
+              <a:alpha val="38000"/>
+            </a:srgbClr>
+          </a:outerShdw>
+        </a:effectLst>
+      </dsp:spPr>
+      <dsp:style>
+        <a:lnRef idx="0">
+          <a:scrgbClr r="0" g="0" b="0"/>
+        </a:lnRef>
+        <a:fillRef idx="2">
+          <a:scrgbClr r="0" g="0" b="0"/>
+        </a:fillRef>
+        <a:effectRef idx="1">
+          <a:scrgbClr r="0" g="0" b="0"/>
+        </a:effectRef>
+        <a:fontRef idx="minor">
+          <a:schemeClr val="dk1"/>
+        </a:fontRef>
+      </dsp:style>
+      <dsp:txBody>
+        <a:bodyPr spcFirstLastPara="0" vert="horz" wrap="square" lIns="0" tIns="0" rIns="0" bIns="0" numCol="1" spcCol="1270" anchor="ctr" anchorCtr="0">
+          <a:noAutofit/>
+        </a:bodyPr>
+        <a:lstStyle/>
+        <a:p>
+          <a:pPr lvl="0" algn="ctr" defTabSz="711200">
+            <a:lnSpc>
+              <a:spcPct val="90000"/>
+            </a:lnSpc>
+            <a:spcBef>
+              <a:spcPct val="0"/>
+            </a:spcBef>
+            <a:spcAft>
+              <a:spcPct val="35000"/>
+            </a:spcAft>
+          </a:pPr>
+          <a:endParaRPr lang="ru-RU" sz="1600" kern="1200">
+            <a:solidFill>
+              <a:sysClr val="windowText" lastClr="000000">
+                <a:hueOff val="0"/>
+                <a:satOff val="0"/>
+                <a:lumOff val="0"/>
+                <a:alphaOff val="0"/>
+              </a:sysClr>
+            </a:solidFill>
+            <a:latin typeface="Times New Roman" pitchFamily="18" charset="0"/>
+            <a:ea typeface="+mn-ea"/>
+            <a:cs typeface="Times New Roman" pitchFamily="18" charset="0"/>
+          </a:endParaRPr>
+        </a:p>
+      </dsp:txBody>
+      <dsp:txXfrm rot="-5400000">
+        <a:off x="4668514" y="1028244"/>
+        <a:ext cx="92788" cy="90210"/>
+      </dsp:txXfrm>
+    </dsp:sp>
+    <dsp:sp modelId="{43D8471E-B451-41A9-978A-B867ADCFBE71}">
+      <dsp:nvSpPr>
+        <dsp:cNvPr id="0" name=""/>
+        <dsp:cNvSpPr/>
+      </dsp:nvSpPr>
+      <dsp:spPr>
+        <a:xfrm>
+          <a:off x="2081740" y="1178594"/>
+          <a:ext cx="5266334" cy="343658"/>
+        </a:xfrm>
+        <a:prstGeom prst="roundRect">
+          <a:avLst>
+            <a:gd name="adj" fmla="val 10000"/>
+          </a:avLst>
+        </a:prstGeom>
+        <a:gradFill rotWithShape="0">
+          <a:gsLst>
+            <a:gs pos="0">
+              <a:sysClr val="window" lastClr="FFFFFF">
+                <a:hueOff val="0"/>
+                <a:satOff val="0"/>
+                <a:lumOff val="0"/>
+                <a:alphaOff val="0"/>
+                <a:tint val="50000"/>
+                <a:satMod val="300000"/>
+              </a:sysClr>
+            </a:gs>
+            <a:gs pos="35000">
+              <a:sysClr val="window" lastClr="FFFFFF">
+                <a:hueOff val="0"/>
+                <a:satOff val="0"/>
+                <a:lumOff val="0"/>
+                <a:alphaOff val="0"/>
+                <a:tint val="37000"/>
+                <a:satMod val="300000"/>
+              </a:sysClr>
+            </a:gs>
+            <a:gs pos="100000">
+              <a:sysClr val="window" lastClr="FFFFFF">
+                <a:hueOff val="0"/>
+                <a:satOff val="0"/>
+                <a:lumOff val="0"/>
+                <a:alphaOff val="0"/>
+                <a:tint val="15000"/>
+                <a:satMod val="350000"/>
+              </a:sysClr>
+            </a:gs>
+          </a:gsLst>
+          <a:lin ang="16200000" scaled="1"/>
+        </a:gradFill>
+        <a:ln>
+          <a:noFill/>
+        </a:ln>
+        <a:effectLst>
+          <a:outerShdw blurRad="40000" dist="20000" dir="5400000" rotWithShape="0">
+            <a:srgbClr val="000000">
+              <a:alpha val="38000"/>
+            </a:srgbClr>
+          </a:outerShdw>
+        </a:effectLst>
+        <a:scene3d>
+          <a:camera prst="orthographicFront"/>
+          <a:lightRig rig="flat" dir="t"/>
+        </a:scene3d>
+        <a:sp3d prstMaterial="dkEdge">
+          <a:bevelT w="8200" h="38100"/>
+        </a:sp3d>
+      </dsp:spPr>
+      <dsp:style>
+        <a:lnRef idx="0">
+          <a:scrgbClr r="0" g="0" b="0"/>
+        </a:lnRef>
+        <a:fillRef idx="2">
+          <a:scrgbClr r="0" g="0" b="0"/>
+        </a:fillRef>
+        <a:effectRef idx="1">
+          <a:scrgbClr r="0" g="0" b="0"/>
+        </a:effectRef>
+        <a:fontRef idx="minor">
+          <a:schemeClr val="dk1"/>
+        </a:fontRef>
+      </dsp:style>
+      <dsp:txBody>
+        <a:bodyPr spcFirstLastPara="0" vert="horz" wrap="square" lIns="60960" tIns="60960" rIns="60960" bIns="60960" numCol="1" spcCol="1270" anchor="ctr" anchorCtr="0">
+          <a:noAutofit/>
+        </a:bodyPr>
+        <a:lstStyle/>
+        <a:p>
+          <a:pPr lvl="0" algn="ctr" defTabSz="711200">
+            <a:lnSpc>
+              <a:spcPct val="90000"/>
+            </a:lnSpc>
+            <a:spcBef>
+              <a:spcPct val="0"/>
+            </a:spcBef>
+            <a:spcAft>
+              <a:spcPct val="35000"/>
+            </a:spcAft>
+          </a:pPr>
+          <a:r>
+            <a:rPr lang="ru-RU" sz="1600" kern="1200">
+              <a:solidFill>
+                <a:sysClr val="windowText" lastClr="000000">
+                  <a:hueOff val="0"/>
+                  <a:satOff val="0"/>
+                  <a:lumOff val="0"/>
+                  <a:alphaOff val="0"/>
+                </a:sysClr>
+              </a:solidFill>
+              <a:latin typeface="Times New Roman" pitchFamily="18" charset="0"/>
+              <a:ea typeface="+mn-ea"/>
+              <a:cs typeface="Times New Roman" pitchFamily="18" charset="0"/>
+            </a:rPr>
+            <a:t>Прибыль от реализации продукции, товаров, работ, услуг</a:t>
+          </a:r>
+        </a:p>
+      </dsp:txBody>
+      <dsp:txXfrm>
+        <a:off x="2091805" y="1188659"/>
+        <a:ext cx="5246204" cy="323528"/>
+      </dsp:txXfrm>
+    </dsp:sp>
+    <dsp:sp modelId="{89D1397D-4267-4D4F-BD76-37C3C6C08215}">
+      <dsp:nvSpPr>
+        <dsp:cNvPr id="0" name=""/>
+        <dsp:cNvSpPr/>
+      </dsp:nvSpPr>
+      <dsp:spPr>
+        <a:xfrm rot="5400000">
+          <a:off x="4650472" y="1530844"/>
+          <a:ext cx="128871" cy="154646"/>
+        </a:xfrm>
+        <a:prstGeom prst="mathPlus">
+          <a:avLst/>
+        </a:prstGeom>
+        <a:gradFill rotWithShape="0">
+          <a:gsLst>
+            <a:gs pos="0">
+              <a:sysClr val="windowText" lastClr="000000">
+                <a:tint val="60000"/>
+                <a:hueOff val="0"/>
+                <a:satOff val="0"/>
+                <a:lumOff val="0"/>
+                <a:alphaOff val="0"/>
+                <a:tint val="50000"/>
+                <a:satMod val="300000"/>
+              </a:sysClr>
+            </a:gs>
+            <a:gs pos="35000">
+              <a:sysClr val="windowText" lastClr="000000">
+                <a:tint val="60000"/>
+                <a:hueOff val="0"/>
+                <a:satOff val="0"/>
+                <a:lumOff val="0"/>
+                <a:alphaOff val="0"/>
+                <a:tint val="37000"/>
+                <a:satMod val="300000"/>
+              </a:sysClr>
+            </a:gs>
+            <a:gs pos="100000">
+              <a:sysClr val="windowText" lastClr="000000">
+                <a:tint val="60000"/>
+                <a:hueOff val="0"/>
+                <a:satOff val="0"/>
+                <a:lumOff val="0"/>
+                <a:alphaOff val="0"/>
+                <a:tint val="15000"/>
+                <a:satMod val="350000"/>
+              </a:sysClr>
+            </a:gs>
+          </a:gsLst>
+          <a:lin ang="16200000" scaled="1"/>
+        </a:gradFill>
+        <a:ln>
+          <a:noFill/>
+        </a:ln>
+        <a:effectLst>
+          <a:outerShdw blurRad="40000" dist="20000" dir="5400000" rotWithShape="0">
+            <a:srgbClr val="000000">
+              <a:alpha val="38000"/>
+            </a:srgbClr>
+          </a:outerShdw>
+        </a:effectLst>
+      </dsp:spPr>
+      <dsp:style>
+        <a:lnRef idx="0">
+          <a:scrgbClr r="0" g="0" b="0"/>
+        </a:lnRef>
+        <a:fillRef idx="2">
+          <a:scrgbClr r="0" g="0" b="0"/>
+        </a:fillRef>
+        <a:effectRef idx="1">
+          <a:scrgbClr r="0" g="0" b="0"/>
+        </a:effectRef>
+        <a:fontRef idx="minor">
+          <a:schemeClr val="dk1"/>
+        </a:fontRef>
+      </dsp:style>
+      <dsp:txBody>
+        <a:bodyPr spcFirstLastPara="0" vert="horz" wrap="square" lIns="0" tIns="0" rIns="0" bIns="0" numCol="1" spcCol="1270" anchor="ctr" anchorCtr="0">
+          <a:noAutofit/>
+        </a:bodyPr>
+        <a:lstStyle/>
+        <a:p>
+          <a:pPr lvl="0" algn="ctr" defTabSz="711200">
+            <a:lnSpc>
+              <a:spcPct val="90000"/>
+            </a:lnSpc>
+            <a:spcBef>
+              <a:spcPct val="0"/>
+            </a:spcBef>
+            <a:spcAft>
+              <a:spcPct val="35000"/>
+            </a:spcAft>
+          </a:pPr>
+          <a:endParaRPr lang="ru-RU" sz="1600" kern="1200">
+            <a:solidFill>
+              <a:sysClr val="windowText" lastClr="000000">
+                <a:hueOff val="0"/>
+                <a:satOff val="0"/>
+                <a:lumOff val="0"/>
+                <a:alphaOff val="0"/>
+              </a:sysClr>
+            </a:solidFill>
+            <a:latin typeface="Times New Roman" pitchFamily="18" charset="0"/>
+            <a:ea typeface="+mn-ea"/>
+            <a:cs typeface="Times New Roman" pitchFamily="18" charset="0"/>
+          </a:endParaRPr>
+        </a:p>
+      </dsp:txBody>
+      <dsp:txXfrm rot="-5400000">
+        <a:off x="4668514" y="1543732"/>
+        <a:ext cx="92788" cy="90210"/>
+      </dsp:txXfrm>
+    </dsp:sp>
+    <dsp:sp modelId="{3839A9F6-ADEB-4856-B52A-37AD732F3103}">
+      <dsp:nvSpPr>
+        <dsp:cNvPr id="0" name=""/>
+        <dsp:cNvSpPr/>
+      </dsp:nvSpPr>
+      <dsp:spPr>
+        <a:xfrm>
+          <a:off x="2081740" y="1694081"/>
+          <a:ext cx="5266334" cy="343658"/>
+        </a:xfrm>
+        <a:prstGeom prst="roundRect">
+          <a:avLst>
+            <a:gd name="adj" fmla="val 10000"/>
+          </a:avLst>
+        </a:prstGeom>
+        <a:gradFill rotWithShape="0">
+          <a:gsLst>
+            <a:gs pos="0">
+              <a:sysClr val="window" lastClr="FFFFFF">
+                <a:hueOff val="0"/>
+                <a:satOff val="0"/>
+                <a:lumOff val="0"/>
+                <a:alphaOff val="0"/>
+                <a:tint val="50000"/>
+                <a:satMod val="300000"/>
+              </a:sysClr>
+            </a:gs>
+            <a:gs pos="35000">
+              <a:sysClr val="window" lastClr="FFFFFF">
+                <a:hueOff val="0"/>
+                <a:satOff val="0"/>
+                <a:lumOff val="0"/>
+                <a:alphaOff val="0"/>
+                <a:tint val="37000"/>
+                <a:satMod val="300000"/>
+              </a:sysClr>
+            </a:gs>
+            <a:gs pos="100000">
+              <a:sysClr val="window" lastClr="FFFFFF">
+                <a:hueOff val="0"/>
+                <a:satOff val="0"/>
+                <a:lumOff val="0"/>
+                <a:alphaOff val="0"/>
+                <a:tint val="15000"/>
+                <a:satMod val="350000"/>
+              </a:sysClr>
+            </a:gs>
+          </a:gsLst>
+          <a:lin ang="16200000" scaled="1"/>
+        </a:gradFill>
+        <a:ln>
+          <a:noFill/>
+        </a:ln>
+        <a:effectLst>
+          <a:outerShdw blurRad="40000" dist="20000" dir="5400000" rotWithShape="0">
+            <a:srgbClr val="000000">
+              <a:alpha val="38000"/>
+            </a:srgbClr>
+          </a:outerShdw>
+        </a:effectLst>
+        <a:scene3d>
+          <a:camera prst="orthographicFront"/>
+          <a:lightRig rig="flat" dir="t"/>
+        </a:scene3d>
+        <a:sp3d prstMaterial="dkEdge">
+          <a:bevelT w="8200" h="38100"/>
+        </a:sp3d>
+      </dsp:spPr>
+      <dsp:style>
+        <a:lnRef idx="0">
+          <a:scrgbClr r="0" g="0" b="0"/>
+        </a:lnRef>
+        <a:fillRef idx="2">
+          <a:scrgbClr r="0" g="0" b="0"/>
+        </a:fillRef>
+        <a:effectRef idx="1">
+          <a:scrgbClr r="0" g="0" b="0"/>
+        </a:effectRef>
+        <a:fontRef idx="minor">
+          <a:schemeClr val="dk1"/>
+        </a:fontRef>
+      </dsp:style>
+      <dsp:txBody>
+        <a:bodyPr spcFirstLastPara="0" vert="horz" wrap="square" lIns="60960" tIns="60960" rIns="60960" bIns="60960" numCol="1" spcCol="1270" anchor="ctr" anchorCtr="0">
+          <a:noAutofit/>
+        </a:bodyPr>
+        <a:lstStyle/>
+        <a:p>
+          <a:pPr lvl="0" algn="ctr" defTabSz="711200">
+            <a:lnSpc>
+              <a:spcPct val="90000"/>
+            </a:lnSpc>
+            <a:spcBef>
+              <a:spcPct val="0"/>
+            </a:spcBef>
+            <a:spcAft>
+              <a:spcPct val="35000"/>
+            </a:spcAft>
+          </a:pPr>
+          <a:r>
+            <a:rPr lang="ru-RU" sz="1600" kern="1200">
+              <a:solidFill>
+                <a:sysClr val="windowText" lastClr="000000">
+                  <a:hueOff val="0"/>
+                  <a:satOff val="0"/>
+                  <a:lumOff val="0"/>
+                  <a:alphaOff val="0"/>
+                </a:sysClr>
+              </a:solidFill>
+              <a:latin typeface="Times New Roman" pitchFamily="18" charset="0"/>
+              <a:ea typeface="+mn-ea"/>
+              <a:cs typeface="Times New Roman" pitchFamily="18" charset="0"/>
+            </a:rPr>
+            <a:t>Сальдо прочих доходов и расходов по текущей деятельности</a:t>
+          </a:r>
+        </a:p>
+      </dsp:txBody>
+      <dsp:txXfrm>
+        <a:off x="2091805" y="1704146"/>
+        <a:ext cx="5246204" cy="323528"/>
+      </dsp:txXfrm>
+    </dsp:sp>
+    <dsp:sp modelId="{E428DD22-58A7-4429-860B-5051E7F2074D}">
+      <dsp:nvSpPr>
+        <dsp:cNvPr id="0" name=""/>
+        <dsp:cNvSpPr/>
+      </dsp:nvSpPr>
+      <dsp:spPr>
+        <a:xfrm rot="5400000">
+          <a:off x="4650472" y="2046331"/>
+          <a:ext cx="128871" cy="154646"/>
+        </a:xfrm>
+        <a:prstGeom prst="mathEqual">
+          <a:avLst/>
+        </a:prstGeom>
+        <a:gradFill rotWithShape="0">
+          <a:gsLst>
+            <a:gs pos="0">
+              <a:sysClr val="windowText" lastClr="000000">
+                <a:tint val="60000"/>
+                <a:hueOff val="0"/>
+                <a:satOff val="0"/>
+                <a:lumOff val="0"/>
+                <a:alphaOff val="0"/>
+                <a:tint val="50000"/>
+                <a:satMod val="300000"/>
+              </a:sysClr>
+            </a:gs>
+            <a:gs pos="35000">
+              <a:sysClr val="windowText" lastClr="000000">
+                <a:tint val="60000"/>
+                <a:hueOff val="0"/>
+                <a:satOff val="0"/>
+                <a:lumOff val="0"/>
+                <a:alphaOff val="0"/>
+                <a:tint val="37000"/>
+                <a:satMod val="300000"/>
+              </a:sysClr>
+            </a:gs>
+            <a:gs pos="100000">
+              <a:sysClr val="windowText" lastClr="000000">
+                <a:tint val="60000"/>
+                <a:hueOff val="0"/>
+                <a:satOff val="0"/>
+                <a:lumOff val="0"/>
+                <a:alphaOff val="0"/>
+                <a:tint val="15000"/>
+                <a:satMod val="350000"/>
+              </a:sysClr>
+            </a:gs>
+          </a:gsLst>
+          <a:lin ang="16200000" scaled="1"/>
+        </a:gradFill>
+        <a:ln>
+          <a:noFill/>
+        </a:ln>
+        <a:effectLst>
+          <a:outerShdw blurRad="40000" dist="20000" dir="5400000" rotWithShape="0">
+            <a:srgbClr val="000000">
+              <a:alpha val="38000"/>
+            </a:srgbClr>
+          </a:outerShdw>
+        </a:effectLst>
+      </dsp:spPr>
+      <dsp:style>
+        <a:lnRef idx="0">
+          <a:scrgbClr r="0" g="0" b="0"/>
+        </a:lnRef>
+        <a:fillRef idx="2">
+          <a:scrgbClr r="0" g="0" b="0"/>
+        </a:fillRef>
+        <a:effectRef idx="1">
+          <a:scrgbClr r="0" g="0" b="0"/>
+        </a:effectRef>
+        <a:fontRef idx="minor">
+          <a:schemeClr val="dk1"/>
+        </a:fontRef>
+      </dsp:style>
+      <dsp:txBody>
+        <a:bodyPr spcFirstLastPara="0" vert="horz" wrap="square" lIns="0" tIns="0" rIns="0" bIns="0" numCol="1" spcCol="1270" anchor="ctr" anchorCtr="0">
+          <a:noAutofit/>
+        </a:bodyPr>
+        <a:lstStyle/>
+        <a:p>
+          <a:pPr lvl="0" algn="ctr" defTabSz="711200">
+            <a:lnSpc>
+              <a:spcPct val="90000"/>
+            </a:lnSpc>
+            <a:spcBef>
+              <a:spcPct val="0"/>
+            </a:spcBef>
+            <a:spcAft>
+              <a:spcPct val="35000"/>
+            </a:spcAft>
+          </a:pPr>
+          <a:endParaRPr lang="ru-RU" sz="1600" kern="1200">
+            <a:solidFill>
+              <a:sysClr val="windowText" lastClr="000000">
+                <a:hueOff val="0"/>
+                <a:satOff val="0"/>
+                <a:lumOff val="0"/>
+                <a:alphaOff val="0"/>
+              </a:sysClr>
+            </a:solidFill>
+            <a:latin typeface="Times New Roman" pitchFamily="18" charset="0"/>
+            <a:ea typeface="+mn-ea"/>
+            <a:cs typeface="Times New Roman" pitchFamily="18" charset="0"/>
+          </a:endParaRPr>
+        </a:p>
+      </dsp:txBody>
+      <dsp:txXfrm rot="-5400000">
+        <a:off x="4668514" y="2059219"/>
+        <a:ext cx="92788" cy="90210"/>
+      </dsp:txXfrm>
+    </dsp:sp>
+    <dsp:sp modelId="{4BE50A99-09B4-40EE-B099-6FF59399C764}">
+      <dsp:nvSpPr>
+        <dsp:cNvPr id="0" name=""/>
+        <dsp:cNvSpPr/>
+      </dsp:nvSpPr>
+      <dsp:spPr>
+        <a:xfrm>
+          <a:off x="2081740" y="2209569"/>
+          <a:ext cx="5266334" cy="343658"/>
+        </a:xfrm>
+        <a:prstGeom prst="roundRect">
+          <a:avLst>
+            <a:gd name="adj" fmla="val 10000"/>
+          </a:avLst>
+        </a:prstGeom>
+        <a:gradFill rotWithShape="0">
+          <a:gsLst>
+            <a:gs pos="0">
+              <a:sysClr val="window" lastClr="FFFFFF">
+                <a:hueOff val="0"/>
+                <a:satOff val="0"/>
+                <a:lumOff val="0"/>
+                <a:alphaOff val="0"/>
+                <a:tint val="50000"/>
+                <a:satMod val="300000"/>
+              </a:sysClr>
+            </a:gs>
+            <a:gs pos="35000">
+              <a:sysClr val="window" lastClr="FFFFFF">
+                <a:hueOff val="0"/>
+                <a:satOff val="0"/>
+                <a:lumOff val="0"/>
+                <a:alphaOff val="0"/>
+                <a:tint val="37000"/>
+                <a:satMod val="300000"/>
+              </a:sysClr>
+            </a:gs>
+            <a:gs pos="100000">
+              <a:sysClr val="window" lastClr="FFFFFF">
+                <a:hueOff val="0"/>
+                <a:satOff val="0"/>
+                <a:lumOff val="0"/>
+                <a:alphaOff val="0"/>
+                <a:tint val="15000"/>
+                <a:satMod val="350000"/>
+              </a:sysClr>
+            </a:gs>
+          </a:gsLst>
+          <a:lin ang="16200000" scaled="1"/>
+        </a:gradFill>
+        <a:ln>
+          <a:noFill/>
+        </a:ln>
+        <a:effectLst>
+          <a:outerShdw blurRad="40000" dist="20000" dir="5400000" rotWithShape="0">
+            <a:srgbClr val="000000">
+              <a:alpha val="38000"/>
+            </a:srgbClr>
+          </a:outerShdw>
+        </a:effectLst>
+        <a:scene3d>
+          <a:camera prst="orthographicFront"/>
+          <a:lightRig rig="flat" dir="t"/>
+        </a:scene3d>
+        <a:sp3d prstMaterial="dkEdge">
+          <a:bevelT w="8200" h="38100"/>
+        </a:sp3d>
+      </dsp:spPr>
+      <dsp:style>
+        <a:lnRef idx="0">
+          <a:scrgbClr r="0" g="0" b="0"/>
+        </a:lnRef>
+        <a:fillRef idx="2">
+          <a:scrgbClr r="0" g="0" b="0"/>
+        </a:fillRef>
+        <a:effectRef idx="1">
+          <a:scrgbClr r="0" g="0" b="0"/>
+        </a:effectRef>
+        <a:fontRef idx="minor">
+          <a:schemeClr val="dk1"/>
+        </a:fontRef>
+      </dsp:style>
+      <dsp:txBody>
+        <a:bodyPr spcFirstLastPara="0" vert="horz" wrap="square" lIns="60960" tIns="60960" rIns="60960" bIns="60960" numCol="1" spcCol="1270" anchor="ctr" anchorCtr="0">
+          <a:noAutofit/>
+        </a:bodyPr>
+        <a:lstStyle/>
+        <a:p>
+          <a:pPr lvl="0" algn="ctr" defTabSz="711200">
+            <a:lnSpc>
+              <a:spcPct val="90000"/>
+            </a:lnSpc>
+            <a:spcBef>
+              <a:spcPct val="0"/>
+            </a:spcBef>
+            <a:spcAft>
+              <a:spcPct val="35000"/>
+            </a:spcAft>
+          </a:pPr>
+          <a:r>
+            <a:rPr lang="ru-RU" sz="1600" kern="1200">
+              <a:solidFill>
+                <a:sysClr val="windowText" lastClr="000000">
+                  <a:hueOff val="0"/>
+                  <a:satOff val="0"/>
+                  <a:lumOff val="0"/>
+                  <a:alphaOff val="0"/>
+                </a:sysClr>
+              </a:solidFill>
+              <a:latin typeface="Times New Roman" pitchFamily="18" charset="0"/>
+              <a:ea typeface="+mn-ea"/>
+              <a:cs typeface="Times New Roman" pitchFamily="18" charset="0"/>
+            </a:rPr>
+            <a:t>Прибыль от текущей деятельности</a:t>
+          </a:r>
+        </a:p>
+      </dsp:txBody>
+      <dsp:txXfrm>
+        <a:off x="2091805" y="2219634"/>
+        <a:ext cx="5246204" cy="323528"/>
+      </dsp:txXfrm>
+    </dsp:sp>
+    <dsp:sp modelId="{EB7CCF43-B346-4D51-A27D-DE6E04AC9409}">
+      <dsp:nvSpPr>
+        <dsp:cNvPr id="0" name=""/>
+        <dsp:cNvSpPr/>
+      </dsp:nvSpPr>
+      <dsp:spPr>
+        <a:xfrm rot="5400000">
+          <a:off x="4650472" y="2561819"/>
+          <a:ext cx="128871" cy="154646"/>
+        </a:xfrm>
+        <a:prstGeom prst="mathPlus">
+          <a:avLst/>
+        </a:prstGeom>
+        <a:gradFill rotWithShape="0">
+          <a:gsLst>
+            <a:gs pos="0">
+              <a:sysClr val="windowText" lastClr="000000">
+                <a:tint val="60000"/>
+                <a:hueOff val="0"/>
+                <a:satOff val="0"/>
+                <a:lumOff val="0"/>
+                <a:alphaOff val="0"/>
+                <a:tint val="50000"/>
+                <a:satMod val="300000"/>
+              </a:sysClr>
+            </a:gs>
+            <a:gs pos="35000">
+              <a:sysClr val="windowText" lastClr="000000">
+                <a:tint val="60000"/>
+                <a:hueOff val="0"/>
+                <a:satOff val="0"/>
+                <a:lumOff val="0"/>
+                <a:alphaOff val="0"/>
+                <a:tint val="37000"/>
+                <a:satMod val="300000"/>
+              </a:sysClr>
+            </a:gs>
+            <a:gs pos="100000">
+              <a:sysClr val="windowText" lastClr="000000">
+                <a:tint val="60000"/>
+                <a:hueOff val="0"/>
+                <a:satOff val="0"/>
+                <a:lumOff val="0"/>
+                <a:alphaOff val="0"/>
+                <a:tint val="15000"/>
+                <a:satMod val="350000"/>
+              </a:sysClr>
+            </a:gs>
+          </a:gsLst>
+          <a:lin ang="16200000" scaled="1"/>
+        </a:gradFill>
+        <a:ln>
+          <a:noFill/>
+        </a:ln>
+        <a:effectLst>
+          <a:outerShdw blurRad="40000" dist="20000" dir="5400000" rotWithShape="0">
+            <a:srgbClr val="000000">
+              <a:alpha val="38000"/>
+            </a:srgbClr>
+          </a:outerShdw>
+        </a:effectLst>
+      </dsp:spPr>
+      <dsp:style>
+        <a:lnRef idx="0">
+          <a:scrgbClr r="0" g="0" b="0"/>
+        </a:lnRef>
+        <a:fillRef idx="2">
+          <a:scrgbClr r="0" g="0" b="0"/>
+        </a:fillRef>
+        <a:effectRef idx="1">
+          <a:scrgbClr r="0" g="0" b="0"/>
+        </a:effectRef>
+        <a:fontRef idx="minor">
+          <a:schemeClr val="dk1"/>
+        </a:fontRef>
+      </dsp:style>
+      <dsp:txBody>
+        <a:bodyPr spcFirstLastPara="0" vert="horz" wrap="square" lIns="0" tIns="0" rIns="0" bIns="0" numCol="1" spcCol="1270" anchor="ctr" anchorCtr="0">
+          <a:noAutofit/>
+        </a:bodyPr>
+        <a:lstStyle/>
+        <a:p>
+          <a:pPr lvl="0" algn="ctr" defTabSz="711200">
+            <a:lnSpc>
+              <a:spcPct val="90000"/>
+            </a:lnSpc>
+            <a:spcBef>
+              <a:spcPct val="0"/>
+            </a:spcBef>
+            <a:spcAft>
+              <a:spcPct val="35000"/>
+            </a:spcAft>
+          </a:pPr>
+          <a:endParaRPr lang="ru-RU" sz="1600" kern="1200">
+            <a:solidFill>
+              <a:sysClr val="windowText" lastClr="000000">
+                <a:hueOff val="0"/>
+                <a:satOff val="0"/>
+                <a:lumOff val="0"/>
+                <a:alphaOff val="0"/>
+              </a:sysClr>
+            </a:solidFill>
+            <a:latin typeface="Times New Roman" pitchFamily="18" charset="0"/>
+            <a:ea typeface="+mn-ea"/>
+            <a:cs typeface="Times New Roman" pitchFamily="18" charset="0"/>
+          </a:endParaRPr>
+        </a:p>
+      </dsp:txBody>
+      <dsp:txXfrm rot="-5400000">
+        <a:off x="4668514" y="2574707"/>
+        <a:ext cx="92788" cy="90210"/>
+      </dsp:txXfrm>
+    </dsp:sp>
+    <dsp:sp modelId="{C090173B-C276-4AF8-B429-3EEFD929EC01}">
+      <dsp:nvSpPr>
+        <dsp:cNvPr id="0" name=""/>
+        <dsp:cNvSpPr/>
+      </dsp:nvSpPr>
+      <dsp:spPr>
+        <a:xfrm>
+          <a:off x="2081740" y="2725057"/>
+          <a:ext cx="5266334" cy="343658"/>
+        </a:xfrm>
+        <a:prstGeom prst="roundRect">
+          <a:avLst>
+            <a:gd name="adj" fmla="val 10000"/>
+          </a:avLst>
+        </a:prstGeom>
+        <a:gradFill rotWithShape="0">
+          <a:gsLst>
+            <a:gs pos="0">
+              <a:sysClr val="window" lastClr="FFFFFF">
+                <a:hueOff val="0"/>
+                <a:satOff val="0"/>
+                <a:lumOff val="0"/>
+                <a:alphaOff val="0"/>
+                <a:tint val="50000"/>
+                <a:satMod val="300000"/>
+              </a:sysClr>
+            </a:gs>
+            <a:gs pos="35000">
+              <a:sysClr val="window" lastClr="FFFFFF">
+                <a:hueOff val="0"/>
+                <a:satOff val="0"/>
+                <a:lumOff val="0"/>
+                <a:alphaOff val="0"/>
+                <a:tint val="37000"/>
+                <a:satMod val="300000"/>
+              </a:sysClr>
+            </a:gs>
+            <a:gs pos="100000">
+              <a:sysClr val="window" lastClr="FFFFFF">
+                <a:hueOff val="0"/>
+                <a:satOff val="0"/>
+                <a:lumOff val="0"/>
+                <a:alphaOff val="0"/>
+                <a:tint val="15000"/>
+                <a:satMod val="350000"/>
+              </a:sysClr>
+            </a:gs>
+          </a:gsLst>
+          <a:lin ang="16200000" scaled="1"/>
+        </a:gradFill>
+        <a:ln>
+          <a:noFill/>
+        </a:ln>
+        <a:effectLst>
+          <a:outerShdw blurRad="40000" dist="20000" dir="5400000" rotWithShape="0">
+            <a:srgbClr val="000000">
+              <a:alpha val="38000"/>
+            </a:srgbClr>
+          </a:outerShdw>
+        </a:effectLst>
+        <a:scene3d>
+          <a:camera prst="orthographicFront"/>
+          <a:lightRig rig="flat" dir="t"/>
+        </a:scene3d>
+        <a:sp3d prstMaterial="dkEdge">
+          <a:bevelT w="8200" h="38100"/>
+        </a:sp3d>
+      </dsp:spPr>
+      <dsp:style>
+        <a:lnRef idx="0">
+          <a:scrgbClr r="0" g="0" b="0"/>
+        </a:lnRef>
+        <a:fillRef idx="2">
+          <a:scrgbClr r="0" g="0" b="0"/>
+        </a:fillRef>
+        <a:effectRef idx="1">
+          <a:scrgbClr r="0" g="0" b="0"/>
+        </a:effectRef>
+        <a:fontRef idx="minor">
+          <a:schemeClr val="dk1"/>
+        </a:fontRef>
+      </dsp:style>
+      <dsp:txBody>
+        <a:bodyPr spcFirstLastPara="0" vert="horz" wrap="square" lIns="60960" tIns="60960" rIns="60960" bIns="60960" numCol="1" spcCol="1270" anchor="ctr" anchorCtr="0">
+          <a:noAutofit/>
+        </a:bodyPr>
+        <a:lstStyle/>
+        <a:p>
+          <a:pPr lvl="0" algn="ctr" defTabSz="711200">
+            <a:lnSpc>
+              <a:spcPct val="90000"/>
+            </a:lnSpc>
+            <a:spcBef>
+              <a:spcPct val="0"/>
+            </a:spcBef>
+            <a:spcAft>
+              <a:spcPct val="35000"/>
+            </a:spcAft>
+          </a:pPr>
+          <a:r>
+            <a:rPr lang="ru-RU" sz="1600" kern="1200">
+              <a:solidFill>
+                <a:sysClr val="windowText" lastClr="000000">
+                  <a:hueOff val="0"/>
+                  <a:satOff val="0"/>
+                  <a:lumOff val="0"/>
+                  <a:alphaOff val="0"/>
+                </a:sysClr>
+              </a:solidFill>
+              <a:latin typeface="Times New Roman" pitchFamily="18" charset="0"/>
+              <a:ea typeface="+mn-ea"/>
+              <a:cs typeface="Times New Roman" pitchFamily="18" charset="0"/>
+            </a:rPr>
+            <a:t>Прибыль от инвестиционной и финансовой деятельности</a:t>
+          </a:r>
+        </a:p>
+      </dsp:txBody>
+      <dsp:txXfrm>
+        <a:off x="2091805" y="2735122"/>
+        <a:ext cx="5246204" cy="323528"/>
+      </dsp:txXfrm>
+    </dsp:sp>
+    <dsp:sp modelId="{B8A5CB44-E3AC-40CD-AB7C-A040983C2793}">
+      <dsp:nvSpPr>
+        <dsp:cNvPr id="0" name=""/>
+        <dsp:cNvSpPr/>
+      </dsp:nvSpPr>
+      <dsp:spPr>
+        <a:xfrm rot="5400000">
+          <a:off x="4650472" y="3077307"/>
+          <a:ext cx="128871" cy="154646"/>
+        </a:xfrm>
+        <a:prstGeom prst="mathEqual">
+          <a:avLst/>
+        </a:prstGeom>
+        <a:gradFill rotWithShape="0">
+          <a:gsLst>
+            <a:gs pos="0">
+              <a:sysClr val="windowText" lastClr="000000">
+                <a:tint val="60000"/>
+                <a:hueOff val="0"/>
+                <a:satOff val="0"/>
+                <a:lumOff val="0"/>
+                <a:alphaOff val="0"/>
+                <a:tint val="50000"/>
+                <a:satMod val="300000"/>
+              </a:sysClr>
+            </a:gs>
+            <a:gs pos="35000">
+              <a:sysClr val="windowText" lastClr="000000">
+                <a:tint val="60000"/>
+                <a:hueOff val="0"/>
+                <a:satOff val="0"/>
+                <a:lumOff val="0"/>
+                <a:alphaOff val="0"/>
+                <a:tint val="37000"/>
+                <a:satMod val="300000"/>
+              </a:sysClr>
+            </a:gs>
+            <a:gs pos="100000">
+              <a:sysClr val="windowText" lastClr="000000">
+                <a:tint val="60000"/>
+                <a:hueOff val="0"/>
+                <a:satOff val="0"/>
+                <a:lumOff val="0"/>
+                <a:alphaOff val="0"/>
+                <a:tint val="15000"/>
+                <a:satMod val="350000"/>
+              </a:sysClr>
+            </a:gs>
+          </a:gsLst>
+          <a:lin ang="16200000" scaled="1"/>
+        </a:gradFill>
+        <a:ln>
+          <a:noFill/>
+        </a:ln>
+        <a:effectLst>
+          <a:outerShdw blurRad="40000" dist="20000" dir="5400000" rotWithShape="0">
+            <a:srgbClr val="000000">
+              <a:alpha val="38000"/>
+            </a:srgbClr>
+          </a:outerShdw>
+        </a:effectLst>
+      </dsp:spPr>
+      <dsp:style>
+        <a:lnRef idx="0">
+          <a:scrgbClr r="0" g="0" b="0"/>
+        </a:lnRef>
+        <a:fillRef idx="2">
+          <a:scrgbClr r="0" g="0" b="0"/>
+        </a:fillRef>
+        <a:effectRef idx="1">
+          <a:scrgbClr r="0" g="0" b="0"/>
+        </a:effectRef>
+        <a:fontRef idx="minor">
+          <a:schemeClr val="dk1"/>
+        </a:fontRef>
+      </dsp:style>
+      <dsp:txBody>
+        <a:bodyPr spcFirstLastPara="0" vert="horz" wrap="square" lIns="0" tIns="0" rIns="0" bIns="0" numCol="1" spcCol="1270" anchor="ctr" anchorCtr="0">
+          <a:noAutofit/>
+        </a:bodyPr>
+        <a:lstStyle/>
+        <a:p>
+          <a:pPr lvl="0" algn="ctr" defTabSz="711200">
+            <a:lnSpc>
+              <a:spcPct val="90000"/>
+            </a:lnSpc>
+            <a:spcBef>
+              <a:spcPct val="0"/>
+            </a:spcBef>
+            <a:spcAft>
+              <a:spcPct val="35000"/>
+            </a:spcAft>
+          </a:pPr>
+          <a:endParaRPr lang="ru-RU" sz="1600" kern="1200">
+            <a:solidFill>
+              <a:sysClr val="windowText" lastClr="000000">
+                <a:hueOff val="0"/>
+                <a:satOff val="0"/>
+                <a:lumOff val="0"/>
+                <a:alphaOff val="0"/>
+              </a:sysClr>
+            </a:solidFill>
+            <a:latin typeface="Times New Roman" pitchFamily="18" charset="0"/>
+            <a:ea typeface="+mn-ea"/>
+            <a:cs typeface="Times New Roman" pitchFamily="18" charset="0"/>
+          </a:endParaRPr>
+        </a:p>
+      </dsp:txBody>
+      <dsp:txXfrm rot="-5400000">
+        <a:off x="4668514" y="3090195"/>
+        <a:ext cx="92788" cy="90210"/>
+      </dsp:txXfrm>
+    </dsp:sp>
+    <dsp:sp modelId="{A8E359DD-2A7E-47B4-AF66-22497DC6F5ED}">
+      <dsp:nvSpPr>
+        <dsp:cNvPr id="0" name=""/>
+        <dsp:cNvSpPr/>
+      </dsp:nvSpPr>
+      <dsp:spPr>
+        <a:xfrm>
+          <a:off x="2081740" y="3240545"/>
+          <a:ext cx="5266334" cy="343658"/>
+        </a:xfrm>
+        <a:prstGeom prst="roundRect">
+          <a:avLst>
+            <a:gd name="adj" fmla="val 10000"/>
+          </a:avLst>
+        </a:prstGeom>
+        <a:gradFill rotWithShape="0">
+          <a:gsLst>
+            <a:gs pos="0">
+              <a:sysClr val="window" lastClr="FFFFFF">
+                <a:hueOff val="0"/>
+                <a:satOff val="0"/>
+                <a:lumOff val="0"/>
+                <a:alphaOff val="0"/>
+                <a:tint val="50000"/>
+                <a:satMod val="300000"/>
+              </a:sysClr>
+            </a:gs>
+            <a:gs pos="35000">
+              <a:sysClr val="window" lastClr="FFFFFF">
+                <a:hueOff val="0"/>
+                <a:satOff val="0"/>
+                <a:lumOff val="0"/>
+                <a:alphaOff val="0"/>
+                <a:tint val="37000"/>
+                <a:satMod val="300000"/>
+              </a:sysClr>
+            </a:gs>
+            <a:gs pos="100000">
+              <a:sysClr val="window" lastClr="FFFFFF">
+                <a:hueOff val="0"/>
+                <a:satOff val="0"/>
+                <a:lumOff val="0"/>
+                <a:alphaOff val="0"/>
+                <a:tint val="15000"/>
+                <a:satMod val="350000"/>
+              </a:sysClr>
+            </a:gs>
+          </a:gsLst>
+          <a:lin ang="16200000" scaled="1"/>
+        </a:gradFill>
+        <a:ln>
+          <a:noFill/>
+        </a:ln>
+        <a:effectLst>
+          <a:outerShdw blurRad="40000" dist="20000" dir="5400000" rotWithShape="0">
+            <a:srgbClr val="000000">
+              <a:alpha val="38000"/>
+            </a:srgbClr>
+          </a:outerShdw>
+        </a:effectLst>
+        <a:scene3d>
+          <a:camera prst="orthographicFront"/>
+          <a:lightRig rig="flat" dir="t"/>
+        </a:scene3d>
+        <a:sp3d prstMaterial="dkEdge">
+          <a:bevelT w="8200" h="38100"/>
+        </a:sp3d>
+      </dsp:spPr>
+      <dsp:style>
+        <a:lnRef idx="0">
+          <a:scrgbClr r="0" g="0" b="0"/>
+        </a:lnRef>
+        <a:fillRef idx="2">
+          <a:scrgbClr r="0" g="0" b="0"/>
+        </a:fillRef>
+        <a:effectRef idx="1">
+          <a:scrgbClr r="0" g="0" b="0"/>
+        </a:effectRef>
+        <a:fontRef idx="minor">
+          <a:schemeClr val="dk1"/>
+        </a:fontRef>
+      </dsp:style>
+      <dsp:txBody>
+        <a:bodyPr spcFirstLastPara="0" vert="horz" wrap="square" lIns="60960" tIns="60960" rIns="60960" bIns="60960" numCol="1" spcCol="1270" anchor="ctr" anchorCtr="0">
+          <a:noAutofit/>
+        </a:bodyPr>
+        <a:lstStyle/>
+        <a:p>
+          <a:pPr lvl="0" algn="ctr" defTabSz="711200">
+            <a:lnSpc>
+              <a:spcPct val="90000"/>
+            </a:lnSpc>
+            <a:spcBef>
+              <a:spcPct val="0"/>
+            </a:spcBef>
+            <a:spcAft>
+              <a:spcPct val="35000"/>
+            </a:spcAft>
+          </a:pPr>
+          <a:r>
+            <a:rPr lang="ru-RU" sz="1600" kern="1200">
+              <a:solidFill>
+                <a:sysClr val="windowText" lastClr="000000">
+                  <a:hueOff val="0"/>
+                  <a:satOff val="0"/>
+                  <a:lumOff val="0"/>
+                  <a:alphaOff val="0"/>
+                </a:sysClr>
+              </a:solidFill>
+              <a:latin typeface="Times New Roman" pitchFamily="18" charset="0"/>
+              <a:ea typeface="+mn-ea"/>
+              <a:cs typeface="Times New Roman" pitchFamily="18" charset="0"/>
+            </a:rPr>
+            <a:t>Прибыль до налогообложения</a:t>
+          </a:r>
+        </a:p>
+      </dsp:txBody>
+      <dsp:txXfrm>
+        <a:off x="2091805" y="3250610"/>
+        <a:ext cx="5246204" cy="323528"/>
+      </dsp:txXfrm>
+    </dsp:sp>
+    <dsp:sp modelId="{2738F066-6DF1-40EB-B5D6-EDFE71B87A56}">
+      <dsp:nvSpPr>
+        <dsp:cNvPr id="0" name=""/>
+        <dsp:cNvSpPr/>
+      </dsp:nvSpPr>
+      <dsp:spPr>
+        <a:xfrm rot="5400000">
+          <a:off x="4650472" y="3592795"/>
+          <a:ext cx="128871" cy="154646"/>
+        </a:xfrm>
+        <a:prstGeom prst="mathMinus">
+          <a:avLst/>
+        </a:prstGeom>
+        <a:gradFill rotWithShape="0">
+          <a:gsLst>
+            <a:gs pos="0">
+              <a:sysClr val="windowText" lastClr="000000">
+                <a:tint val="60000"/>
+                <a:hueOff val="0"/>
+                <a:satOff val="0"/>
+                <a:lumOff val="0"/>
+                <a:alphaOff val="0"/>
+                <a:tint val="50000"/>
+                <a:satMod val="300000"/>
+              </a:sysClr>
+            </a:gs>
+            <a:gs pos="35000">
+              <a:sysClr val="windowText" lastClr="000000">
+                <a:tint val="60000"/>
+                <a:hueOff val="0"/>
+                <a:satOff val="0"/>
+                <a:lumOff val="0"/>
+                <a:alphaOff val="0"/>
+                <a:tint val="37000"/>
+                <a:satMod val="300000"/>
+              </a:sysClr>
+            </a:gs>
+            <a:gs pos="100000">
+              <a:sysClr val="windowText" lastClr="000000">
+                <a:tint val="60000"/>
+                <a:hueOff val="0"/>
+                <a:satOff val="0"/>
+                <a:lumOff val="0"/>
+                <a:alphaOff val="0"/>
+                <a:tint val="15000"/>
+                <a:satMod val="350000"/>
+              </a:sysClr>
+            </a:gs>
+          </a:gsLst>
+          <a:lin ang="16200000" scaled="1"/>
+        </a:gradFill>
+        <a:ln>
+          <a:noFill/>
+        </a:ln>
+        <a:effectLst>
+          <a:outerShdw blurRad="40000" dist="20000" dir="5400000" rotWithShape="0">
+            <a:srgbClr val="000000">
+              <a:alpha val="38000"/>
+            </a:srgbClr>
+          </a:outerShdw>
+        </a:effectLst>
+      </dsp:spPr>
+      <dsp:style>
+        <a:lnRef idx="0">
+          <a:scrgbClr r="0" g="0" b="0"/>
+        </a:lnRef>
+        <a:fillRef idx="2">
+          <a:scrgbClr r="0" g="0" b="0"/>
+        </a:fillRef>
+        <a:effectRef idx="1">
+          <a:scrgbClr r="0" g="0" b="0"/>
+        </a:effectRef>
+        <a:fontRef idx="minor">
+          <a:schemeClr val="dk1"/>
+        </a:fontRef>
+      </dsp:style>
+      <dsp:txBody>
+        <a:bodyPr spcFirstLastPara="0" vert="horz" wrap="square" lIns="0" tIns="0" rIns="0" bIns="0" numCol="1" spcCol="1270" anchor="ctr" anchorCtr="0">
+          <a:noAutofit/>
+        </a:bodyPr>
+        <a:lstStyle/>
+        <a:p>
+          <a:pPr lvl="0" algn="ctr" defTabSz="711200">
+            <a:lnSpc>
+              <a:spcPct val="90000"/>
+            </a:lnSpc>
+            <a:spcBef>
+              <a:spcPct val="0"/>
+            </a:spcBef>
+            <a:spcAft>
+              <a:spcPct val="35000"/>
+            </a:spcAft>
+          </a:pPr>
+          <a:endParaRPr lang="ru-RU" sz="1600" kern="1200">
+            <a:solidFill>
+              <a:sysClr val="windowText" lastClr="000000">
+                <a:hueOff val="0"/>
+                <a:satOff val="0"/>
+                <a:lumOff val="0"/>
+                <a:alphaOff val="0"/>
+              </a:sysClr>
+            </a:solidFill>
+            <a:latin typeface="Times New Roman" pitchFamily="18" charset="0"/>
+            <a:ea typeface="+mn-ea"/>
+            <a:cs typeface="Times New Roman" pitchFamily="18" charset="0"/>
+          </a:endParaRPr>
+        </a:p>
+      </dsp:txBody>
+      <dsp:txXfrm rot="-5400000">
+        <a:off x="4668514" y="3605683"/>
+        <a:ext cx="92788" cy="90210"/>
+      </dsp:txXfrm>
+    </dsp:sp>
+    <dsp:sp modelId="{5E6597D9-A6EB-40CF-946F-C7A9D44713D9}">
+      <dsp:nvSpPr>
+        <dsp:cNvPr id="0" name=""/>
+        <dsp:cNvSpPr/>
+      </dsp:nvSpPr>
+      <dsp:spPr>
+        <a:xfrm>
+          <a:off x="2081740" y="3756033"/>
+          <a:ext cx="5266334" cy="343658"/>
+        </a:xfrm>
+        <a:prstGeom prst="roundRect">
+          <a:avLst>
+            <a:gd name="adj" fmla="val 10000"/>
+          </a:avLst>
+        </a:prstGeom>
+        <a:gradFill rotWithShape="0">
+          <a:gsLst>
+            <a:gs pos="0">
+              <a:sysClr val="window" lastClr="FFFFFF">
+                <a:hueOff val="0"/>
+                <a:satOff val="0"/>
+                <a:lumOff val="0"/>
+                <a:alphaOff val="0"/>
+                <a:tint val="50000"/>
+                <a:satMod val="300000"/>
+              </a:sysClr>
+            </a:gs>
+            <a:gs pos="35000">
+              <a:sysClr val="window" lastClr="FFFFFF">
+                <a:hueOff val="0"/>
+                <a:satOff val="0"/>
+                <a:lumOff val="0"/>
+                <a:alphaOff val="0"/>
+                <a:tint val="37000"/>
+                <a:satMod val="300000"/>
+              </a:sysClr>
+            </a:gs>
+            <a:gs pos="100000">
+              <a:sysClr val="window" lastClr="FFFFFF">
+                <a:hueOff val="0"/>
+                <a:satOff val="0"/>
+                <a:lumOff val="0"/>
+                <a:alphaOff val="0"/>
+                <a:tint val="15000"/>
+                <a:satMod val="350000"/>
+              </a:sysClr>
+            </a:gs>
+          </a:gsLst>
+          <a:lin ang="16200000" scaled="1"/>
+        </a:gradFill>
+        <a:ln>
+          <a:noFill/>
+        </a:ln>
+        <a:effectLst>
+          <a:outerShdw blurRad="40000" dist="20000" dir="5400000" rotWithShape="0">
+            <a:srgbClr val="000000">
+              <a:alpha val="38000"/>
+            </a:srgbClr>
+          </a:outerShdw>
+        </a:effectLst>
+        <a:scene3d>
+          <a:camera prst="orthographicFront"/>
+          <a:lightRig rig="flat" dir="t"/>
+        </a:scene3d>
+        <a:sp3d prstMaterial="dkEdge">
+          <a:bevelT w="8200" h="38100"/>
+        </a:sp3d>
+      </dsp:spPr>
+      <dsp:style>
+        <a:lnRef idx="0">
+          <a:scrgbClr r="0" g="0" b="0"/>
+        </a:lnRef>
+        <a:fillRef idx="2">
+          <a:scrgbClr r="0" g="0" b="0"/>
+        </a:fillRef>
+        <a:effectRef idx="1">
+          <a:scrgbClr r="0" g="0" b="0"/>
+        </a:effectRef>
+        <a:fontRef idx="minor">
+          <a:schemeClr val="dk1"/>
+        </a:fontRef>
+      </dsp:style>
+      <dsp:txBody>
+        <a:bodyPr spcFirstLastPara="0" vert="horz" wrap="square" lIns="60960" tIns="60960" rIns="60960" bIns="60960" numCol="1" spcCol="1270" anchor="ctr" anchorCtr="0">
+          <a:noAutofit/>
+        </a:bodyPr>
+        <a:lstStyle/>
+        <a:p>
+          <a:pPr lvl="0" algn="ctr" defTabSz="711200">
+            <a:lnSpc>
+              <a:spcPct val="90000"/>
+            </a:lnSpc>
+            <a:spcBef>
+              <a:spcPct val="0"/>
+            </a:spcBef>
+            <a:spcAft>
+              <a:spcPct val="35000"/>
+            </a:spcAft>
+          </a:pPr>
+          <a:r>
+            <a:rPr lang="ru-RU" sz="1600" kern="1200">
+              <a:solidFill>
+                <a:sysClr val="windowText" lastClr="000000">
+                  <a:hueOff val="0"/>
+                  <a:satOff val="0"/>
+                  <a:lumOff val="0"/>
+                  <a:alphaOff val="0"/>
+                </a:sysClr>
+              </a:solidFill>
+              <a:latin typeface="Times New Roman" pitchFamily="18" charset="0"/>
+              <a:ea typeface="+mn-ea"/>
+              <a:cs typeface="Times New Roman" pitchFamily="18" charset="0"/>
+            </a:rPr>
+            <a:t>Налоги, сборы и платежи из прибыли</a:t>
+          </a:r>
+        </a:p>
+      </dsp:txBody>
+      <dsp:txXfrm>
+        <a:off x="2091805" y="3766098"/>
+        <a:ext cx="5246204" cy="323528"/>
+      </dsp:txXfrm>
+    </dsp:sp>
+    <dsp:sp modelId="{F03009A9-C29A-4753-9E0D-9C7A6F7E2F37}">
+      <dsp:nvSpPr>
+        <dsp:cNvPr id="0" name=""/>
+        <dsp:cNvSpPr/>
+      </dsp:nvSpPr>
+      <dsp:spPr>
+        <a:xfrm rot="5400000">
+          <a:off x="4650472" y="4108283"/>
+          <a:ext cx="128871" cy="154646"/>
+        </a:xfrm>
+        <a:prstGeom prst="mathEqual">
+          <a:avLst/>
+        </a:prstGeom>
+        <a:gradFill rotWithShape="0">
+          <a:gsLst>
+            <a:gs pos="0">
+              <a:sysClr val="windowText" lastClr="000000">
+                <a:tint val="60000"/>
+                <a:hueOff val="0"/>
+                <a:satOff val="0"/>
+                <a:lumOff val="0"/>
+                <a:alphaOff val="0"/>
+                <a:tint val="50000"/>
+                <a:satMod val="300000"/>
+              </a:sysClr>
+            </a:gs>
+            <a:gs pos="35000">
+              <a:sysClr val="windowText" lastClr="000000">
+                <a:tint val="60000"/>
+                <a:hueOff val="0"/>
+                <a:satOff val="0"/>
+                <a:lumOff val="0"/>
+                <a:alphaOff val="0"/>
+                <a:tint val="37000"/>
+                <a:satMod val="300000"/>
+              </a:sysClr>
+            </a:gs>
+            <a:gs pos="100000">
+              <a:sysClr val="windowText" lastClr="000000">
+                <a:tint val="60000"/>
+                <a:hueOff val="0"/>
+                <a:satOff val="0"/>
+                <a:lumOff val="0"/>
+                <a:alphaOff val="0"/>
+                <a:tint val="15000"/>
+                <a:satMod val="350000"/>
+              </a:sysClr>
+            </a:gs>
+          </a:gsLst>
+          <a:lin ang="16200000" scaled="1"/>
+        </a:gradFill>
+        <a:ln>
+          <a:noFill/>
+        </a:ln>
+        <a:effectLst>
+          <a:outerShdw blurRad="40000" dist="20000" dir="5400000" rotWithShape="0">
+            <a:srgbClr val="000000">
+              <a:alpha val="38000"/>
+            </a:srgbClr>
+          </a:outerShdw>
+        </a:effectLst>
+      </dsp:spPr>
+      <dsp:style>
+        <a:lnRef idx="0">
+          <a:scrgbClr r="0" g="0" b="0"/>
+        </a:lnRef>
+        <a:fillRef idx="2">
+          <a:scrgbClr r="0" g="0" b="0"/>
+        </a:fillRef>
+        <a:effectRef idx="1">
+          <a:scrgbClr r="0" g="0" b="0"/>
+        </a:effectRef>
+        <a:fontRef idx="minor">
+          <a:schemeClr val="dk1"/>
+        </a:fontRef>
+      </dsp:style>
+      <dsp:txBody>
+        <a:bodyPr spcFirstLastPara="0" vert="horz" wrap="square" lIns="0" tIns="0" rIns="0" bIns="0" numCol="1" spcCol="1270" anchor="ctr" anchorCtr="0">
+          <a:noAutofit/>
+        </a:bodyPr>
+        <a:lstStyle/>
+        <a:p>
+          <a:pPr lvl="0" algn="ctr" defTabSz="711200">
+            <a:lnSpc>
+              <a:spcPct val="90000"/>
+            </a:lnSpc>
+            <a:spcBef>
+              <a:spcPct val="0"/>
+            </a:spcBef>
+            <a:spcAft>
+              <a:spcPct val="35000"/>
+            </a:spcAft>
+          </a:pPr>
+          <a:endParaRPr lang="ru-RU" sz="1600" kern="1200">
+            <a:solidFill>
+              <a:sysClr val="windowText" lastClr="000000">
+                <a:hueOff val="0"/>
+                <a:satOff val="0"/>
+                <a:lumOff val="0"/>
+                <a:alphaOff val="0"/>
+              </a:sysClr>
+            </a:solidFill>
+            <a:latin typeface="Times New Roman" pitchFamily="18" charset="0"/>
+            <a:ea typeface="+mn-ea"/>
+            <a:cs typeface="Times New Roman" pitchFamily="18" charset="0"/>
+          </a:endParaRPr>
+        </a:p>
+      </dsp:txBody>
+      <dsp:txXfrm rot="-5400000">
+        <a:off x="4668514" y="4121171"/>
+        <a:ext cx="92788" cy="90210"/>
+      </dsp:txXfrm>
+    </dsp:sp>
+    <dsp:sp modelId="{4EDBB9E7-C336-43D8-A5E5-68B854BCDA22}">
+      <dsp:nvSpPr>
+        <dsp:cNvPr id="0" name=""/>
+        <dsp:cNvSpPr/>
+      </dsp:nvSpPr>
+      <dsp:spPr>
+        <a:xfrm>
+          <a:off x="2081740" y="4271521"/>
+          <a:ext cx="5266334" cy="343658"/>
+        </a:xfrm>
+        <a:prstGeom prst="roundRect">
+          <a:avLst>
+            <a:gd name="adj" fmla="val 10000"/>
+          </a:avLst>
+        </a:prstGeom>
+        <a:gradFill rotWithShape="0">
+          <a:gsLst>
+            <a:gs pos="0">
+              <a:sysClr val="window" lastClr="FFFFFF">
+                <a:hueOff val="0"/>
+                <a:satOff val="0"/>
+                <a:lumOff val="0"/>
+                <a:alphaOff val="0"/>
+                <a:tint val="50000"/>
+                <a:satMod val="300000"/>
+              </a:sysClr>
+            </a:gs>
+            <a:gs pos="35000">
+              <a:sysClr val="window" lastClr="FFFFFF">
+                <a:hueOff val="0"/>
+                <a:satOff val="0"/>
+                <a:lumOff val="0"/>
+                <a:alphaOff val="0"/>
+                <a:tint val="37000"/>
+                <a:satMod val="300000"/>
+              </a:sysClr>
+            </a:gs>
+            <a:gs pos="100000">
+              <a:sysClr val="window" lastClr="FFFFFF">
+                <a:hueOff val="0"/>
+                <a:satOff val="0"/>
+                <a:lumOff val="0"/>
+                <a:alphaOff val="0"/>
+                <a:tint val="15000"/>
+                <a:satMod val="350000"/>
+              </a:sysClr>
+            </a:gs>
+          </a:gsLst>
+          <a:lin ang="16200000" scaled="1"/>
+        </a:gradFill>
+        <a:ln>
+          <a:noFill/>
+        </a:ln>
+        <a:effectLst>
+          <a:outerShdw blurRad="40000" dist="20000" dir="5400000" rotWithShape="0">
+            <a:srgbClr val="000000">
+              <a:alpha val="38000"/>
+            </a:srgbClr>
+          </a:outerShdw>
+        </a:effectLst>
+        <a:scene3d>
+          <a:camera prst="orthographicFront"/>
+          <a:lightRig rig="flat" dir="t"/>
+        </a:scene3d>
+        <a:sp3d prstMaterial="dkEdge">
+          <a:bevelT w="8200" h="38100"/>
+        </a:sp3d>
+      </dsp:spPr>
+      <dsp:style>
+        <a:lnRef idx="0">
+          <a:scrgbClr r="0" g="0" b="0"/>
+        </a:lnRef>
+        <a:fillRef idx="2">
+          <a:scrgbClr r="0" g="0" b="0"/>
+        </a:fillRef>
+        <a:effectRef idx="1">
+          <a:scrgbClr r="0" g="0" b="0"/>
+        </a:effectRef>
+        <a:fontRef idx="minor">
+          <a:schemeClr val="dk1"/>
+        </a:fontRef>
+      </dsp:style>
+      <dsp:txBody>
+        <a:bodyPr spcFirstLastPara="0" vert="horz" wrap="square" lIns="60960" tIns="60960" rIns="60960" bIns="60960" numCol="1" spcCol="1270" anchor="ctr" anchorCtr="0">
+          <a:noAutofit/>
+        </a:bodyPr>
+        <a:lstStyle/>
+        <a:p>
+          <a:pPr lvl="0" algn="ctr" defTabSz="711200">
+            <a:lnSpc>
+              <a:spcPct val="90000"/>
+            </a:lnSpc>
+            <a:spcBef>
+              <a:spcPct val="0"/>
+            </a:spcBef>
+            <a:spcAft>
+              <a:spcPct val="35000"/>
+            </a:spcAft>
+          </a:pPr>
+          <a:r>
+            <a:rPr lang="ru-RU" sz="1600" kern="1200">
+              <a:solidFill>
+                <a:sysClr val="windowText" lastClr="000000">
+                  <a:hueOff val="0"/>
+                  <a:satOff val="0"/>
+                  <a:lumOff val="0"/>
+                  <a:alphaOff val="0"/>
+                </a:sysClr>
+              </a:solidFill>
+              <a:latin typeface="Times New Roman" pitchFamily="18" charset="0"/>
+              <a:ea typeface="+mn-ea"/>
+              <a:cs typeface="Times New Roman" pitchFamily="18" charset="0"/>
+            </a:rPr>
+            <a:t>Чистая прибыль</a:t>
+          </a:r>
+        </a:p>
+      </dsp:txBody>
+      <dsp:txXfrm>
+        <a:off x="2091805" y="4281586"/>
+        <a:ext cx="5246204" cy="323528"/>
+      </dsp:txXfrm>
+    </dsp:sp>
+    <dsp:sp modelId="{D802DBC2-970B-4593-81EE-4D74A768F01D}">
+      <dsp:nvSpPr>
+        <dsp:cNvPr id="0" name=""/>
+        <dsp:cNvSpPr/>
+      </dsp:nvSpPr>
+      <dsp:spPr>
+        <a:xfrm rot="5400000">
+          <a:off x="4650472" y="4623771"/>
+          <a:ext cx="128871" cy="154646"/>
+        </a:xfrm>
+        <a:prstGeom prst="mathPlus">
+          <a:avLst/>
+        </a:prstGeom>
+        <a:gradFill rotWithShape="0">
+          <a:gsLst>
+            <a:gs pos="0">
+              <a:sysClr val="windowText" lastClr="000000">
+                <a:tint val="60000"/>
+                <a:hueOff val="0"/>
+                <a:satOff val="0"/>
+                <a:lumOff val="0"/>
+                <a:alphaOff val="0"/>
+                <a:tint val="50000"/>
+                <a:satMod val="300000"/>
+              </a:sysClr>
+            </a:gs>
+            <a:gs pos="35000">
+              <a:sysClr val="windowText" lastClr="000000">
+                <a:tint val="60000"/>
+                <a:hueOff val="0"/>
+                <a:satOff val="0"/>
+                <a:lumOff val="0"/>
+                <a:alphaOff val="0"/>
+                <a:tint val="37000"/>
+                <a:satMod val="300000"/>
+              </a:sysClr>
+            </a:gs>
+            <a:gs pos="100000">
+              <a:sysClr val="windowText" lastClr="000000">
+                <a:tint val="60000"/>
+                <a:hueOff val="0"/>
+                <a:satOff val="0"/>
+                <a:lumOff val="0"/>
+                <a:alphaOff val="0"/>
+                <a:tint val="15000"/>
+                <a:satMod val="350000"/>
+              </a:sysClr>
+            </a:gs>
+          </a:gsLst>
+          <a:lin ang="16200000" scaled="1"/>
+        </a:gradFill>
+        <a:ln>
+          <a:noFill/>
+        </a:ln>
+        <a:effectLst>
+          <a:outerShdw blurRad="40000" dist="20000" dir="5400000" rotWithShape="0">
+            <a:srgbClr val="000000">
+              <a:alpha val="38000"/>
+            </a:srgbClr>
+          </a:outerShdw>
+        </a:effectLst>
+      </dsp:spPr>
+      <dsp:style>
+        <a:lnRef idx="0">
+          <a:scrgbClr r="0" g="0" b="0"/>
+        </a:lnRef>
+        <a:fillRef idx="2">
+          <a:scrgbClr r="0" g="0" b="0"/>
+        </a:fillRef>
+        <a:effectRef idx="1">
+          <a:scrgbClr r="0" g="0" b="0"/>
+        </a:effectRef>
+        <a:fontRef idx="minor">
+          <a:schemeClr val="dk1"/>
+        </a:fontRef>
+      </dsp:style>
+      <dsp:txBody>
+        <a:bodyPr spcFirstLastPara="0" vert="horz" wrap="square" lIns="0" tIns="0" rIns="0" bIns="0" numCol="1" spcCol="1270" anchor="ctr" anchorCtr="0">
+          <a:noAutofit/>
+        </a:bodyPr>
+        <a:lstStyle/>
+        <a:p>
+          <a:pPr lvl="0" algn="ctr" defTabSz="711200">
+            <a:lnSpc>
+              <a:spcPct val="90000"/>
+            </a:lnSpc>
+            <a:spcBef>
+              <a:spcPct val="0"/>
+            </a:spcBef>
+            <a:spcAft>
+              <a:spcPct val="35000"/>
+            </a:spcAft>
+          </a:pPr>
+          <a:endParaRPr lang="ru-RU" sz="1600" kern="1200">
+            <a:solidFill>
+              <a:sysClr val="windowText" lastClr="000000">
+                <a:hueOff val="0"/>
+                <a:satOff val="0"/>
+                <a:lumOff val="0"/>
+                <a:alphaOff val="0"/>
+              </a:sysClr>
+            </a:solidFill>
+            <a:latin typeface="Times New Roman" pitchFamily="18" charset="0"/>
+            <a:ea typeface="+mn-ea"/>
+            <a:cs typeface="Times New Roman" pitchFamily="18" charset="0"/>
+          </a:endParaRPr>
+        </a:p>
+      </dsp:txBody>
+      <dsp:txXfrm rot="-5400000">
+        <a:off x="4668514" y="4636659"/>
+        <a:ext cx="92788" cy="90210"/>
+      </dsp:txXfrm>
+    </dsp:sp>
+    <dsp:sp modelId="{C6EC97B2-E47C-49B7-A271-97303337EB3C}">
+      <dsp:nvSpPr>
+        <dsp:cNvPr id="0" name=""/>
+        <dsp:cNvSpPr/>
+      </dsp:nvSpPr>
+      <dsp:spPr>
+        <a:xfrm>
+          <a:off x="2081740" y="4787009"/>
+          <a:ext cx="5266334" cy="479888"/>
+        </a:xfrm>
+        <a:prstGeom prst="roundRect">
+          <a:avLst>
+            <a:gd name="adj" fmla="val 10000"/>
+          </a:avLst>
+        </a:prstGeom>
+        <a:gradFill rotWithShape="0">
+          <a:gsLst>
+            <a:gs pos="0">
+              <a:sysClr val="window" lastClr="FFFFFF">
+                <a:hueOff val="0"/>
+                <a:satOff val="0"/>
+                <a:lumOff val="0"/>
+                <a:alphaOff val="0"/>
+                <a:tint val="50000"/>
+                <a:satMod val="300000"/>
+              </a:sysClr>
+            </a:gs>
+            <a:gs pos="35000">
+              <a:sysClr val="window" lastClr="FFFFFF">
+                <a:hueOff val="0"/>
+                <a:satOff val="0"/>
+                <a:lumOff val="0"/>
+                <a:alphaOff val="0"/>
+                <a:tint val="37000"/>
+                <a:satMod val="300000"/>
+              </a:sysClr>
+            </a:gs>
+            <a:gs pos="100000">
+              <a:sysClr val="window" lastClr="FFFFFF">
+                <a:hueOff val="0"/>
+                <a:satOff val="0"/>
+                <a:lumOff val="0"/>
+                <a:alphaOff val="0"/>
+                <a:tint val="15000"/>
+                <a:satMod val="350000"/>
+              </a:sysClr>
+            </a:gs>
+          </a:gsLst>
+          <a:lin ang="16200000" scaled="1"/>
+        </a:gradFill>
+        <a:ln>
+          <a:noFill/>
+        </a:ln>
+        <a:effectLst>
+          <a:outerShdw blurRad="40000" dist="20000" dir="5400000" rotWithShape="0">
+            <a:srgbClr val="000000">
+              <a:alpha val="38000"/>
+            </a:srgbClr>
+          </a:outerShdw>
+        </a:effectLst>
+        <a:scene3d>
+          <a:camera prst="orthographicFront"/>
+          <a:lightRig rig="flat" dir="t"/>
+        </a:scene3d>
+        <a:sp3d prstMaterial="dkEdge">
+          <a:bevelT w="8200" h="38100"/>
+        </a:sp3d>
+      </dsp:spPr>
+      <dsp:style>
+        <a:lnRef idx="0">
+          <a:scrgbClr r="0" g="0" b="0"/>
+        </a:lnRef>
+        <a:fillRef idx="2">
+          <a:scrgbClr r="0" g="0" b="0"/>
+        </a:fillRef>
+        <a:effectRef idx="1">
+          <a:scrgbClr r="0" g="0" b="0"/>
+        </a:effectRef>
+        <a:fontRef idx="minor">
+          <a:schemeClr val="dk1"/>
+        </a:fontRef>
+      </dsp:style>
+      <dsp:txBody>
+        <a:bodyPr spcFirstLastPara="0" vert="horz" wrap="square" lIns="60960" tIns="60960" rIns="60960" bIns="60960" numCol="1" spcCol="1270" anchor="ctr" anchorCtr="0">
+          <a:noAutofit/>
+        </a:bodyPr>
+        <a:lstStyle/>
+        <a:p>
+          <a:pPr lvl="0" algn="ctr" defTabSz="711200">
+            <a:lnSpc>
+              <a:spcPct val="90000"/>
+            </a:lnSpc>
+            <a:spcBef>
+              <a:spcPct val="0"/>
+            </a:spcBef>
+            <a:spcAft>
+              <a:spcPct val="35000"/>
+            </a:spcAft>
+          </a:pPr>
+          <a:r>
+            <a:rPr lang="ru-RU" sz="1600" kern="1200">
+              <a:solidFill>
+                <a:sysClr val="windowText" lastClr="000000">
+                  <a:hueOff val="0"/>
+                  <a:satOff val="0"/>
+                  <a:lumOff val="0"/>
+                  <a:alphaOff val="0"/>
+                </a:sysClr>
+              </a:solidFill>
+              <a:latin typeface="Times New Roman" pitchFamily="18" charset="0"/>
+              <a:ea typeface="+mn-ea"/>
+              <a:cs typeface="Times New Roman" pitchFamily="18" charset="0"/>
+            </a:rPr>
+            <a:t>Результат от прочих операций, не включаемый в чистую прибыль</a:t>
+          </a:r>
+        </a:p>
+      </dsp:txBody>
+      <dsp:txXfrm>
+        <a:off x="2095795" y="4801064"/>
+        <a:ext cx="5238224" cy="451778"/>
+      </dsp:txXfrm>
+    </dsp:sp>
+    <dsp:sp modelId="{D1B71973-E07F-45B7-AF35-83477ECE971B}">
+      <dsp:nvSpPr>
+        <dsp:cNvPr id="0" name=""/>
+        <dsp:cNvSpPr/>
+      </dsp:nvSpPr>
+      <dsp:spPr>
+        <a:xfrm rot="5400000">
+          <a:off x="4650472" y="5275488"/>
+          <a:ext cx="128871" cy="154646"/>
+        </a:xfrm>
+        <a:prstGeom prst="mathEqual">
+          <a:avLst/>
+        </a:prstGeom>
+        <a:gradFill rotWithShape="0">
+          <a:gsLst>
+            <a:gs pos="0">
+              <a:sysClr val="windowText" lastClr="000000">
+                <a:tint val="60000"/>
+                <a:hueOff val="0"/>
+                <a:satOff val="0"/>
+                <a:lumOff val="0"/>
+                <a:alphaOff val="0"/>
+                <a:tint val="50000"/>
+                <a:satMod val="300000"/>
+              </a:sysClr>
+            </a:gs>
+            <a:gs pos="35000">
+              <a:sysClr val="windowText" lastClr="000000">
+                <a:tint val="60000"/>
+                <a:hueOff val="0"/>
+                <a:satOff val="0"/>
+                <a:lumOff val="0"/>
+                <a:alphaOff val="0"/>
+                <a:tint val="37000"/>
+                <a:satMod val="300000"/>
+              </a:sysClr>
+            </a:gs>
+            <a:gs pos="100000">
+              <a:sysClr val="windowText" lastClr="000000">
+                <a:tint val="60000"/>
+                <a:hueOff val="0"/>
+                <a:satOff val="0"/>
+                <a:lumOff val="0"/>
+                <a:alphaOff val="0"/>
+                <a:tint val="15000"/>
+                <a:satMod val="350000"/>
+              </a:sysClr>
+            </a:gs>
+          </a:gsLst>
+          <a:lin ang="16200000" scaled="1"/>
+        </a:gradFill>
+        <a:ln>
+          <a:noFill/>
+        </a:ln>
+        <a:effectLst>
+          <a:outerShdw blurRad="40000" dist="20000" dir="5400000" rotWithShape="0">
+            <a:srgbClr val="000000">
+              <a:alpha val="38000"/>
+            </a:srgbClr>
+          </a:outerShdw>
+        </a:effectLst>
+      </dsp:spPr>
+      <dsp:style>
+        <a:lnRef idx="0">
+          <a:scrgbClr r="0" g="0" b="0"/>
+        </a:lnRef>
+        <a:fillRef idx="2">
+          <a:scrgbClr r="0" g="0" b="0"/>
+        </a:fillRef>
+        <a:effectRef idx="1">
+          <a:scrgbClr r="0" g="0" b="0"/>
+        </a:effectRef>
+        <a:fontRef idx="minor">
+          <a:schemeClr val="dk1"/>
+        </a:fontRef>
+      </dsp:style>
+      <dsp:txBody>
+        <a:bodyPr spcFirstLastPara="0" vert="horz" wrap="square" lIns="0" tIns="0" rIns="0" bIns="0" numCol="1" spcCol="1270" anchor="ctr" anchorCtr="0">
+          <a:noAutofit/>
+        </a:bodyPr>
+        <a:lstStyle/>
+        <a:p>
+          <a:pPr lvl="0" algn="ctr" defTabSz="711200">
+            <a:lnSpc>
+              <a:spcPct val="90000"/>
+            </a:lnSpc>
+            <a:spcBef>
+              <a:spcPct val="0"/>
+            </a:spcBef>
+            <a:spcAft>
+              <a:spcPct val="35000"/>
+            </a:spcAft>
+          </a:pPr>
+          <a:endParaRPr lang="ru-RU" sz="1600" kern="1200">
+            <a:solidFill>
+              <a:sysClr val="windowText" lastClr="000000">
+                <a:hueOff val="0"/>
+                <a:satOff val="0"/>
+                <a:lumOff val="0"/>
+                <a:alphaOff val="0"/>
+              </a:sysClr>
+            </a:solidFill>
+            <a:latin typeface="Times New Roman" pitchFamily="18" charset="0"/>
+            <a:ea typeface="+mn-ea"/>
+            <a:cs typeface="Times New Roman" pitchFamily="18" charset="0"/>
+          </a:endParaRPr>
+        </a:p>
+      </dsp:txBody>
+      <dsp:txXfrm rot="-5400000">
+        <a:off x="4668514" y="5288376"/>
+        <a:ext cx="92788" cy="90210"/>
+      </dsp:txXfrm>
+    </dsp:sp>
+    <dsp:sp modelId="{36AA35A0-C2F4-496E-9B6F-C3A15D53F06A}">
+      <dsp:nvSpPr>
+        <dsp:cNvPr id="0" name=""/>
+        <dsp:cNvSpPr/>
+      </dsp:nvSpPr>
+      <dsp:spPr>
+        <a:xfrm>
+          <a:off x="2081740" y="5438726"/>
+          <a:ext cx="5266334" cy="343658"/>
+        </a:xfrm>
+        <a:prstGeom prst="roundRect">
+          <a:avLst>
+            <a:gd name="adj" fmla="val 10000"/>
+          </a:avLst>
+        </a:prstGeom>
+        <a:gradFill rotWithShape="0">
+          <a:gsLst>
+            <a:gs pos="0">
+              <a:sysClr val="window" lastClr="FFFFFF">
+                <a:hueOff val="0"/>
+                <a:satOff val="0"/>
+                <a:lumOff val="0"/>
+                <a:alphaOff val="0"/>
+                <a:tint val="50000"/>
+                <a:satMod val="300000"/>
+              </a:sysClr>
+            </a:gs>
+            <a:gs pos="35000">
+              <a:sysClr val="window" lastClr="FFFFFF">
+                <a:hueOff val="0"/>
+                <a:satOff val="0"/>
+                <a:lumOff val="0"/>
+                <a:alphaOff val="0"/>
+                <a:tint val="37000"/>
+                <a:satMod val="300000"/>
+              </a:sysClr>
+            </a:gs>
+            <a:gs pos="100000">
+              <a:sysClr val="window" lastClr="FFFFFF">
+                <a:hueOff val="0"/>
+                <a:satOff val="0"/>
+                <a:lumOff val="0"/>
+                <a:alphaOff val="0"/>
+                <a:tint val="15000"/>
+                <a:satMod val="350000"/>
+              </a:sysClr>
+            </a:gs>
+          </a:gsLst>
+          <a:lin ang="16200000" scaled="1"/>
+        </a:gradFill>
+        <a:ln>
+          <a:noFill/>
+        </a:ln>
+        <a:effectLst>
+          <a:outerShdw blurRad="40000" dist="20000" dir="5400000" rotWithShape="0">
+            <a:srgbClr val="000000">
+              <a:alpha val="38000"/>
+            </a:srgbClr>
+          </a:outerShdw>
+        </a:effectLst>
+        <a:scene3d>
+          <a:camera prst="orthographicFront"/>
+          <a:lightRig rig="flat" dir="t"/>
+        </a:scene3d>
+        <a:sp3d prstMaterial="dkEdge">
+          <a:bevelT w="8200" h="38100"/>
+        </a:sp3d>
+      </dsp:spPr>
+      <dsp:style>
+        <a:lnRef idx="0">
+          <a:scrgbClr r="0" g="0" b="0"/>
+        </a:lnRef>
+        <a:fillRef idx="2">
+          <a:scrgbClr r="0" g="0" b="0"/>
+        </a:fillRef>
+        <a:effectRef idx="1">
+          <a:scrgbClr r="0" g="0" b="0"/>
+        </a:effectRef>
+        <a:fontRef idx="minor">
+          <a:schemeClr val="dk1"/>
+        </a:fontRef>
+      </dsp:style>
+      <dsp:txBody>
+        <a:bodyPr spcFirstLastPara="0" vert="horz" wrap="square" lIns="60960" tIns="60960" rIns="60960" bIns="60960" numCol="1" spcCol="1270" anchor="ctr" anchorCtr="0">
+          <a:noAutofit/>
+        </a:bodyPr>
+        <a:lstStyle/>
+        <a:p>
+          <a:pPr lvl="0" algn="ctr" defTabSz="711200">
+            <a:lnSpc>
+              <a:spcPct val="90000"/>
+            </a:lnSpc>
+            <a:spcBef>
+              <a:spcPct val="0"/>
+            </a:spcBef>
+            <a:spcAft>
+              <a:spcPct val="35000"/>
+            </a:spcAft>
+          </a:pPr>
+          <a:r>
+            <a:rPr lang="ru-RU" sz="1600" kern="1200">
+              <a:solidFill>
+                <a:sysClr val="windowText" lastClr="000000">
+                  <a:hueOff val="0"/>
+                  <a:satOff val="0"/>
+                  <a:lumOff val="0"/>
+                  <a:alphaOff val="0"/>
+                </a:sysClr>
+              </a:solidFill>
+              <a:latin typeface="Times New Roman" pitchFamily="18" charset="0"/>
+              <a:ea typeface="+mn-ea"/>
+              <a:cs typeface="Times New Roman" pitchFamily="18" charset="0"/>
+            </a:rPr>
+            <a:t>Совокупная прибыль</a:t>
+          </a:r>
+        </a:p>
+      </dsp:txBody>
+      <dsp:txXfrm>
+        <a:off x="2091805" y="5448791"/>
+        <a:ext cx="5246204" cy="323528"/>
+      </dsp:txXfrm>
+    </dsp:sp>
   </dsp:spTree>
 </dsp:drawing>
 </file>
@@ -13891,8 +16363,31 @@
           <a:p>
             <a:pPr algn="ctr"/>
             <a:r>
-              <a:rPr smtClean="0"/>
-              <a:t>Учет и анализ финансовых результатов деятельности организации</a:t>
+              <a:rPr dirty="0" smtClean="0"/>
+              <a:t>Учет и анализ финансовых результатов </a:t>
+            </a:r>
+            <a:r>
+              <a:rPr dirty="0" smtClean="0"/>
+              <a:t>деятельности</a:t>
+            </a:r>
+            <a:r>
+              <a:rPr lang="en-US" dirty="0" smtClean="0"/>
+              <a:t/>
+            </a:r>
+            <a:br>
+              <a:rPr lang="en-US" dirty="0" smtClean="0"/>
+            </a:br>
+            <a:r>
+              <a:rPr lang="ru-RU" dirty="0" smtClean="0"/>
+              <a:t>промышленной</a:t>
+            </a:r>
+            <a:r>
+              <a:rPr dirty="0" smtClean="0"/>
+              <a:t> </a:t>
+            </a:r>
+            <a:r>
+              <a:rPr dirty="0" smtClean="0"/>
+              <a:t>организации</a:t>
             </a:r>
             <a:endParaRPr lang="ru-RU" dirty="0"/>
           </a:p>
@@ -13920,11 +16415,7 @@
           <a:p>
             <a:r>
               <a:rPr dirty="0" smtClean="0"/>
-              <a:t>Руководитель</a:t>
-            </a:r>
-            <a:r>
-              <a:rPr dirty="0" smtClean="0"/>
-              <a:t>:</a:t>
+              <a:t>Руководитель:</a:t>
             </a:r>
             <a:endParaRPr lang="ru-RU" dirty="0" smtClean="0"/>
           </a:p>
@@ -31776,12 +34267,6 @@
 </file>
 
 <file path=customXml/item1.xml><?xml version="1.0" encoding="utf-8"?>
-<p:properties xmlns:p="http://schemas.microsoft.com/office/2006/metadata/properties" xmlns:xsi="http://www.w3.org/2001/XMLSchema-instance" xmlns:pc="http://schemas.microsoft.com/office/infopath/2007/PartnerControls">
-  <documentManagement/>
-</p:properties>
-</file>
-
-<file path=customXml/item2.xml><?xml version="1.0" encoding="utf-8"?>
 <ct:contentTypeSchema xmlns:ct="http://schemas.microsoft.com/office/2006/metadata/contentType" xmlns:ma="http://schemas.microsoft.com/office/2006/metadata/properties/metaAttributes" ct:_="" ma:_="" ma:contentTypeName="Document" ma:contentTypeID="0x0101007C1D5F340F01F94FA2FD29A5E6DC872E" ma:contentTypeVersion="0" ma:contentTypeDescription="Create a new document." ma:contentTypeScope="" ma:versionID="f583bd66513a361a730282b6a794e352">
   <xsd:schema xmlns:xsd="http://www.w3.org/2001/XMLSchema" xmlns:xs="http://www.w3.org/2001/XMLSchema" xmlns:p="http://schemas.microsoft.com/office/2006/metadata/properties" targetNamespace="http://schemas.microsoft.com/office/2006/metadata/properties" ma:root="true" ma:fieldsID="6841151cf538834e171094e4faaf2d73">
     <xsd:element name="properties">
@@ -31895,6 +34380,12 @@
 </ct:contentTypeSchema>
 </file>
 
+<file path=customXml/item2.xml><?xml version="1.0" encoding="utf-8"?>
+<p:properties xmlns:p="http://schemas.microsoft.com/office/2006/metadata/properties" xmlns:xsi="http://www.w3.org/2001/XMLSchema-instance" xmlns:pc="http://schemas.microsoft.com/office/infopath/2007/PartnerControls">
+  <documentManagement/>
+</p:properties>
+</file>
+
 <file path=customXml/item3.xml><?xml version="1.0" encoding="utf-8"?>
 <?mso-contentType ?>
 <FormTemplates xmlns="http://schemas.microsoft.com/sharepoint/v3/contenttype/forms">
@@ -31905,21 +34396,6 @@
 </file>
 
 <file path=customXml/itemProps1.xml><?xml version="1.0" encoding="utf-8"?>
-<ds:datastoreItem xmlns:ds="http://schemas.openxmlformats.org/officeDocument/2006/customXml" ds:itemID="{F2B73376-B181-4668-84FF-A62668D48FE9}">
-  <ds:schemaRefs>
-    <ds:schemaRef ds:uri="http://purl.org/dc/elements/1.1/"/>
-    <ds:schemaRef ds:uri="http://schemas.microsoft.com/office/2006/metadata/properties"/>
-    <ds:schemaRef ds:uri="http://purl.org/dc/terms/"/>
-    <ds:schemaRef ds:uri="http://schemas.openxmlformats.org/package/2006/metadata/core-properties"/>
-    <ds:schemaRef ds:uri="http://schemas.microsoft.com/office/2006/documentManagement/types"/>
-    <ds:schemaRef ds:uri="http://schemas.microsoft.com/office/infopath/2007/PartnerControls"/>
-    <ds:schemaRef ds:uri="http://www.w3.org/XML/1998/namespace"/>
-    <ds:schemaRef ds:uri="http://purl.org/dc/dcmitype/"/>
-  </ds:schemaRefs>
-</ds:datastoreItem>
-</file>
-
-<file path=customXml/itemProps2.xml><?xml version="1.0" encoding="utf-8"?>
 <ds:datastoreItem xmlns:ds="http://schemas.openxmlformats.org/officeDocument/2006/customXml" ds:itemID="{4E963E73-FDB1-44AE-BA76-746BBD659F2B}">
   <ds:schemaRefs>
     <ds:schemaRef ds:uri="http://schemas.microsoft.com/office/2006/metadata/contentType"/>
@@ -31935,6 +34411,21 @@
 </ds:datastoreItem>
 </file>
 
+<file path=customXml/itemProps2.xml><?xml version="1.0" encoding="utf-8"?>
+<ds:datastoreItem xmlns:ds="http://schemas.openxmlformats.org/officeDocument/2006/customXml" ds:itemID="{F2B73376-B181-4668-84FF-A62668D48FE9}">
+  <ds:schemaRefs>
+    <ds:schemaRef ds:uri="http://purl.org/dc/elements/1.1/"/>
+    <ds:schemaRef ds:uri="http://schemas.microsoft.com/office/2006/metadata/properties"/>
+    <ds:schemaRef ds:uri="http://purl.org/dc/terms/"/>
+    <ds:schemaRef ds:uri="http://schemas.openxmlformats.org/package/2006/metadata/core-properties"/>
+    <ds:schemaRef ds:uri="http://schemas.microsoft.com/office/2006/documentManagement/types"/>
+    <ds:schemaRef ds:uri="http://schemas.microsoft.com/office/infopath/2007/PartnerControls"/>
+    <ds:schemaRef ds:uri="http://www.w3.org/XML/1998/namespace"/>
+    <ds:schemaRef ds:uri="http://purl.org/dc/dcmitype/"/>
+  </ds:schemaRefs>
+</ds:datastoreItem>
+</file>
+
 <file path=customXml/itemProps3.xml><?xml version="1.0" encoding="utf-8"?>
 <ds:datastoreItem xmlns:ds="http://schemas.openxmlformats.org/officeDocument/2006/customXml" ds:itemID="{99150CD3-A6AC-414D-9560-715EC9E31BA5}">
   <ds:schemaRefs>

--- a/Диплом финрезультаты.pptx
+++ b/Диплом финрезультаты.pptx
@@ -150,9 +150,9 @@
 </file>
 
 <file path=ppt/charts/chart1.xml><?xml version="1.0" encoding="utf-8"?>
-<c:chartSpace xmlns:c="http://schemas.openxmlformats.org/drawingml/2006/chart" xmlns:a="http://schemas.openxmlformats.org/drawingml/2006/main" xmlns:r="http://schemas.openxmlformats.org/officeDocument/2006/relationships">
+<c:chartSpace xmlns:c="http://schemas.openxmlformats.org/drawingml/2006/chart" xmlns:a="http://schemas.openxmlformats.org/drawingml/2006/main" xmlns:r="http://schemas.openxmlformats.org/officeDocument/2006/relationships" xmlns:c16r2="http://schemas.microsoft.com/office/drawing/2015/06/chart">
   <c:date1904 val="0"/>
-  <c:lang val="ru-RU"/>
+  <c:lang val="en-US"/>
   <c:roundedCorners val="0"/>
   <mc:AlternateContent xmlns:mc="http://schemas.openxmlformats.org/markup-compatibility/2006">
     <mc:Choice xmlns:c14="http://schemas.microsoft.com/office/drawing/2007/8/2/chart" Requires="c14">
@@ -264,6 +264,11 @@
               </c:numCache>
             </c:numRef>
           </c:val>
+          <c:extLst>
+            <c:ext xmlns:c16="http://schemas.microsoft.com/office/drawing/2014/chart" uri="{C3380CC4-5D6E-409C-BE32-E72D297353CC}">
+              <c16:uniqueId val="{00000000-D36C-4154-952C-CC4D7D9AFC08}"/>
+            </c:ext>
+          </c:extLst>
         </c:ser>
         <c:ser>
           <c:idx val="1"/>
@@ -298,6 +303,9 @@
               <c:showBubbleSize val="0"/>
               <c:extLst>
                 <c:ext xmlns:c15="http://schemas.microsoft.com/office/drawing/2012/chart" uri="{CE6537A1-D6FC-4f65-9D91-7224C49458BB}"/>
+                <c:ext xmlns:c16="http://schemas.microsoft.com/office/drawing/2014/chart" uri="{C3380CC4-5D6E-409C-BE32-E72D297353CC}">
+                  <c16:uniqueId val="{00000001-D36C-4154-952C-CC4D7D9AFC08}"/>
+                </c:ext>
               </c:extLst>
             </c:dLbl>
             <c:spPr>
@@ -368,6 +376,11 @@
               </c:numCache>
             </c:numRef>
           </c:val>
+          <c:extLst>
+            <c:ext xmlns:c16="http://schemas.microsoft.com/office/drawing/2014/chart" uri="{C3380CC4-5D6E-409C-BE32-E72D297353CC}">
+              <c16:uniqueId val="{00000002-D36C-4154-952C-CC4D7D9AFC08}"/>
+            </c:ext>
+          </c:extLst>
         </c:ser>
         <c:dLbls>
           <c:showLegendKey val="0"/>
@@ -399,7 +412,7 @@
             <a:pPr>
               <a:defRPr/>
             </a:pPr>
-            <a:endParaRPr lang="ru-RU"/>
+            <a:endParaRPr lang="en-US"/>
           </a:p>
         </c:txPr>
         <c:crossAx val="257477232"/>
@@ -456,7 +469,7 @@
             <a:pPr>
               <a:defRPr/>
             </a:pPr>
-            <a:endParaRPr lang="ru-RU"/>
+            <a:endParaRPr lang="en-US"/>
           </a:p>
         </c:txPr>
         <c:crossAx val="257474488"/>
@@ -501,7 +514,7 @@
           <a:cs typeface="Times New Roman" pitchFamily="18" charset="0"/>
         </a:defRPr>
       </a:pPr>
-      <a:endParaRPr lang="ru-RU"/>
+      <a:endParaRPr lang="en-US"/>
     </a:p>
   </c:txPr>
   <c:externalData r:id="rId1">
@@ -511,9 +524,9 @@
 </file>
 
 <file path=ppt/charts/chart2.xml><?xml version="1.0" encoding="utf-8"?>
-<c:chartSpace xmlns:c="http://schemas.openxmlformats.org/drawingml/2006/chart" xmlns:a="http://schemas.openxmlformats.org/drawingml/2006/main" xmlns:r="http://schemas.openxmlformats.org/officeDocument/2006/relationships">
+<c:chartSpace xmlns:c="http://schemas.openxmlformats.org/drawingml/2006/chart" xmlns:a="http://schemas.openxmlformats.org/drawingml/2006/main" xmlns:r="http://schemas.openxmlformats.org/officeDocument/2006/relationships" xmlns:c16r2="http://schemas.microsoft.com/office/drawing/2015/06/chart">
   <c:date1904 val="0"/>
-  <c:lang val="ru-RU"/>
+  <c:lang val="en-US"/>
   <c:roundedCorners val="0"/>
   <mc:AlternateContent xmlns:mc="http://schemas.openxmlformats.org/markup-compatibility/2006">
     <mc:Choice xmlns:c14="http://schemas.microsoft.com/office/drawing/2007/8/2/chart" Requires="c14">
@@ -606,6 +619,11 @@
               </c:numCache>
             </c:numRef>
           </c:val>
+          <c:extLst>
+            <c:ext xmlns:c16="http://schemas.microsoft.com/office/drawing/2014/chart" uri="{C3380CC4-5D6E-409C-BE32-E72D297353CC}">
+              <c16:uniqueId val="{00000000-5450-46F4-A3E7-F66B012C6F68}"/>
+            </c:ext>
+          </c:extLst>
         </c:ser>
         <c:ser>
           <c:idx val="1"/>
@@ -640,6 +658,9 @@
               <c:showBubbleSize val="0"/>
               <c:extLst>
                 <c:ext xmlns:c15="http://schemas.microsoft.com/office/drawing/2012/chart" uri="{CE6537A1-D6FC-4f65-9D91-7224C49458BB}"/>
+                <c:ext xmlns:c16="http://schemas.microsoft.com/office/drawing/2014/chart" uri="{C3380CC4-5D6E-409C-BE32-E72D297353CC}">
+                  <c16:uniqueId val="{00000001-5450-46F4-A3E7-F66B012C6F68}"/>
+                </c:ext>
               </c:extLst>
             </c:dLbl>
             <c:spPr>
@@ -692,6 +713,11 @@
               </c:numCache>
             </c:numRef>
           </c:val>
+          <c:extLst>
+            <c:ext xmlns:c16="http://schemas.microsoft.com/office/drawing/2014/chart" uri="{C3380CC4-5D6E-409C-BE32-E72D297353CC}">
+              <c16:uniqueId val="{00000002-5450-46F4-A3E7-F66B012C6F68}"/>
+            </c:ext>
+          </c:extLst>
         </c:ser>
         <c:ser>
           <c:idx val="2"/>
@@ -758,6 +784,11 @@
               </c:numCache>
             </c:numRef>
           </c:val>
+          <c:extLst>
+            <c:ext xmlns:c16="http://schemas.microsoft.com/office/drawing/2014/chart" uri="{C3380CC4-5D6E-409C-BE32-E72D297353CC}">
+              <c16:uniqueId val="{00000003-5450-46F4-A3E7-F66B012C6F68}"/>
+            </c:ext>
+          </c:extLst>
         </c:ser>
         <c:dLbls>
           <c:showLegendKey val="0"/>
@@ -869,7 +900,7 @@
           <a:cs typeface="Times New Roman" pitchFamily="18" charset="0"/>
         </a:defRPr>
       </a:pPr>
-      <a:endParaRPr lang="ru-RU"/>
+      <a:endParaRPr lang="en-US"/>
     </a:p>
   </c:txPr>
   <c:externalData r:id="rId1">
@@ -879,9 +910,9 @@
 </file>
 
 <file path=ppt/charts/chart3.xml><?xml version="1.0" encoding="utf-8"?>
-<c:chartSpace xmlns:c="http://schemas.openxmlformats.org/drawingml/2006/chart" xmlns:a="http://schemas.openxmlformats.org/drawingml/2006/main" xmlns:r="http://schemas.openxmlformats.org/officeDocument/2006/relationships">
+<c:chartSpace xmlns:c="http://schemas.openxmlformats.org/drawingml/2006/chart" xmlns:a="http://schemas.openxmlformats.org/drawingml/2006/main" xmlns:r="http://schemas.openxmlformats.org/officeDocument/2006/relationships" xmlns:c16r2="http://schemas.microsoft.com/office/drawing/2015/06/chart">
   <c:date1904 val="0"/>
-  <c:lang val="ru-RU"/>
+  <c:lang val="en-US"/>
   <c:roundedCorners val="0"/>
   <mc:AlternateContent xmlns:mc="http://schemas.openxmlformats.org/markup-compatibility/2006">
     <mc:Choice xmlns:c14="http://schemas.microsoft.com/office/drawing/2007/8/2/chart" Requires="c14">
@@ -975,6 +1006,11 @@
               </c:numCache>
             </c:numRef>
           </c:val>
+          <c:extLst>
+            <c:ext xmlns:c16="http://schemas.microsoft.com/office/drawing/2014/chart" uri="{C3380CC4-5D6E-409C-BE32-E72D297353CC}">
+              <c16:uniqueId val="{00000000-BACD-4989-AB53-594E4BC4A5EC}"/>
+            </c:ext>
+          </c:extLst>
         </c:ser>
         <c:dLbls>
           <c:showLegendKey val="0"/>
@@ -1006,7 +1042,7 @@
             <a:pPr>
               <a:defRPr/>
             </a:pPr>
-            <a:endParaRPr lang="ru-RU"/>
+            <a:endParaRPr lang="en-US"/>
           </a:p>
         </c:txPr>
         <c:crossAx val="258119024"/>
@@ -1055,7 +1091,7 @@
             <a:pPr>
               <a:defRPr/>
             </a:pPr>
-            <a:endParaRPr lang="ru-RU"/>
+            <a:endParaRPr lang="en-US"/>
           </a:p>
         </c:txPr>
         <c:crossAx val="258126472"/>
@@ -1086,7 +1122,7 @@
           <a:cs typeface="Times New Roman" pitchFamily="18" charset="0"/>
         </a:defRPr>
       </a:pPr>
-      <a:endParaRPr lang="ru-RU"/>
+      <a:endParaRPr lang="en-US"/>
     </a:p>
   </c:txPr>
   <c:externalData r:id="rId1">
@@ -1096,9 +1132,9 @@
 </file>
 
 <file path=ppt/charts/chart4.xml><?xml version="1.0" encoding="utf-8"?>
-<c:chartSpace xmlns:c="http://schemas.openxmlformats.org/drawingml/2006/chart" xmlns:a="http://schemas.openxmlformats.org/drawingml/2006/main" xmlns:r="http://schemas.openxmlformats.org/officeDocument/2006/relationships">
+<c:chartSpace xmlns:c="http://schemas.openxmlformats.org/drawingml/2006/chart" xmlns:a="http://schemas.openxmlformats.org/drawingml/2006/main" xmlns:r="http://schemas.openxmlformats.org/officeDocument/2006/relationships" xmlns:c16r2="http://schemas.microsoft.com/office/drawing/2015/06/chart">
   <c:date1904 val="0"/>
-  <c:lang val="ru-RU"/>
+  <c:lang val="en-US"/>
   <c:roundedCorners val="0"/>
   <mc:AlternateContent xmlns:mc="http://schemas.openxmlformats.org/markup-compatibility/2006">
     <mc:Choice xmlns:c14="http://schemas.microsoft.com/office/drawing/2007/8/2/chart" Requires="c14">
@@ -1172,6 +1208,9 @@
               <c:showBubbleSize val="0"/>
               <c:extLst>
                 <c:ext xmlns:c15="http://schemas.microsoft.com/office/drawing/2012/chart" uri="{CE6537A1-D6FC-4f65-9D91-7224C49458BB}"/>
+                <c:ext xmlns:c16="http://schemas.microsoft.com/office/drawing/2014/chart" uri="{C3380CC4-5D6E-409C-BE32-E72D297353CC}">
+                  <c16:uniqueId val="{00000000-6148-49D8-9C73-53D7040E6BC2}"/>
+                </c:ext>
               </c:extLst>
             </c:dLbl>
             <c:dLbl>
@@ -1190,6 +1229,9 @@
               <c:showBubbleSize val="0"/>
               <c:extLst>
                 <c:ext xmlns:c15="http://schemas.microsoft.com/office/drawing/2012/chart" uri="{CE6537A1-D6FC-4f65-9D91-7224C49458BB}"/>
+                <c:ext xmlns:c16="http://schemas.microsoft.com/office/drawing/2014/chart" uri="{C3380CC4-5D6E-409C-BE32-E72D297353CC}">
+                  <c16:uniqueId val="{00000001-6148-49D8-9C73-53D7040E6BC2}"/>
+                </c:ext>
               </c:extLst>
             </c:dLbl>
             <c:dLbl>
@@ -1208,6 +1250,9 @@
               <c:showBubbleSize val="0"/>
               <c:extLst>
                 <c:ext xmlns:c15="http://schemas.microsoft.com/office/drawing/2012/chart" uri="{CE6537A1-D6FC-4f65-9D91-7224C49458BB}"/>
+                <c:ext xmlns:c16="http://schemas.microsoft.com/office/drawing/2014/chart" uri="{C3380CC4-5D6E-409C-BE32-E72D297353CC}">
+                  <c16:uniqueId val="{00000002-6148-49D8-9C73-53D7040E6BC2}"/>
+                </c:ext>
               </c:extLst>
             </c:dLbl>
             <c:spPr>
@@ -1271,6 +1316,11 @@
               </c:numCache>
             </c:numRef>
           </c:val>
+          <c:extLst>
+            <c:ext xmlns:c16="http://schemas.microsoft.com/office/drawing/2014/chart" uri="{C3380CC4-5D6E-409C-BE32-E72D297353CC}">
+              <c16:uniqueId val="{00000003-6148-49D8-9C73-53D7040E6BC2}"/>
+            </c:ext>
+          </c:extLst>
         </c:ser>
         <c:ser>
           <c:idx val="1"/>
@@ -1304,6 +1354,9 @@
               <c:showBubbleSize val="0"/>
               <c:extLst>
                 <c:ext xmlns:c15="http://schemas.microsoft.com/office/drawing/2012/chart" uri="{CE6537A1-D6FC-4f65-9D91-7224C49458BB}"/>
+                <c:ext xmlns:c16="http://schemas.microsoft.com/office/drawing/2014/chart" uri="{C3380CC4-5D6E-409C-BE32-E72D297353CC}">
+                  <c16:uniqueId val="{00000004-6148-49D8-9C73-53D7040E6BC2}"/>
+                </c:ext>
               </c:extLst>
             </c:dLbl>
             <c:dLbl>
@@ -1322,6 +1375,9 @@
               <c:showBubbleSize val="0"/>
               <c:extLst>
                 <c:ext xmlns:c15="http://schemas.microsoft.com/office/drawing/2012/chart" uri="{CE6537A1-D6FC-4f65-9D91-7224C49458BB}"/>
+                <c:ext xmlns:c16="http://schemas.microsoft.com/office/drawing/2014/chart" uri="{C3380CC4-5D6E-409C-BE32-E72D297353CC}">
+                  <c16:uniqueId val="{00000005-6148-49D8-9C73-53D7040E6BC2}"/>
+                </c:ext>
               </c:extLst>
             </c:dLbl>
             <c:dLbl>
@@ -1340,6 +1396,9 @@
               <c:showBubbleSize val="0"/>
               <c:extLst>
                 <c:ext xmlns:c15="http://schemas.microsoft.com/office/drawing/2012/chart" uri="{CE6537A1-D6FC-4f65-9D91-7224C49458BB}"/>
+                <c:ext xmlns:c16="http://schemas.microsoft.com/office/drawing/2014/chart" uri="{C3380CC4-5D6E-409C-BE32-E72D297353CC}">
+                  <c16:uniqueId val="{00000006-6148-49D8-9C73-53D7040E6BC2}"/>
+                </c:ext>
               </c:extLst>
             </c:dLbl>
             <c:dLbl>
@@ -1358,6 +1417,9 @@
               <c:showBubbleSize val="0"/>
               <c:extLst>
                 <c:ext xmlns:c15="http://schemas.microsoft.com/office/drawing/2012/chart" uri="{CE6537A1-D6FC-4f65-9D91-7224C49458BB}"/>
+                <c:ext xmlns:c16="http://schemas.microsoft.com/office/drawing/2014/chart" uri="{C3380CC4-5D6E-409C-BE32-E72D297353CC}">
+                  <c16:uniqueId val="{00000007-6148-49D8-9C73-53D7040E6BC2}"/>
+                </c:ext>
               </c:extLst>
             </c:dLbl>
             <c:spPr>
@@ -1421,6 +1483,11 @@
               </c:numCache>
             </c:numRef>
           </c:val>
+          <c:extLst>
+            <c:ext xmlns:c16="http://schemas.microsoft.com/office/drawing/2014/chart" uri="{C3380CC4-5D6E-409C-BE32-E72D297353CC}">
+              <c16:uniqueId val="{00000008-6148-49D8-9C73-53D7040E6BC2}"/>
+            </c:ext>
+          </c:extLst>
         </c:ser>
         <c:dLbls>
           <c:showLegendKey val="0"/>
@@ -1533,7 +1600,7 @@
           <a:cs typeface="Times New Roman" pitchFamily="18" charset="0"/>
         </a:defRPr>
       </a:pPr>
-      <a:endParaRPr lang="ru-RU"/>
+      <a:endParaRPr lang="en-US"/>
     </a:p>
   </c:txPr>
   <c:externalData r:id="rId1">
@@ -1543,9 +1610,9 @@
 </file>
 
 <file path=ppt/charts/chart5.xml><?xml version="1.0" encoding="utf-8"?>
-<c:chartSpace xmlns:c="http://schemas.openxmlformats.org/drawingml/2006/chart" xmlns:a="http://schemas.openxmlformats.org/drawingml/2006/main" xmlns:r="http://schemas.openxmlformats.org/officeDocument/2006/relationships">
+<c:chartSpace xmlns:c="http://schemas.openxmlformats.org/drawingml/2006/chart" xmlns:a="http://schemas.openxmlformats.org/drawingml/2006/main" xmlns:r="http://schemas.openxmlformats.org/officeDocument/2006/relationships" xmlns:c16r2="http://schemas.microsoft.com/office/drawing/2015/06/chart">
   <c:date1904 val="0"/>
-  <c:lang val="ru-RU"/>
+  <c:lang val="en-US"/>
   <c:roundedCorners val="0"/>
   <mc:AlternateContent xmlns:mc="http://schemas.openxmlformats.org/markup-compatibility/2006">
     <mc:Choice xmlns:c14="http://schemas.microsoft.com/office/drawing/2007/8/2/chart" Requires="c14">
@@ -1612,7 +1679,7 @@
                 <a:pPr>
                   <a:defRPr/>
                 </a:pPr>
-                <a:endParaRPr lang="ru-RU"/>
+                <a:endParaRPr lang="en-US"/>
               </a:p>
             </c:txPr>
             <c:showLegendKey val="0"/>
@@ -1699,6 +1766,11 @@
               </c:numCache>
             </c:numRef>
           </c:val>
+          <c:extLst>
+            <c:ext xmlns:c16="http://schemas.microsoft.com/office/drawing/2014/chart" uri="{C3380CC4-5D6E-409C-BE32-E72D297353CC}">
+              <c16:uniqueId val="{00000000-FB9B-4EFE-A366-0ADBCC697BA3}"/>
+            </c:ext>
+          </c:extLst>
         </c:ser>
         <c:ser>
           <c:idx val="1"/>
@@ -1741,6 +1813,9 @@
               <c:showBubbleSize val="0"/>
               <c:extLst>
                 <c:ext xmlns:c15="http://schemas.microsoft.com/office/drawing/2012/chart" uri="{CE6537A1-D6FC-4f65-9D91-7224C49458BB}"/>
+                <c:ext xmlns:c16="http://schemas.microsoft.com/office/drawing/2014/chart" uri="{C3380CC4-5D6E-409C-BE32-E72D297353CC}">
+                  <c16:uniqueId val="{00000001-FB9B-4EFE-A366-0ADBCC697BA3}"/>
+                </c:ext>
               </c:extLst>
             </c:dLbl>
             <c:dLbl>
@@ -1759,6 +1834,9 @@
               <c:showBubbleSize val="0"/>
               <c:extLst>
                 <c:ext xmlns:c15="http://schemas.microsoft.com/office/drawing/2012/chart" uri="{CE6537A1-D6FC-4f65-9D91-7224C49458BB}"/>
+                <c:ext xmlns:c16="http://schemas.microsoft.com/office/drawing/2014/chart" uri="{C3380CC4-5D6E-409C-BE32-E72D297353CC}">
+                  <c16:uniqueId val="{00000002-FB9B-4EFE-A366-0ADBCC697BA3}"/>
+                </c:ext>
               </c:extLst>
             </c:dLbl>
             <c:dLbl>
@@ -1777,6 +1855,9 @@
               <c:showBubbleSize val="0"/>
               <c:extLst>
                 <c:ext xmlns:c15="http://schemas.microsoft.com/office/drawing/2012/chart" uri="{CE6537A1-D6FC-4f65-9D91-7224C49458BB}"/>
+                <c:ext xmlns:c16="http://schemas.microsoft.com/office/drawing/2014/chart" uri="{C3380CC4-5D6E-409C-BE32-E72D297353CC}">
+                  <c16:uniqueId val="{00000003-FB9B-4EFE-A366-0ADBCC697BA3}"/>
+                </c:ext>
               </c:extLst>
             </c:dLbl>
             <c:dLbl>
@@ -1795,6 +1876,9 @@
               <c:showBubbleSize val="0"/>
               <c:extLst>
                 <c:ext xmlns:c15="http://schemas.microsoft.com/office/drawing/2012/chart" uri="{CE6537A1-D6FC-4f65-9D91-7224C49458BB}"/>
+                <c:ext xmlns:c16="http://schemas.microsoft.com/office/drawing/2014/chart" uri="{C3380CC4-5D6E-409C-BE32-E72D297353CC}">
+                  <c16:uniqueId val="{00000004-FB9B-4EFE-A366-0ADBCC697BA3}"/>
+                </c:ext>
               </c:extLst>
             </c:dLbl>
             <c:dLbl>
@@ -1813,6 +1897,9 @@
               <c:showBubbleSize val="0"/>
               <c:extLst>
                 <c:ext xmlns:c15="http://schemas.microsoft.com/office/drawing/2012/chart" uri="{CE6537A1-D6FC-4f65-9D91-7224C49458BB}"/>
+                <c:ext xmlns:c16="http://schemas.microsoft.com/office/drawing/2014/chart" uri="{C3380CC4-5D6E-409C-BE32-E72D297353CC}">
+                  <c16:uniqueId val="{00000005-FB9B-4EFE-A366-0ADBCC697BA3}"/>
+                </c:ext>
               </c:extLst>
             </c:dLbl>
             <c:dLbl>
@@ -1831,6 +1918,9 @@
               <c:showBubbleSize val="0"/>
               <c:extLst>
                 <c:ext xmlns:c15="http://schemas.microsoft.com/office/drawing/2012/chart" uri="{CE6537A1-D6FC-4f65-9D91-7224C49458BB}"/>
+                <c:ext xmlns:c16="http://schemas.microsoft.com/office/drawing/2014/chart" uri="{C3380CC4-5D6E-409C-BE32-E72D297353CC}">
+                  <c16:uniqueId val="{00000006-FB9B-4EFE-A366-0ADBCC697BA3}"/>
+                </c:ext>
               </c:extLst>
             </c:dLbl>
             <c:dLbl>
@@ -1849,6 +1939,9 @@
               <c:showBubbleSize val="0"/>
               <c:extLst>
                 <c:ext xmlns:c15="http://schemas.microsoft.com/office/drawing/2012/chart" uri="{CE6537A1-D6FC-4f65-9D91-7224C49458BB}"/>
+                <c:ext xmlns:c16="http://schemas.microsoft.com/office/drawing/2014/chart" uri="{C3380CC4-5D6E-409C-BE32-E72D297353CC}">
+                  <c16:uniqueId val="{00000007-FB9B-4EFE-A366-0ADBCC697BA3}"/>
+                </c:ext>
               </c:extLst>
             </c:dLbl>
             <c:dLbl>
@@ -1867,6 +1960,9 @@
               <c:showBubbleSize val="0"/>
               <c:extLst>
                 <c:ext xmlns:c15="http://schemas.microsoft.com/office/drawing/2012/chart" uri="{CE6537A1-D6FC-4f65-9D91-7224C49458BB}"/>
+                <c:ext xmlns:c16="http://schemas.microsoft.com/office/drawing/2014/chart" uri="{C3380CC4-5D6E-409C-BE32-E72D297353CC}">
+                  <c16:uniqueId val="{00000008-FB9B-4EFE-A366-0ADBCC697BA3}"/>
+                </c:ext>
               </c:extLst>
             </c:dLbl>
             <c:dLbl>
@@ -1885,6 +1981,9 @@
               <c:showBubbleSize val="0"/>
               <c:extLst>
                 <c:ext xmlns:c15="http://schemas.microsoft.com/office/drawing/2012/chart" uri="{CE6537A1-D6FC-4f65-9D91-7224C49458BB}"/>
+                <c:ext xmlns:c16="http://schemas.microsoft.com/office/drawing/2014/chart" uri="{C3380CC4-5D6E-409C-BE32-E72D297353CC}">
+                  <c16:uniqueId val="{00000009-FB9B-4EFE-A366-0ADBCC697BA3}"/>
+                </c:ext>
               </c:extLst>
             </c:dLbl>
             <c:spPr>
@@ -1901,7 +2000,7 @@
                 <a:pPr>
                   <a:defRPr/>
                 </a:pPr>
-                <a:endParaRPr lang="ru-RU"/>
+                <a:endParaRPr lang="en-US"/>
               </a:p>
             </c:txPr>
             <c:showLegendKey val="0"/>
@@ -1988,6 +2087,11 @@
               </c:numCache>
             </c:numRef>
           </c:val>
+          <c:extLst>
+            <c:ext xmlns:c16="http://schemas.microsoft.com/office/drawing/2014/chart" uri="{C3380CC4-5D6E-409C-BE32-E72D297353CC}">
+              <c16:uniqueId val="{0000000A-FB9B-4EFE-A366-0ADBCC697BA3}"/>
+            </c:ext>
+          </c:extLst>
         </c:ser>
         <c:dLbls>
           <c:showLegendKey val="0"/>
@@ -2047,7 +2151,7 @@
             <a:pPr>
               <a:defRPr/>
             </a:pPr>
-            <a:endParaRPr lang="ru-RU"/>
+            <a:endParaRPr lang="en-US"/>
           </a:p>
         </c:txPr>
         <c:crossAx val="258123728"/>
@@ -2123,7 +2227,7 @@
             <a:pPr>
               <a:defRPr/>
             </a:pPr>
-            <a:endParaRPr lang="ru-RU"/>
+            <a:endParaRPr lang="en-US"/>
           </a:p>
         </c:txPr>
         <c:crossAx val="258120200"/>
@@ -2176,7 +2280,7 @@
           <a:pPr>
             <a:defRPr/>
           </a:pPr>
-          <a:endParaRPr lang="ru-RU"/>
+          <a:endParaRPr lang="en-US"/>
         </a:p>
       </c:txPr>
     </c:legend>
@@ -2204,7 +2308,7 @@
           <a:cs typeface="Times New Roman" pitchFamily="18" charset="0"/>
         </a:defRPr>
       </a:pPr>
-      <a:endParaRPr lang="ru-RU"/>
+      <a:endParaRPr lang="en-US"/>
     </a:p>
   </c:txPr>
   <c:externalData r:id="rId1">
@@ -2214,9 +2318,9 @@
 </file>
 
 <file path=ppt/charts/chart6.xml><?xml version="1.0" encoding="utf-8"?>
-<c:chartSpace xmlns:c="http://schemas.openxmlformats.org/drawingml/2006/chart" xmlns:a="http://schemas.openxmlformats.org/drawingml/2006/main" xmlns:r="http://schemas.openxmlformats.org/officeDocument/2006/relationships">
+<c:chartSpace xmlns:c="http://schemas.openxmlformats.org/drawingml/2006/chart" xmlns:a="http://schemas.openxmlformats.org/drawingml/2006/main" xmlns:r="http://schemas.openxmlformats.org/officeDocument/2006/relationships" xmlns:c16r2="http://schemas.microsoft.com/office/drawing/2015/06/chart">
   <c:date1904 val="0"/>
-  <c:lang val="ru-RU"/>
+  <c:lang val="en-US"/>
   <c:roundedCorners val="0"/>
   <mc:AlternateContent xmlns:mc="http://schemas.openxmlformats.org/markup-compatibility/2006">
     <mc:Choice xmlns:c14="http://schemas.microsoft.com/office/drawing/2007/8/2/chart" Requires="c14">
@@ -2290,6 +2394,9 @@
               <c:showBubbleSize val="0"/>
               <c:extLst>
                 <c:ext xmlns:c15="http://schemas.microsoft.com/office/drawing/2012/chart" uri="{CE6537A1-D6FC-4f65-9D91-7224C49458BB}"/>
+                <c:ext xmlns:c16="http://schemas.microsoft.com/office/drawing/2014/chart" uri="{C3380CC4-5D6E-409C-BE32-E72D297353CC}">
+                  <c16:uniqueId val="{00000000-C166-4730-9596-624B42589021}"/>
+                </c:ext>
               </c:extLst>
             </c:dLbl>
             <c:dLbl>
@@ -2308,6 +2415,9 @@
               <c:showBubbleSize val="0"/>
               <c:extLst>
                 <c:ext xmlns:c15="http://schemas.microsoft.com/office/drawing/2012/chart" uri="{CE6537A1-D6FC-4f65-9D91-7224C49458BB}"/>
+                <c:ext xmlns:c16="http://schemas.microsoft.com/office/drawing/2014/chart" uri="{C3380CC4-5D6E-409C-BE32-E72D297353CC}">
+                  <c16:uniqueId val="{00000001-C166-4730-9596-624B42589021}"/>
+                </c:ext>
               </c:extLst>
             </c:dLbl>
             <c:spPr>
@@ -2359,6 +2469,11 @@
               </c:numCache>
             </c:numRef>
           </c:val>
+          <c:extLst>
+            <c:ext xmlns:c16="http://schemas.microsoft.com/office/drawing/2014/chart" uri="{C3380CC4-5D6E-409C-BE32-E72D297353CC}">
+              <c16:uniqueId val="{00000002-C166-4730-9596-624B42589021}"/>
+            </c:ext>
+          </c:extLst>
         </c:ser>
         <c:ser>
           <c:idx val="1"/>
@@ -2392,6 +2507,9 @@
               <c:showBubbleSize val="0"/>
               <c:extLst>
                 <c:ext xmlns:c15="http://schemas.microsoft.com/office/drawing/2012/chart" uri="{CE6537A1-D6FC-4f65-9D91-7224C49458BB}"/>
+                <c:ext xmlns:c16="http://schemas.microsoft.com/office/drawing/2014/chart" uri="{C3380CC4-5D6E-409C-BE32-E72D297353CC}">
+                  <c16:uniqueId val="{00000003-C166-4730-9596-624B42589021}"/>
+                </c:ext>
               </c:extLst>
             </c:dLbl>
             <c:dLbl>
@@ -2410,6 +2528,9 @@
               <c:showBubbleSize val="0"/>
               <c:extLst>
                 <c:ext xmlns:c15="http://schemas.microsoft.com/office/drawing/2012/chart" uri="{CE6537A1-D6FC-4f65-9D91-7224C49458BB}"/>
+                <c:ext xmlns:c16="http://schemas.microsoft.com/office/drawing/2014/chart" uri="{C3380CC4-5D6E-409C-BE32-E72D297353CC}">
+                  <c16:uniqueId val="{00000004-C166-4730-9596-624B42589021}"/>
+                </c:ext>
               </c:extLst>
             </c:dLbl>
             <c:spPr>
@@ -2461,6 +2582,11 @@
               </c:numCache>
             </c:numRef>
           </c:val>
+          <c:extLst>
+            <c:ext xmlns:c16="http://schemas.microsoft.com/office/drawing/2014/chart" uri="{C3380CC4-5D6E-409C-BE32-E72D297353CC}">
+              <c16:uniqueId val="{00000005-C166-4730-9596-624B42589021}"/>
+            </c:ext>
+          </c:extLst>
         </c:ser>
         <c:dLbls>
           <c:showLegendKey val="0"/>
@@ -2573,7 +2699,7 @@
           <a:cs typeface="Times New Roman" pitchFamily="18" charset="0"/>
         </a:defRPr>
       </a:pPr>
-      <a:endParaRPr lang="ru-RU"/>
+      <a:endParaRPr lang="en-US"/>
     </a:p>
   </c:txPr>
   <c:externalData r:id="rId1">
@@ -7221,8 +7347,8 @@
     <dgm:cxn modelId="{65E0CDB7-2ED2-402F-8795-A3850B44499F}" type="presOf" srcId="{419F95E7-BC8F-4765-8F6A-8A6C0F3DDE8A}" destId="{09634E8B-A990-455B-878C-90DAB1E97FAA}" srcOrd="0" destOrd="0" presId="urn:microsoft.com/office/officeart/2008/layout/HorizontalMultiLevelHierarchy"/>
     <dgm:cxn modelId="{92F67C03-F08A-425F-A53C-209220A3271D}" srcId="{FD1F08BF-713A-48D8-A4F9-C1F30ED1AA20}" destId="{B2717EC9-7823-48B8-A130-D52DD2527F27}" srcOrd="0" destOrd="0" parTransId="{172F1BB0-7C1D-4156-84FB-BF54600AB6F4}" sibTransId="{3AE4D44E-323A-4197-ADE1-CD08E0DBB3A0}"/>
     <dgm:cxn modelId="{CC9C3689-CFF5-42CE-92D4-1FE069FD2ADA}" type="presOf" srcId="{F3D762B0-9616-4D34-B2DE-52583C2ED498}" destId="{D2FFD10A-D92B-403F-B927-5A94CA626061}" srcOrd="0" destOrd="0" presId="urn:microsoft.com/office/officeart/2008/layout/HorizontalMultiLevelHierarchy"/>
+    <dgm:cxn modelId="{B21C14E1-C034-46A3-B0C2-E8622A3F5046}" srcId="{B2717EC9-7823-48B8-A130-D52DD2527F27}" destId="{FD8EC714-B89C-4BFB-A29A-7743B58AA181}" srcOrd="0" destOrd="0" parTransId="{F5737074-E3CD-4347-B364-EBD42A7C5D0F}" sibTransId="{1A8E4308-BDC4-4154-8C60-CACD7F16871B}"/>
     <dgm:cxn modelId="{CFB731EF-DD11-40E7-BFAA-D8F951A1ACF7}" type="presOf" srcId="{3C70F188-2264-46B3-8302-CAA4BDF4753F}" destId="{24B88061-83BA-412C-9CC3-904F54D7415B}" srcOrd="0" destOrd="0" presId="urn:microsoft.com/office/officeart/2008/layout/HorizontalMultiLevelHierarchy"/>
-    <dgm:cxn modelId="{B21C14E1-C034-46A3-B0C2-E8622A3F5046}" srcId="{B2717EC9-7823-48B8-A130-D52DD2527F27}" destId="{FD8EC714-B89C-4BFB-A29A-7743B58AA181}" srcOrd="0" destOrd="0" parTransId="{F5737074-E3CD-4347-B364-EBD42A7C5D0F}" sibTransId="{1A8E4308-BDC4-4154-8C60-CACD7F16871B}"/>
     <dgm:cxn modelId="{D24A4B84-90E5-4CE7-9916-6F59C888F2F8}" type="presOf" srcId="{172F1BB0-7C1D-4156-84FB-BF54600AB6F4}" destId="{E877708C-D880-42F4-98FA-B308F0D72F61}" srcOrd="1" destOrd="0" presId="urn:microsoft.com/office/officeart/2008/layout/HorizontalMultiLevelHierarchy"/>
     <dgm:cxn modelId="{1D455CE3-15D2-47CF-BD8B-3C0C5255B69A}" type="presParOf" srcId="{33393049-140C-4DE7-9FDC-48D3187C005F}" destId="{2082F161-0726-4358-B70B-FB9C00645E59}" srcOrd="0" destOrd="0" presId="urn:microsoft.com/office/officeart/2008/layout/HorizontalMultiLevelHierarchy"/>
     <dgm:cxn modelId="{D06BD5B6-CF55-471B-89B8-5BDA8A26C357}" type="presParOf" srcId="{2082F161-0726-4358-B70B-FB9C00645E59}" destId="{1EC23980-C375-4C0B-9E67-35FCF6803BEB}" srcOrd="0" destOrd="0" presId="urn:microsoft.com/office/officeart/2008/layout/HorizontalMultiLevelHierarchy"/>
@@ -7271,6 +7397,2478 @@
       <dsp:cNvGrpSpPr/>
     </dsp:nvGrpSpPr>
     <dsp:grpSpPr/>
+    <dsp:sp modelId="{A4CD2B4C-B148-4761-95EB-6793008B07E6}">
+      <dsp:nvSpPr>
+        <dsp:cNvPr id="0" name=""/>
+        <dsp:cNvSpPr/>
+      </dsp:nvSpPr>
+      <dsp:spPr>
+        <a:xfrm>
+          <a:off x="2081740" y="4068"/>
+          <a:ext cx="5266334" cy="487208"/>
+        </a:xfrm>
+        <a:prstGeom prst="roundRect">
+          <a:avLst>
+            <a:gd name="adj" fmla="val 10000"/>
+          </a:avLst>
+        </a:prstGeom>
+        <a:gradFill rotWithShape="0">
+          <a:gsLst>
+            <a:gs pos="0">
+              <a:sysClr val="window" lastClr="FFFFFF">
+                <a:hueOff val="0"/>
+                <a:satOff val="0"/>
+                <a:lumOff val="0"/>
+                <a:alphaOff val="0"/>
+                <a:tint val="50000"/>
+                <a:satMod val="300000"/>
+              </a:sysClr>
+            </a:gs>
+            <a:gs pos="35000">
+              <a:sysClr val="window" lastClr="FFFFFF">
+                <a:hueOff val="0"/>
+                <a:satOff val="0"/>
+                <a:lumOff val="0"/>
+                <a:alphaOff val="0"/>
+                <a:tint val="37000"/>
+                <a:satMod val="300000"/>
+              </a:sysClr>
+            </a:gs>
+            <a:gs pos="100000">
+              <a:sysClr val="window" lastClr="FFFFFF">
+                <a:hueOff val="0"/>
+                <a:satOff val="0"/>
+                <a:lumOff val="0"/>
+                <a:alphaOff val="0"/>
+                <a:tint val="15000"/>
+                <a:satMod val="350000"/>
+              </a:sysClr>
+            </a:gs>
+          </a:gsLst>
+          <a:lin ang="16200000" scaled="1"/>
+        </a:gradFill>
+        <a:ln>
+          <a:noFill/>
+        </a:ln>
+        <a:effectLst>
+          <a:outerShdw blurRad="40000" dist="20000" dir="5400000" rotWithShape="0">
+            <a:srgbClr val="000000">
+              <a:alpha val="38000"/>
+            </a:srgbClr>
+          </a:outerShdw>
+        </a:effectLst>
+        <a:scene3d>
+          <a:camera prst="orthographicFront"/>
+          <a:lightRig rig="flat" dir="t"/>
+        </a:scene3d>
+        <a:sp3d prstMaterial="dkEdge">
+          <a:bevelT w="8200" h="38100"/>
+        </a:sp3d>
+      </dsp:spPr>
+      <dsp:style>
+        <a:lnRef idx="0">
+          <a:scrgbClr r="0" g="0" b="0"/>
+        </a:lnRef>
+        <a:fillRef idx="2">
+          <a:scrgbClr r="0" g="0" b="0"/>
+        </a:fillRef>
+        <a:effectRef idx="1">
+          <a:scrgbClr r="0" g="0" b="0"/>
+        </a:effectRef>
+        <a:fontRef idx="minor">
+          <a:schemeClr val="dk1"/>
+        </a:fontRef>
+      </dsp:style>
+      <dsp:txBody>
+        <a:bodyPr spcFirstLastPara="0" vert="horz" wrap="square" lIns="60960" tIns="60960" rIns="60960" bIns="60960" numCol="1" spcCol="1270" anchor="ctr" anchorCtr="0">
+          <a:noAutofit/>
+        </a:bodyPr>
+        <a:lstStyle/>
+        <a:p>
+          <a:pPr lvl="0" algn="ctr" defTabSz="711200">
+            <a:lnSpc>
+              <a:spcPct val="90000"/>
+            </a:lnSpc>
+            <a:spcBef>
+              <a:spcPct val="0"/>
+            </a:spcBef>
+            <a:spcAft>
+              <a:spcPct val="35000"/>
+            </a:spcAft>
+          </a:pPr>
+          <a:r>
+            <a:rPr lang="ru-RU" sz="1600" kern="1200" dirty="0">
+              <a:solidFill>
+                <a:sysClr val="windowText" lastClr="000000">
+                  <a:hueOff val="0"/>
+                  <a:satOff val="0"/>
+                  <a:lumOff val="0"/>
+                  <a:alphaOff val="0"/>
+                </a:sysClr>
+              </a:solidFill>
+              <a:latin typeface="Times New Roman" pitchFamily="18" charset="0"/>
+              <a:ea typeface="+mn-ea"/>
+              <a:cs typeface="Times New Roman" pitchFamily="18" charset="0"/>
+            </a:rPr>
+            <a:t>Валовая прибыль (разница между выручкой от реализации и себестоимости продукции, работ, услуг)</a:t>
+          </a:r>
+        </a:p>
+      </dsp:txBody>
+      <dsp:txXfrm>
+        <a:off x="2096010" y="18338"/>
+        <a:ext cx="5237794" cy="458668"/>
+      </dsp:txXfrm>
+    </dsp:sp>
+    <dsp:sp modelId="{67D4BE9D-AACE-4348-BE44-9EE3611688B1}">
+      <dsp:nvSpPr>
+        <dsp:cNvPr id="0" name=""/>
+        <dsp:cNvSpPr/>
+      </dsp:nvSpPr>
+      <dsp:spPr>
+        <a:xfrm rot="5400000">
+          <a:off x="4610876" y="499868"/>
+          <a:ext cx="128871" cy="154646"/>
+        </a:xfrm>
+        <a:prstGeom prst="mathMinus">
+          <a:avLst/>
+        </a:prstGeom>
+        <a:gradFill rotWithShape="0">
+          <a:gsLst>
+            <a:gs pos="0">
+              <a:sysClr val="windowText" lastClr="000000">
+                <a:tint val="60000"/>
+                <a:hueOff val="0"/>
+                <a:satOff val="0"/>
+                <a:lumOff val="0"/>
+                <a:alphaOff val="0"/>
+                <a:tint val="50000"/>
+                <a:satMod val="300000"/>
+              </a:sysClr>
+            </a:gs>
+            <a:gs pos="35000">
+              <a:sysClr val="windowText" lastClr="000000">
+                <a:tint val="60000"/>
+                <a:hueOff val="0"/>
+                <a:satOff val="0"/>
+                <a:lumOff val="0"/>
+                <a:alphaOff val="0"/>
+                <a:tint val="37000"/>
+                <a:satMod val="300000"/>
+              </a:sysClr>
+            </a:gs>
+            <a:gs pos="100000">
+              <a:sysClr val="windowText" lastClr="000000">
+                <a:tint val="60000"/>
+                <a:hueOff val="0"/>
+                <a:satOff val="0"/>
+                <a:lumOff val="0"/>
+                <a:alphaOff val="0"/>
+                <a:tint val="15000"/>
+                <a:satMod val="350000"/>
+              </a:sysClr>
+            </a:gs>
+          </a:gsLst>
+          <a:lin ang="16200000" scaled="1"/>
+        </a:gradFill>
+        <a:ln>
+          <a:noFill/>
+        </a:ln>
+        <a:effectLst>
+          <a:outerShdw blurRad="40000" dist="20000" dir="5400000" rotWithShape="0">
+            <a:srgbClr val="000000">
+              <a:alpha val="38000"/>
+            </a:srgbClr>
+          </a:outerShdw>
+        </a:effectLst>
+      </dsp:spPr>
+      <dsp:style>
+        <a:lnRef idx="0">
+          <a:scrgbClr r="0" g="0" b="0"/>
+        </a:lnRef>
+        <a:fillRef idx="2">
+          <a:scrgbClr r="0" g="0" b="0"/>
+        </a:fillRef>
+        <a:effectRef idx="1">
+          <a:scrgbClr r="0" g="0" b="0"/>
+        </a:effectRef>
+        <a:fontRef idx="minor">
+          <a:schemeClr val="dk1"/>
+        </a:fontRef>
+      </dsp:style>
+      <dsp:txBody>
+        <a:bodyPr spcFirstLastPara="0" vert="horz" wrap="square" lIns="0" tIns="0" rIns="0" bIns="0" numCol="1" spcCol="1270" anchor="ctr" anchorCtr="0">
+          <a:noAutofit/>
+        </a:bodyPr>
+        <a:lstStyle/>
+        <a:p>
+          <a:pPr lvl="0" algn="ctr" defTabSz="711200">
+            <a:lnSpc>
+              <a:spcPct val="90000"/>
+            </a:lnSpc>
+            <a:spcBef>
+              <a:spcPct val="0"/>
+            </a:spcBef>
+            <a:spcAft>
+              <a:spcPct val="35000"/>
+            </a:spcAft>
+          </a:pPr>
+          <a:endParaRPr lang="ru-RU" sz="1600" kern="1200">
+            <a:solidFill>
+              <a:sysClr val="windowText" lastClr="000000">
+                <a:hueOff val="0"/>
+                <a:satOff val="0"/>
+                <a:lumOff val="0"/>
+                <a:alphaOff val="0"/>
+              </a:sysClr>
+            </a:solidFill>
+            <a:latin typeface="Times New Roman" pitchFamily="18" charset="0"/>
+            <a:ea typeface="+mn-ea"/>
+            <a:cs typeface="Times New Roman" pitchFamily="18" charset="0"/>
+          </a:endParaRPr>
+        </a:p>
+      </dsp:txBody>
+      <dsp:txXfrm rot="-5400000">
+        <a:off x="4628918" y="512756"/>
+        <a:ext cx="92788" cy="90210"/>
+      </dsp:txXfrm>
+    </dsp:sp>
+    <dsp:sp modelId="{8549213A-2BE0-4BCB-A72B-70844CABC642}">
+      <dsp:nvSpPr>
+        <dsp:cNvPr id="0" name=""/>
+        <dsp:cNvSpPr/>
+      </dsp:nvSpPr>
+      <dsp:spPr>
+        <a:xfrm>
+          <a:off x="2081740" y="663106"/>
+          <a:ext cx="5266334" cy="343658"/>
+        </a:xfrm>
+        <a:prstGeom prst="roundRect">
+          <a:avLst>
+            <a:gd name="adj" fmla="val 10000"/>
+          </a:avLst>
+        </a:prstGeom>
+        <a:gradFill rotWithShape="0">
+          <a:gsLst>
+            <a:gs pos="0">
+              <a:sysClr val="window" lastClr="FFFFFF">
+                <a:hueOff val="0"/>
+                <a:satOff val="0"/>
+                <a:lumOff val="0"/>
+                <a:alphaOff val="0"/>
+                <a:tint val="50000"/>
+                <a:satMod val="300000"/>
+              </a:sysClr>
+            </a:gs>
+            <a:gs pos="35000">
+              <a:sysClr val="window" lastClr="FFFFFF">
+                <a:hueOff val="0"/>
+                <a:satOff val="0"/>
+                <a:lumOff val="0"/>
+                <a:alphaOff val="0"/>
+                <a:tint val="37000"/>
+                <a:satMod val="300000"/>
+              </a:sysClr>
+            </a:gs>
+            <a:gs pos="100000">
+              <a:sysClr val="window" lastClr="FFFFFF">
+                <a:hueOff val="0"/>
+                <a:satOff val="0"/>
+                <a:lumOff val="0"/>
+                <a:alphaOff val="0"/>
+                <a:tint val="15000"/>
+                <a:satMod val="350000"/>
+              </a:sysClr>
+            </a:gs>
+          </a:gsLst>
+          <a:lin ang="16200000" scaled="1"/>
+        </a:gradFill>
+        <a:ln>
+          <a:noFill/>
+        </a:ln>
+        <a:effectLst>
+          <a:outerShdw blurRad="40000" dist="20000" dir="5400000" rotWithShape="0">
+            <a:srgbClr val="000000">
+              <a:alpha val="38000"/>
+            </a:srgbClr>
+          </a:outerShdw>
+        </a:effectLst>
+        <a:scene3d>
+          <a:camera prst="orthographicFront"/>
+          <a:lightRig rig="flat" dir="t"/>
+        </a:scene3d>
+        <a:sp3d prstMaterial="dkEdge">
+          <a:bevelT w="8200" h="38100"/>
+        </a:sp3d>
+      </dsp:spPr>
+      <dsp:style>
+        <a:lnRef idx="0">
+          <a:scrgbClr r="0" g="0" b="0"/>
+        </a:lnRef>
+        <a:fillRef idx="2">
+          <a:scrgbClr r="0" g="0" b="0"/>
+        </a:fillRef>
+        <a:effectRef idx="1">
+          <a:scrgbClr r="0" g="0" b="0"/>
+        </a:effectRef>
+        <a:fontRef idx="minor">
+          <a:schemeClr val="dk1"/>
+        </a:fontRef>
+      </dsp:style>
+      <dsp:txBody>
+        <a:bodyPr spcFirstLastPara="0" vert="horz" wrap="square" lIns="60960" tIns="60960" rIns="60960" bIns="60960" numCol="1" spcCol="1270" anchor="ctr" anchorCtr="0">
+          <a:noAutofit/>
+        </a:bodyPr>
+        <a:lstStyle/>
+        <a:p>
+          <a:pPr lvl="0" algn="ctr" defTabSz="711200">
+            <a:lnSpc>
+              <a:spcPct val="90000"/>
+            </a:lnSpc>
+            <a:spcBef>
+              <a:spcPct val="0"/>
+            </a:spcBef>
+            <a:spcAft>
+              <a:spcPct val="35000"/>
+            </a:spcAft>
+          </a:pPr>
+          <a:r>
+            <a:rPr lang="ru-RU" sz="1600" kern="1200">
+              <a:solidFill>
+                <a:sysClr val="windowText" lastClr="000000">
+                  <a:hueOff val="0"/>
+                  <a:satOff val="0"/>
+                  <a:lumOff val="0"/>
+                  <a:alphaOff val="0"/>
+                </a:sysClr>
+              </a:solidFill>
+              <a:latin typeface="Times New Roman" pitchFamily="18" charset="0"/>
+              <a:ea typeface="+mn-ea"/>
+              <a:cs typeface="Times New Roman" pitchFamily="18" charset="0"/>
+            </a:rPr>
+            <a:t>Управленческие расходы и расходы на реализацию</a:t>
+          </a:r>
+        </a:p>
+      </dsp:txBody>
+      <dsp:txXfrm>
+        <a:off x="2091805" y="673171"/>
+        <a:ext cx="5246204" cy="323528"/>
+      </dsp:txXfrm>
+    </dsp:sp>
+    <dsp:sp modelId="{EE3305CE-BE93-482F-B093-39270D4778BA}">
+      <dsp:nvSpPr>
+        <dsp:cNvPr id="0" name=""/>
+        <dsp:cNvSpPr/>
+      </dsp:nvSpPr>
+      <dsp:spPr>
+        <a:xfrm rot="5400000">
+          <a:off x="4650472" y="1015356"/>
+          <a:ext cx="128871" cy="154646"/>
+        </a:xfrm>
+        <a:prstGeom prst="mathEqual">
+          <a:avLst/>
+        </a:prstGeom>
+        <a:gradFill rotWithShape="0">
+          <a:gsLst>
+            <a:gs pos="0">
+              <a:sysClr val="windowText" lastClr="000000">
+                <a:tint val="60000"/>
+                <a:hueOff val="0"/>
+                <a:satOff val="0"/>
+                <a:lumOff val="0"/>
+                <a:alphaOff val="0"/>
+                <a:tint val="50000"/>
+                <a:satMod val="300000"/>
+              </a:sysClr>
+            </a:gs>
+            <a:gs pos="35000">
+              <a:sysClr val="windowText" lastClr="000000">
+                <a:tint val="60000"/>
+                <a:hueOff val="0"/>
+                <a:satOff val="0"/>
+                <a:lumOff val="0"/>
+                <a:alphaOff val="0"/>
+                <a:tint val="37000"/>
+                <a:satMod val="300000"/>
+              </a:sysClr>
+            </a:gs>
+            <a:gs pos="100000">
+              <a:sysClr val="windowText" lastClr="000000">
+                <a:tint val="60000"/>
+                <a:hueOff val="0"/>
+                <a:satOff val="0"/>
+                <a:lumOff val="0"/>
+                <a:alphaOff val="0"/>
+                <a:tint val="15000"/>
+                <a:satMod val="350000"/>
+              </a:sysClr>
+            </a:gs>
+          </a:gsLst>
+          <a:lin ang="16200000" scaled="1"/>
+        </a:gradFill>
+        <a:ln>
+          <a:noFill/>
+        </a:ln>
+        <a:effectLst>
+          <a:outerShdw blurRad="40000" dist="20000" dir="5400000" rotWithShape="0">
+            <a:srgbClr val="000000">
+              <a:alpha val="38000"/>
+            </a:srgbClr>
+          </a:outerShdw>
+        </a:effectLst>
+      </dsp:spPr>
+      <dsp:style>
+        <a:lnRef idx="0">
+          <a:scrgbClr r="0" g="0" b="0"/>
+        </a:lnRef>
+        <a:fillRef idx="2">
+          <a:scrgbClr r="0" g="0" b="0"/>
+        </a:fillRef>
+        <a:effectRef idx="1">
+          <a:scrgbClr r="0" g="0" b="0"/>
+        </a:effectRef>
+        <a:fontRef idx="minor">
+          <a:schemeClr val="dk1"/>
+        </a:fontRef>
+      </dsp:style>
+      <dsp:txBody>
+        <a:bodyPr spcFirstLastPara="0" vert="horz" wrap="square" lIns="0" tIns="0" rIns="0" bIns="0" numCol="1" spcCol="1270" anchor="ctr" anchorCtr="0">
+          <a:noAutofit/>
+        </a:bodyPr>
+        <a:lstStyle/>
+        <a:p>
+          <a:pPr lvl="0" algn="ctr" defTabSz="711200">
+            <a:lnSpc>
+              <a:spcPct val="90000"/>
+            </a:lnSpc>
+            <a:spcBef>
+              <a:spcPct val="0"/>
+            </a:spcBef>
+            <a:spcAft>
+              <a:spcPct val="35000"/>
+            </a:spcAft>
+          </a:pPr>
+          <a:endParaRPr lang="ru-RU" sz="1600" kern="1200">
+            <a:solidFill>
+              <a:sysClr val="windowText" lastClr="000000">
+                <a:hueOff val="0"/>
+                <a:satOff val="0"/>
+                <a:lumOff val="0"/>
+                <a:alphaOff val="0"/>
+              </a:sysClr>
+            </a:solidFill>
+            <a:latin typeface="Times New Roman" pitchFamily="18" charset="0"/>
+            <a:ea typeface="+mn-ea"/>
+            <a:cs typeface="Times New Roman" pitchFamily="18" charset="0"/>
+          </a:endParaRPr>
+        </a:p>
+      </dsp:txBody>
+      <dsp:txXfrm rot="-5400000">
+        <a:off x="4668514" y="1028244"/>
+        <a:ext cx="92788" cy="90210"/>
+      </dsp:txXfrm>
+    </dsp:sp>
+    <dsp:sp modelId="{43D8471E-B451-41A9-978A-B867ADCFBE71}">
+      <dsp:nvSpPr>
+        <dsp:cNvPr id="0" name=""/>
+        <dsp:cNvSpPr/>
+      </dsp:nvSpPr>
+      <dsp:spPr>
+        <a:xfrm>
+          <a:off x="2081740" y="1178594"/>
+          <a:ext cx="5266334" cy="343658"/>
+        </a:xfrm>
+        <a:prstGeom prst="roundRect">
+          <a:avLst>
+            <a:gd name="adj" fmla="val 10000"/>
+          </a:avLst>
+        </a:prstGeom>
+        <a:gradFill rotWithShape="0">
+          <a:gsLst>
+            <a:gs pos="0">
+              <a:sysClr val="window" lastClr="FFFFFF">
+                <a:hueOff val="0"/>
+                <a:satOff val="0"/>
+                <a:lumOff val="0"/>
+                <a:alphaOff val="0"/>
+                <a:tint val="50000"/>
+                <a:satMod val="300000"/>
+              </a:sysClr>
+            </a:gs>
+            <a:gs pos="35000">
+              <a:sysClr val="window" lastClr="FFFFFF">
+                <a:hueOff val="0"/>
+                <a:satOff val="0"/>
+                <a:lumOff val="0"/>
+                <a:alphaOff val="0"/>
+                <a:tint val="37000"/>
+                <a:satMod val="300000"/>
+              </a:sysClr>
+            </a:gs>
+            <a:gs pos="100000">
+              <a:sysClr val="window" lastClr="FFFFFF">
+                <a:hueOff val="0"/>
+                <a:satOff val="0"/>
+                <a:lumOff val="0"/>
+                <a:alphaOff val="0"/>
+                <a:tint val="15000"/>
+                <a:satMod val="350000"/>
+              </a:sysClr>
+            </a:gs>
+          </a:gsLst>
+          <a:lin ang="16200000" scaled="1"/>
+        </a:gradFill>
+        <a:ln>
+          <a:noFill/>
+        </a:ln>
+        <a:effectLst>
+          <a:outerShdw blurRad="40000" dist="20000" dir="5400000" rotWithShape="0">
+            <a:srgbClr val="000000">
+              <a:alpha val="38000"/>
+            </a:srgbClr>
+          </a:outerShdw>
+        </a:effectLst>
+        <a:scene3d>
+          <a:camera prst="orthographicFront"/>
+          <a:lightRig rig="flat" dir="t"/>
+        </a:scene3d>
+        <a:sp3d prstMaterial="dkEdge">
+          <a:bevelT w="8200" h="38100"/>
+        </a:sp3d>
+      </dsp:spPr>
+      <dsp:style>
+        <a:lnRef idx="0">
+          <a:scrgbClr r="0" g="0" b="0"/>
+        </a:lnRef>
+        <a:fillRef idx="2">
+          <a:scrgbClr r="0" g="0" b="0"/>
+        </a:fillRef>
+        <a:effectRef idx="1">
+          <a:scrgbClr r="0" g="0" b="0"/>
+        </a:effectRef>
+        <a:fontRef idx="minor">
+          <a:schemeClr val="dk1"/>
+        </a:fontRef>
+      </dsp:style>
+      <dsp:txBody>
+        <a:bodyPr spcFirstLastPara="0" vert="horz" wrap="square" lIns="60960" tIns="60960" rIns="60960" bIns="60960" numCol="1" spcCol="1270" anchor="ctr" anchorCtr="0">
+          <a:noAutofit/>
+        </a:bodyPr>
+        <a:lstStyle/>
+        <a:p>
+          <a:pPr lvl="0" algn="ctr" defTabSz="711200">
+            <a:lnSpc>
+              <a:spcPct val="90000"/>
+            </a:lnSpc>
+            <a:spcBef>
+              <a:spcPct val="0"/>
+            </a:spcBef>
+            <a:spcAft>
+              <a:spcPct val="35000"/>
+            </a:spcAft>
+          </a:pPr>
+          <a:r>
+            <a:rPr lang="ru-RU" sz="1600" kern="1200">
+              <a:solidFill>
+                <a:sysClr val="windowText" lastClr="000000">
+                  <a:hueOff val="0"/>
+                  <a:satOff val="0"/>
+                  <a:lumOff val="0"/>
+                  <a:alphaOff val="0"/>
+                </a:sysClr>
+              </a:solidFill>
+              <a:latin typeface="Times New Roman" pitchFamily="18" charset="0"/>
+              <a:ea typeface="+mn-ea"/>
+              <a:cs typeface="Times New Roman" pitchFamily="18" charset="0"/>
+            </a:rPr>
+            <a:t>Прибыль от реализации продукции, товаров, работ, услуг</a:t>
+          </a:r>
+        </a:p>
+      </dsp:txBody>
+      <dsp:txXfrm>
+        <a:off x="2091805" y="1188659"/>
+        <a:ext cx="5246204" cy="323528"/>
+      </dsp:txXfrm>
+    </dsp:sp>
+    <dsp:sp modelId="{89D1397D-4267-4D4F-BD76-37C3C6C08215}">
+      <dsp:nvSpPr>
+        <dsp:cNvPr id="0" name=""/>
+        <dsp:cNvSpPr/>
+      </dsp:nvSpPr>
+      <dsp:spPr>
+        <a:xfrm rot="5400000">
+          <a:off x="4650472" y="1530844"/>
+          <a:ext cx="128871" cy="154646"/>
+        </a:xfrm>
+        <a:prstGeom prst="mathPlus">
+          <a:avLst/>
+        </a:prstGeom>
+        <a:gradFill rotWithShape="0">
+          <a:gsLst>
+            <a:gs pos="0">
+              <a:sysClr val="windowText" lastClr="000000">
+                <a:tint val="60000"/>
+                <a:hueOff val="0"/>
+                <a:satOff val="0"/>
+                <a:lumOff val="0"/>
+                <a:alphaOff val="0"/>
+                <a:tint val="50000"/>
+                <a:satMod val="300000"/>
+              </a:sysClr>
+            </a:gs>
+            <a:gs pos="35000">
+              <a:sysClr val="windowText" lastClr="000000">
+                <a:tint val="60000"/>
+                <a:hueOff val="0"/>
+                <a:satOff val="0"/>
+                <a:lumOff val="0"/>
+                <a:alphaOff val="0"/>
+                <a:tint val="37000"/>
+                <a:satMod val="300000"/>
+              </a:sysClr>
+            </a:gs>
+            <a:gs pos="100000">
+              <a:sysClr val="windowText" lastClr="000000">
+                <a:tint val="60000"/>
+                <a:hueOff val="0"/>
+                <a:satOff val="0"/>
+                <a:lumOff val="0"/>
+                <a:alphaOff val="0"/>
+                <a:tint val="15000"/>
+                <a:satMod val="350000"/>
+              </a:sysClr>
+            </a:gs>
+          </a:gsLst>
+          <a:lin ang="16200000" scaled="1"/>
+        </a:gradFill>
+        <a:ln>
+          <a:noFill/>
+        </a:ln>
+        <a:effectLst>
+          <a:outerShdw blurRad="40000" dist="20000" dir="5400000" rotWithShape="0">
+            <a:srgbClr val="000000">
+              <a:alpha val="38000"/>
+            </a:srgbClr>
+          </a:outerShdw>
+        </a:effectLst>
+      </dsp:spPr>
+      <dsp:style>
+        <a:lnRef idx="0">
+          <a:scrgbClr r="0" g="0" b="0"/>
+        </a:lnRef>
+        <a:fillRef idx="2">
+          <a:scrgbClr r="0" g="0" b="0"/>
+        </a:fillRef>
+        <a:effectRef idx="1">
+          <a:scrgbClr r="0" g="0" b="0"/>
+        </a:effectRef>
+        <a:fontRef idx="minor">
+          <a:schemeClr val="dk1"/>
+        </a:fontRef>
+      </dsp:style>
+      <dsp:txBody>
+        <a:bodyPr spcFirstLastPara="0" vert="horz" wrap="square" lIns="0" tIns="0" rIns="0" bIns="0" numCol="1" spcCol="1270" anchor="ctr" anchorCtr="0">
+          <a:noAutofit/>
+        </a:bodyPr>
+        <a:lstStyle/>
+        <a:p>
+          <a:pPr lvl="0" algn="ctr" defTabSz="711200">
+            <a:lnSpc>
+              <a:spcPct val="90000"/>
+            </a:lnSpc>
+            <a:spcBef>
+              <a:spcPct val="0"/>
+            </a:spcBef>
+            <a:spcAft>
+              <a:spcPct val="35000"/>
+            </a:spcAft>
+          </a:pPr>
+          <a:endParaRPr lang="ru-RU" sz="1600" kern="1200">
+            <a:solidFill>
+              <a:sysClr val="windowText" lastClr="000000">
+                <a:hueOff val="0"/>
+                <a:satOff val="0"/>
+                <a:lumOff val="0"/>
+                <a:alphaOff val="0"/>
+              </a:sysClr>
+            </a:solidFill>
+            <a:latin typeface="Times New Roman" pitchFamily="18" charset="0"/>
+            <a:ea typeface="+mn-ea"/>
+            <a:cs typeface="Times New Roman" pitchFamily="18" charset="0"/>
+          </a:endParaRPr>
+        </a:p>
+      </dsp:txBody>
+      <dsp:txXfrm rot="-5400000">
+        <a:off x="4668514" y="1543732"/>
+        <a:ext cx="92788" cy="90210"/>
+      </dsp:txXfrm>
+    </dsp:sp>
+    <dsp:sp modelId="{3839A9F6-ADEB-4856-B52A-37AD732F3103}">
+      <dsp:nvSpPr>
+        <dsp:cNvPr id="0" name=""/>
+        <dsp:cNvSpPr/>
+      </dsp:nvSpPr>
+      <dsp:spPr>
+        <a:xfrm>
+          <a:off x="2081740" y="1694081"/>
+          <a:ext cx="5266334" cy="343658"/>
+        </a:xfrm>
+        <a:prstGeom prst="roundRect">
+          <a:avLst>
+            <a:gd name="adj" fmla="val 10000"/>
+          </a:avLst>
+        </a:prstGeom>
+        <a:gradFill rotWithShape="0">
+          <a:gsLst>
+            <a:gs pos="0">
+              <a:sysClr val="window" lastClr="FFFFFF">
+                <a:hueOff val="0"/>
+                <a:satOff val="0"/>
+                <a:lumOff val="0"/>
+                <a:alphaOff val="0"/>
+                <a:tint val="50000"/>
+                <a:satMod val="300000"/>
+              </a:sysClr>
+            </a:gs>
+            <a:gs pos="35000">
+              <a:sysClr val="window" lastClr="FFFFFF">
+                <a:hueOff val="0"/>
+                <a:satOff val="0"/>
+                <a:lumOff val="0"/>
+                <a:alphaOff val="0"/>
+                <a:tint val="37000"/>
+                <a:satMod val="300000"/>
+              </a:sysClr>
+            </a:gs>
+            <a:gs pos="100000">
+              <a:sysClr val="window" lastClr="FFFFFF">
+                <a:hueOff val="0"/>
+                <a:satOff val="0"/>
+                <a:lumOff val="0"/>
+                <a:alphaOff val="0"/>
+                <a:tint val="15000"/>
+                <a:satMod val="350000"/>
+              </a:sysClr>
+            </a:gs>
+          </a:gsLst>
+          <a:lin ang="16200000" scaled="1"/>
+        </a:gradFill>
+        <a:ln>
+          <a:noFill/>
+        </a:ln>
+        <a:effectLst>
+          <a:outerShdw blurRad="40000" dist="20000" dir="5400000" rotWithShape="0">
+            <a:srgbClr val="000000">
+              <a:alpha val="38000"/>
+            </a:srgbClr>
+          </a:outerShdw>
+        </a:effectLst>
+        <a:scene3d>
+          <a:camera prst="orthographicFront"/>
+          <a:lightRig rig="flat" dir="t"/>
+        </a:scene3d>
+        <a:sp3d prstMaterial="dkEdge">
+          <a:bevelT w="8200" h="38100"/>
+        </a:sp3d>
+      </dsp:spPr>
+      <dsp:style>
+        <a:lnRef idx="0">
+          <a:scrgbClr r="0" g="0" b="0"/>
+        </a:lnRef>
+        <a:fillRef idx="2">
+          <a:scrgbClr r="0" g="0" b="0"/>
+        </a:fillRef>
+        <a:effectRef idx="1">
+          <a:scrgbClr r="0" g="0" b="0"/>
+        </a:effectRef>
+        <a:fontRef idx="minor">
+          <a:schemeClr val="dk1"/>
+        </a:fontRef>
+      </dsp:style>
+      <dsp:txBody>
+        <a:bodyPr spcFirstLastPara="0" vert="horz" wrap="square" lIns="60960" tIns="60960" rIns="60960" bIns="60960" numCol="1" spcCol="1270" anchor="ctr" anchorCtr="0">
+          <a:noAutofit/>
+        </a:bodyPr>
+        <a:lstStyle/>
+        <a:p>
+          <a:pPr lvl="0" algn="ctr" defTabSz="711200">
+            <a:lnSpc>
+              <a:spcPct val="90000"/>
+            </a:lnSpc>
+            <a:spcBef>
+              <a:spcPct val="0"/>
+            </a:spcBef>
+            <a:spcAft>
+              <a:spcPct val="35000"/>
+            </a:spcAft>
+          </a:pPr>
+          <a:r>
+            <a:rPr lang="ru-RU" sz="1600" kern="1200">
+              <a:solidFill>
+                <a:sysClr val="windowText" lastClr="000000">
+                  <a:hueOff val="0"/>
+                  <a:satOff val="0"/>
+                  <a:lumOff val="0"/>
+                  <a:alphaOff val="0"/>
+                </a:sysClr>
+              </a:solidFill>
+              <a:latin typeface="Times New Roman" pitchFamily="18" charset="0"/>
+              <a:ea typeface="+mn-ea"/>
+              <a:cs typeface="Times New Roman" pitchFamily="18" charset="0"/>
+            </a:rPr>
+            <a:t>Сальдо прочих доходов и расходов по текущей деятельности</a:t>
+          </a:r>
+        </a:p>
+      </dsp:txBody>
+      <dsp:txXfrm>
+        <a:off x="2091805" y="1704146"/>
+        <a:ext cx="5246204" cy="323528"/>
+      </dsp:txXfrm>
+    </dsp:sp>
+    <dsp:sp modelId="{E428DD22-58A7-4429-860B-5051E7F2074D}">
+      <dsp:nvSpPr>
+        <dsp:cNvPr id="0" name=""/>
+        <dsp:cNvSpPr/>
+      </dsp:nvSpPr>
+      <dsp:spPr>
+        <a:xfrm rot="5400000">
+          <a:off x="4650472" y="2046331"/>
+          <a:ext cx="128871" cy="154646"/>
+        </a:xfrm>
+        <a:prstGeom prst="mathEqual">
+          <a:avLst/>
+        </a:prstGeom>
+        <a:gradFill rotWithShape="0">
+          <a:gsLst>
+            <a:gs pos="0">
+              <a:sysClr val="windowText" lastClr="000000">
+                <a:tint val="60000"/>
+                <a:hueOff val="0"/>
+                <a:satOff val="0"/>
+                <a:lumOff val="0"/>
+                <a:alphaOff val="0"/>
+                <a:tint val="50000"/>
+                <a:satMod val="300000"/>
+              </a:sysClr>
+            </a:gs>
+            <a:gs pos="35000">
+              <a:sysClr val="windowText" lastClr="000000">
+                <a:tint val="60000"/>
+                <a:hueOff val="0"/>
+                <a:satOff val="0"/>
+                <a:lumOff val="0"/>
+                <a:alphaOff val="0"/>
+                <a:tint val="37000"/>
+                <a:satMod val="300000"/>
+              </a:sysClr>
+            </a:gs>
+            <a:gs pos="100000">
+              <a:sysClr val="windowText" lastClr="000000">
+                <a:tint val="60000"/>
+                <a:hueOff val="0"/>
+                <a:satOff val="0"/>
+                <a:lumOff val="0"/>
+                <a:alphaOff val="0"/>
+                <a:tint val="15000"/>
+                <a:satMod val="350000"/>
+              </a:sysClr>
+            </a:gs>
+          </a:gsLst>
+          <a:lin ang="16200000" scaled="1"/>
+        </a:gradFill>
+        <a:ln>
+          <a:noFill/>
+        </a:ln>
+        <a:effectLst>
+          <a:outerShdw blurRad="40000" dist="20000" dir="5400000" rotWithShape="0">
+            <a:srgbClr val="000000">
+              <a:alpha val="38000"/>
+            </a:srgbClr>
+          </a:outerShdw>
+        </a:effectLst>
+      </dsp:spPr>
+      <dsp:style>
+        <a:lnRef idx="0">
+          <a:scrgbClr r="0" g="0" b="0"/>
+        </a:lnRef>
+        <a:fillRef idx="2">
+          <a:scrgbClr r="0" g="0" b="0"/>
+        </a:fillRef>
+        <a:effectRef idx="1">
+          <a:scrgbClr r="0" g="0" b="0"/>
+        </a:effectRef>
+        <a:fontRef idx="minor">
+          <a:schemeClr val="dk1"/>
+        </a:fontRef>
+      </dsp:style>
+      <dsp:txBody>
+        <a:bodyPr spcFirstLastPara="0" vert="horz" wrap="square" lIns="0" tIns="0" rIns="0" bIns="0" numCol="1" spcCol="1270" anchor="ctr" anchorCtr="0">
+          <a:noAutofit/>
+        </a:bodyPr>
+        <a:lstStyle/>
+        <a:p>
+          <a:pPr lvl="0" algn="ctr" defTabSz="711200">
+            <a:lnSpc>
+              <a:spcPct val="90000"/>
+            </a:lnSpc>
+            <a:spcBef>
+              <a:spcPct val="0"/>
+            </a:spcBef>
+            <a:spcAft>
+              <a:spcPct val="35000"/>
+            </a:spcAft>
+          </a:pPr>
+          <a:endParaRPr lang="ru-RU" sz="1600" kern="1200">
+            <a:solidFill>
+              <a:sysClr val="windowText" lastClr="000000">
+                <a:hueOff val="0"/>
+                <a:satOff val="0"/>
+                <a:lumOff val="0"/>
+                <a:alphaOff val="0"/>
+              </a:sysClr>
+            </a:solidFill>
+            <a:latin typeface="Times New Roman" pitchFamily="18" charset="0"/>
+            <a:ea typeface="+mn-ea"/>
+            <a:cs typeface="Times New Roman" pitchFamily="18" charset="0"/>
+          </a:endParaRPr>
+        </a:p>
+      </dsp:txBody>
+      <dsp:txXfrm rot="-5400000">
+        <a:off x="4668514" y="2059219"/>
+        <a:ext cx="92788" cy="90210"/>
+      </dsp:txXfrm>
+    </dsp:sp>
+    <dsp:sp modelId="{4BE50A99-09B4-40EE-B099-6FF59399C764}">
+      <dsp:nvSpPr>
+        <dsp:cNvPr id="0" name=""/>
+        <dsp:cNvSpPr/>
+      </dsp:nvSpPr>
+      <dsp:spPr>
+        <a:xfrm>
+          <a:off x="2081740" y="2209569"/>
+          <a:ext cx="5266334" cy="343658"/>
+        </a:xfrm>
+        <a:prstGeom prst="roundRect">
+          <a:avLst>
+            <a:gd name="adj" fmla="val 10000"/>
+          </a:avLst>
+        </a:prstGeom>
+        <a:gradFill rotWithShape="0">
+          <a:gsLst>
+            <a:gs pos="0">
+              <a:sysClr val="window" lastClr="FFFFFF">
+                <a:hueOff val="0"/>
+                <a:satOff val="0"/>
+                <a:lumOff val="0"/>
+                <a:alphaOff val="0"/>
+                <a:tint val="50000"/>
+                <a:satMod val="300000"/>
+              </a:sysClr>
+            </a:gs>
+            <a:gs pos="35000">
+              <a:sysClr val="window" lastClr="FFFFFF">
+                <a:hueOff val="0"/>
+                <a:satOff val="0"/>
+                <a:lumOff val="0"/>
+                <a:alphaOff val="0"/>
+                <a:tint val="37000"/>
+                <a:satMod val="300000"/>
+              </a:sysClr>
+            </a:gs>
+            <a:gs pos="100000">
+              <a:sysClr val="window" lastClr="FFFFFF">
+                <a:hueOff val="0"/>
+                <a:satOff val="0"/>
+                <a:lumOff val="0"/>
+                <a:alphaOff val="0"/>
+                <a:tint val="15000"/>
+                <a:satMod val="350000"/>
+              </a:sysClr>
+            </a:gs>
+          </a:gsLst>
+          <a:lin ang="16200000" scaled="1"/>
+        </a:gradFill>
+        <a:ln>
+          <a:noFill/>
+        </a:ln>
+        <a:effectLst>
+          <a:outerShdw blurRad="40000" dist="20000" dir="5400000" rotWithShape="0">
+            <a:srgbClr val="000000">
+              <a:alpha val="38000"/>
+            </a:srgbClr>
+          </a:outerShdw>
+        </a:effectLst>
+        <a:scene3d>
+          <a:camera prst="orthographicFront"/>
+          <a:lightRig rig="flat" dir="t"/>
+        </a:scene3d>
+        <a:sp3d prstMaterial="dkEdge">
+          <a:bevelT w="8200" h="38100"/>
+        </a:sp3d>
+      </dsp:spPr>
+      <dsp:style>
+        <a:lnRef idx="0">
+          <a:scrgbClr r="0" g="0" b="0"/>
+        </a:lnRef>
+        <a:fillRef idx="2">
+          <a:scrgbClr r="0" g="0" b="0"/>
+        </a:fillRef>
+        <a:effectRef idx="1">
+          <a:scrgbClr r="0" g="0" b="0"/>
+        </a:effectRef>
+        <a:fontRef idx="minor">
+          <a:schemeClr val="dk1"/>
+        </a:fontRef>
+      </dsp:style>
+      <dsp:txBody>
+        <a:bodyPr spcFirstLastPara="0" vert="horz" wrap="square" lIns="60960" tIns="60960" rIns="60960" bIns="60960" numCol="1" spcCol="1270" anchor="ctr" anchorCtr="0">
+          <a:noAutofit/>
+        </a:bodyPr>
+        <a:lstStyle/>
+        <a:p>
+          <a:pPr lvl="0" algn="ctr" defTabSz="711200">
+            <a:lnSpc>
+              <a:spcPct val="90000"/>
+            </a:lnSpc>
+            <a:spcBef>
+              <a:spcPct val="0"/>
+            </a:spcBef>
+            <a:spcAft>
+              <a:spcPct val="35000"/>
+            </a:spcAft>
+          </a:pPr>
+          <a:r>
+            <a:rPr lang="ru-RU" sz="1600" kern="1200">
+              <a:solidFill>
+                <a:sysClr val="windowText" lastClr="000000">
+                  <a:hueOff val="0"/>
+                  <a:satOff val="0"/>
+                  <a:lumOff val="0"/>
+                  <a:alphaOff val="0"/>
+                </a:sysClr>
+              </a:solidFill>
+              <a:latin typeface="Times New Roman" pitchFamily="18" charset="0"/>
+              <a:ea typeface="+mn-ea"/>
+              <a:cs typeface="Times New Roman" pitchFamily="18" charset="0"/>
+            </a:rPr>
+            <a:t>Прибыль от текущей деятельности</a:t>
+          </a:r>
+        </a:p>
+      </dsp:txBody>
+      <dsp:txXfrm>
+        <a:off x="2091805" y="2219634"/>
+        <a:ext cx="5246204" cy="323528"/>
+      </dsp:txXfrm>
+    </dsp:sp>
+    <dsp:sp modelId="{EB7CCF43-B346-4D51-A27D-DE6E04AC9409}">
+      <dsp:nvSpPr>
+        <dsp:cNvPr id="0" name=""/>
+        <dsp:cNvSpPr/>
+      </dsp:nvSpPr>
+      <dsp:spPr>
+        <a:xfrm rot="5400000">
+          <a:off x="4650472" y="2561819"/>
+          <a:ext cx="128871" cy="154646"/>
+        </a:xfrm>
+        <a:prstGeom prst="mathPlus">
+          <a:avLst/>
+        </a:prstGeom>
+        <a:gradFill rotWithShape="0">
+          <a:gsLst>
+            <a:gs pos="0">
+              <a:sysClr val="windowText" lastClr="000000">
+                <a:tint val="60000"/>
+                <a:hueOff val="0"/>
+                <a:satOff val="0"/>
+                <a:lumOff val="0"/>
+                <a:alphaOff val="0"/>
+                <a:tint val="50000"/>
+                <a:satMod val="300000"/>
+              </a:sysClr>
+            </a:gs>
+            <a:gs pos="35000">
+              <a:sysClr val="windowText" lastClr="000000">
+                <a:tint val="60000"/>
+                <a:hueOff val="0"/>
+                <a:satOff val="0"/>
+                <a:lumOff val="0"/>
+                <a:alphaOff val="0"/>
+                <a:tint val="37000"/>
+                <a:satMod val="300000"/>
+              </a:sysClr>
+            </a:gs>
+            <a:gs pos="100000">
+              <a:sysClr val="windowText" lastClr="000000">
+                <a:tint val="60000"/>
+                <a:hueOff val="0"/>
+                <a:satOff val="0"/>
+                <a:lumOff val="0"/>
+                <a:alphaOff val="0"/>
+                <a:tint val="15000"/>
+                <a:satMod val="350000"/>
+              </a:sysClr>
+            </a:gs>
+          </a:gsLst>
+          <a:lin ang="16200000" scaled="1"/>
+        </a:gradFill>
+        <a:ln>
+          <a:noFill/>
+        </a:ln>
+        <a:effectLst>
+          <a:outerShdw blurRad="40000" dist="20000" dir="5400000" rotWithShape="0">
+            <a:srgbClr val="000000">
+              <a:alpha val="38000"/>
+            </a:srgbClr>
+          </a:outerShdw>
+        </a:effectLst>
+      </dsp:spPr>
+      <dsp:style>
+        <a:lnRef idx="0">
+          <a:scrgbClr r="0" g="0" b="0"/>
+        </a:lnRef>
+        <a:fillRef idx="2">
+          <a:scrgbClr r="0" g="0" b="0"/>
+        </a:fillRef>
+        <a:effectRef idx="1">
+          <a:scrgbClr r="0" g="0" b="0"/>
+        </a:effectRef>
+        <a:fontRef idx="minor">
+          <a:schemeClr val="dk1"/>
+        </a:fontRef>
+      </dsp:style>
+      <dsp:txBody>
+        <a:bodyPr spcFirstLastPara="0" vert="horz" wrap="square" lIns="0" tIns="0" rIns="0" bIns="0" numCol="1" spcCol="1270" anchor="ctr" anchorCtr="0">
+          <a:noAutofit/>
+        </a:bodyPr>
+        <a:lstStyle/>
+        <a:p>
+          <a:pPr lvl="0" algn="ctr" defTabSz="711200">
+            <a:lnSpc>
+              <a:spcPct val="90000"/>
+            </a:lnSpc>
+            <a:spcBef>
+              <a:spcPct val="0"/>
+            </a:spcBef>
+            <a:spcAft>
+              <a:spcPct val="35000"/>
+            </a:spcAft>
+          </a:pPr>
+          <a:endParaRPr lang="ru-RU" sz="1600" kern="1200">
+            <a:solidFill>
+              <a:sysClr val="windowText" lastClr="000000">
+                <a:hueOff val="0"/>
+                <a:satOff val="0"/>
+                <a:lumOff val="0"/>
+                <a:alphaOff val="0"/>
+              </a:sysClr>
+            </a:solidFill>
+            <a:latin typeface="Times New Roman" pitchFamily="18" charset="0"/>
+            <a:ea typeface="+mn-ea"/>
+            <a:cs typeface="Times New Roman" pitchFamily="18" charset="0"/>
+          </a:endParaRPr>
+        </a:p>
+      </dsp:txBody>
+      <dsp:txXfrm rot="-5400000">
+        <a:off x="4668514" y="2574707"/>
+        <a:ext cx="92788" cy="90210"/>
+      </dsp:txXfrm>
+    </dsp:sp>
+    <dsp:sp modelId="{C090173B-C276-4AF8-B429-3EEFD929EC01}">
+      <dsp:nvSpPr>
+        <dsp:cNvPr id="0" name=""/>
+        <dsp:cNvSpPr/>
+      </dsp:nvSpPr>
+      <dsp:spPr>
+        <a:xfrm>
+          <a:off x="2081740" y="2725057"/>
+          <a:ext cx="5266334" cy="343658"/>
+        </a:xfrm>
+        <a:prstGeom prst="roundRect">
+          <a:avLst>
+            <a:gd name="adj" fmla="val 10000"/>
+          </a:avLst>
+        </a:prstGeom>
+        <a:gradFill rotWithShape="0">
+          <a:gsLst>
+            <a:gs pos="0">
+              <a:sysClr val="window" lastClr="FFFFFF">
+                <a:hueOff val="0"/>
+                <a:satOff val="0"/>
+                <a:lumOff val="0"/>
+                <a:alphaOff val="0"/>
+                <a:tint val="50000"/>
+                <a:satMod val="300000"/>
+              </a:sysClr>
+            </a:gs>
+            <a:gs pos="35000">
+              <a:sysClr val="window" lastClr="FFFFFF">
+                <a:hueOff val="0"/>
+                <a:satOff val="0"/>
+                <a:lumOff val="0"/>
+                <a:alphaOff val="0"/>
+                <a:tint val="37000"/>
+                <a:satMod val="300000"/>
+              </a:sysClr>
+            </a:gs>
+            <a:gs pos="100000">
+              <a:sysClr val="window" lastClr="FFFFFF">
+                <a:hueOff val="0"/>
+                <a:satOff val="0"/>
+                <a:lumOff val="0"/>
+                <a:alphaOff val="0"/>
+                <a:tint val="15000"/>
+                <a:satMod val="350000"/>
+              </a:sysClr>
+            </a:gs>
+          </a:gsLst>
+          <a:lin ang="16200000" scaled="1"/>
+        </a:gradFill>
+        <a:ln>
+          <a:noFill/>
+        </a:ln>
+        <a:effectLst>
+          <a:outerShdw blurRad="40000" dist="20000" dir="5400000" rotWithShape="0">
+            <a:srgbClr val="000000">
+              <a:alpha val="38000"/>
+            </a:srgbClr>
+          </a:outerShdw>
+        </a:effectLst>
+        <a:scene3d>
+          <a:camera prst="orthographicFront"/>
+          <a:lightRig rig="flat" dir="t"/>
+        </a:scene3d>
+        <a:sp3d prstMaterial="dkEdge">
+          <a:bevelT w="8200" h="38100"/>
+        </a:sp3d>
+      </dsp:spPr>
+      <dsp:style>
+        <a:lnRef idx="0">
+          <a:scrgbClr r="0" g="0" b="0"/>
+        </a:lnRef>
+        <a:fillRef idx="2">
+          <a:scrgbClr r="0" g="0" b="0"/>
+        </a:fillRef>
+        <a:effectRef idx="1">
+          <a:scrgbClr r="0" g="0" b="0"/>
+        </a:effectRef>
+        <a:fontRef idx="minor">
+          <a:schemeClr val="dk1"/>
+        </a:fontRef>
+      </dsp:style>
+      <dsp:txBody>
+        <a:bodyPr spcFirstLastPara="0" vert="horz" wrap="square" lIns="60960" tIns="60960" rIns="60960" bIns="60960" numCol="1" spcCol="1270" anchor="ctr" anchorCtr="0">
+          <a:noAutofit/>
+        </a:bodyPr>
+        <a:lstStyle/>
+        <a:p>
+          <a:pPr lvl="0" algn="ctr" defTabSz="711200">
+            <a:lnSpc>
+              <a:spcPct val="90000"/>
+            </a:lnSpc>
+            <a:spcBef>
+              <a:spcPct val="0"/>
+            </a:spcBef>
+            <a:spcAft>
+              <a:spcPct val="35000"/>
+            </a:spcAft>
+          </a:pPr>
+          <a:r>
+            <a:rPr lang="ru-RU" sz="1600" kern="1200">
+              <a:solidFill>
+                <a:sysClr val="windowText" lastClr="000000">
+                  <a:hueOff val="0"/>
+                  <a:satOff val="0"/>
+                  <a:lumOff val="0"/>
+                  <a:alphaOff val="0"/>
+                </a:sysClr>
+              </a:solidFill>
+              <a:latin typeface="Times New Roman" pitchFamily="18" charset="0"/>
+              <a:ea typeface="+mn-ea"/>
+              <a:cs typeface="Times New Roman" pitchFamily="18" charset="0"/>
+            </a:rPr>
+            <a:t>Прибыль от инвестиционной и финансовой деятельности</a:t>
+          </a:r>
+        </a:p>
+      </dsp:txBody>
+      <dsp:txXfrm>
+        <a:off x="2091805" y="2735122"/>
+        <a:ext cx="5246204" cy="323528"/>
+      </dsp:txXfrm>
+    </dsp:sp>
+    <dsp:sp modelId="{B8A5CB44-E3AC-40CD-AB7C-A040983C2793}">
+      <dsp:nvSpPr>
+        <dsp:cNvPr id="0" name=""/>
+        <dsp:cNvSpPr/>
+      </dsp:nvSpPr>
+      <dsp:spPr>
+        <a:xfrm rot="5400000">
+          <a:off x="4650472" y="3077307"/>
+          <a:ext cx="128871" cy="154646"/>
+        </a:xfrm>
+        <a:prstGeom prst="mathEqual">
+          <a:avLst/>
+        </a:prstGeom>
+        <a:gradFill rotWithShape="0">
+          <a:gsLst>
+            <a:gs pos="0">
+              <a:sysClr val="windowText" lastClr="000000">
+                <a:tint val="60000"/>
+                <a:hueOff val="0"/>
+                <a:satOff val="0"/>
+                <a:lumOff val="0"/>
+                <a:alphaOff val="0"/>
+                <a:tint val="50000"/>
+                <a:satMod val="300000"/>
+              </a:sysClr>
+            </a:gs>
+            <a:gs pos="35000">
+              <a:sysClr val="windowText" lastClr="000000">
+                <a:tint val="60000"/>
+                <a:hueOff val="0"/>
+                <a:satOff val="0"/>
+                <a:lumOff val="0"/>
+                <a:alphaOff val="0"/>
+                <a:tint val="37000"/>
+                <a:satMod val="300000"/>
+              </a:sysClr>
+            </a:gs>
+            <a:gs pos="100000">
+              <a:sysClr val="windowText" lastClr="000000">
+                <a:tint val="60000"/>
+                <a:hueOff val="0"/>
+                <a:satOff val="0"/>
+                <a:lumOff val="0"/>
+                <a:alphaOff val="0"/>
+                <a:tint val="15000"/>
+                <a:satMod val="350000"/>
+              </a:sysClr>
+            </a:gs>
+          </a:gsLst>
+          <a:lin ang="16200000" scaled="1"/>
+        </a:gradFill>
+        <a:ln>
+          <a:noFill/>
+        </a:ln>
+        <a:effectLst>
+          <a:outerShdw blurRad="40000" dist="20000" dir="5400000" rotWithShape="0">
+            <a:srgbClr val="000000">
+              <a:alpha val="38000"/>
+            </a:srgbClr>
+          </a:outerShdw>
+        </a:effectLst>
+      </dsp:spPr>
+      <dsp:style>
+        <a:lnRef idx="0">
+          <a:scrgbClr r="0" g="0" b="0"/>
+        </a:lnRef>
+        <a:fillRef idx="2">
+          <a:scrgbClr r="0" g="0" b="0"/>
+        </a:fillRef>
+        <a:effectRef idx="1">
+          <a:scrgbClr r="0" g="0" b="0"/>
+        </a:effectRef>
+        <a:fontRef idx="minor">
+          <a:schemeClr val="dk1"/>
+        </a:fontRef>
+      </dsp:style>
+      <dsp:txBody>
+        <a:bodyPr spcFirstLastPara="0" vert="horz" wrap="square" lIns="0" tIns="0" rIns="0" bIns="0" numCol="1" spcCol="1270" anchor="ctr" anchorCtr="0">
+          <a:noAutofit/>
+        </a:bodyPr>
+        <a:lstStyle/>
+        <a:p>
+          <a:pPr lvl="0" algn="ctr" defTabSz="711200">
+            <a:lnSpc>
+              <a:spcPct val="90000"/>
+            </a:lnSpc>
+            <a:spcBef>
+              <a:spcPct val="0"/>
+            </a:spcBef>
+            <a:spcAft>
+              <a:spcPct val="35000"/>
+            </a:spcAft>
+          </a:pPr>
+          <a:endParaRPr lang="ru-RU" sz="1600" kern="1200">
+            <a:solidFill>
+              <a:sysClr val="windowText" lastClr="000000">
+                <a:hueOff val="0"/>
+                <a:satOff val="0"/>
+                <a:lumOff val="0"/>
+                <a:alphaOff val="0"/>
+              </a:sysClr>
+            </a:solidFill>
+            <a:latin typeface="Times New Roman" pitchFamily="18" charset="0"/>
+            <a:ea typeface="+mn-ea"/>
+            <a:cs typeface="Times New Roman" pitchFamily="18" charset="0"/>
+          </a:endParaRPr>
+        </a:p>
+      </dsp:txBody>
+      <dsp:txXfrm rot="-5400000">
+        <a:off x="4668514" y="3090195"/>
+        <a:ext cx="92788" cy="90210"/>
+      </dsp:txXfrm>
+    </dsp:sp>
+    <dsp:sp modelId="{A8E359DD-2A7E-47B4-AF66-22497DC6F5ED}">
+      <dsp:nvSpPr>
+        <dsp:cNvPr id="0" name=""/>
+        <dsp:cNvSpPr/>
+      </dsp:nvSpPr>
+      <dsp:spPr>
+        <a:xfrm>
+          <a:off x="2081740" y="3240545"/>
+          <a:ext cx="5266334" cy="343658"/>
+        </a:xfrm>
+        <a:prstGeom prst="roundRect">
+          <a:avLst>
+            <a:gd name="adj" fmla="val 10000"/>
+          </a:avLst>
+        </a:prstGeom>
+        <a:gradFill rotWithShape="0">
+          <a:gsLst>
+            <a:gs pos="0">
+              <a:sysClr val="window" lastClr="FFFFFF">
+                <a:hueOff val="0"/>
+                <a:satOff val="0"/>
+                <a:lumOff val="0"/>
+                <a:alphaOff val="0"/>
+                <a:tint val="50000"/>
+                <a:satMod val="300000"/>
+              </a:sysClr>
+            </a:gs>
+            <a:gs pos="35000">
+              <a:sysClr val="window" lastClr="FFFFFF">
+                <a:hueOff val="0"/>
+                <a:satOff val="0"/>
+                <a:lumOff val="0"/>
+                <a:alphaOff val="0"/>
+                <a:tint val="37000"/>
+                <a:satMod val="300000"/>
+              </a:sysClr>
+            </a:gs>
+            <a:gs pos="100000">
+              <a:sysClr val="window" lastClr="FFFFFF">
+                <a:hueOff val="0"/>
+                <a:satOff val="0"/>
+                <a:lumOff val="0"/>
+                <a:alphaOff val="0"/>
+                <a:tint val="15000"/>
+                <a:satMod val="350000"/>
+              </a:sysClr>
+            </a:gs>
+          </a:gsLst>
+          <a:lin ang="16200000" scaled="1"/>
+        </a:gradFill>
+        <a:ln>
+          <a:noFill/>
+        </a:ln>
+        <a:effectLst>
+          <a:outerShdw blurRad="40000" dist="20000" dir="5400000" rotWithShape="0">
+            <a:srgbClr val="000000">
+              <a:alpha val="38000"/>
+            </a:srgbClr>
+          </a:outerShdw>
+        </a:effectLst>
+        <a:scene3d>
+          <a:camera prst="orthographicFront"/>
+          <a:lightRig rig="flat" dir="t"/>
+        </a:scene3d>
+        <a:sp3d prstMaterial="dkEdge">
+          <a:bevelT w="8200" h="38100"/>
+        </a:sp3d>
+      </dsp:spPr>
+      <dsp:style>
+        <a:lnRef idx="0">
+          <a:scrgbClr r="0" g="0" b="0"/>
+        </a:lnRef>
+        <a:fillRef idx="2">
+          <a:scrgbClr r="0" g="0" b="0"/>
+        </a:fillRef>
+        <a:effectRef idx="1">
+          <a:scrgbClr r="0" g="0" b="0"/>
+        </a:effectRef>
+        <a:fontRef idx="minor">
+          <a:schemeClr val="dk1"/>
+        </a:fontRef>
+      </dsp:style>
+      <dsp:txBody>
+        <a:bodyPr spcFirstLastPara="0" vert="horz" wrap="square" lIns="60960" tIns="60960" rIns="60960" bIns="60960" numCol="1" spcCol="1270" anchor="ctr" anchorCtr="0">
+          <a:noAutofit/>
+        </a:bodyPr>
+        <a:lstStyle/>
+        <a:p>
+          <a:pPr lvl="0" algn="ctr" defTabSz="711200">
+            <a:lnSpc>
+              <a:spcPct val="90000"/>
+            </a:lnSpc>
+            <a:spcBef>
+              <a:spcPct val="0"/>
+            </a:spcBef>
+            <a:spcAft>
+              <a:spcPct val="35000"/>
+            </a:spcAft>
+          </a:pPr>
+          <a:r>
+            <a:rPr lang="ru-RU" sz="1600" kern="1200">
+              <a:solidFill>
+                <a:sysClr val="windowText" lastClr="000000">
+                  <a:hueOff val="0"/>
+                  <a:satOff val="0"/>
+                  <a:lumOff val="0"/>
+                  <a:alphaOff val="0"/>
+                </a:sysClr>
+              </a:solidFill>
+              <a:latin typeface="Times New Roman" pitchFamily="18" charset="0"/>
+              <a:ea typeface="+mn-ea"/>
+              <a:cs typeface="Times New Roman" pitchFamily="18" charset="0"/>
+            </a:rPr>
+            <a:t>Прибыль до налогообложения</a:t>
+          </a:r>
+        </a:p>
+      </dsp:txBody>
+      <dsp:txXfrm>
+        <a:off x="2091805" y="3250610"/>
+        <a:ext cx="5246204" cy="323528"/>
+      </dsp:txXfrm>
+    </dsp:sp>
+    <dsp:sp modelId="{2738F066-6DF1-40EB-B5D6-EDFE71B87A56}">
+      <dsp:nvSpPr>
+        <dsp:cNvPr id="0" name=""/>
+        <dsp:cNvSpPr/>
+      </dsp:nvSpPr>
+      <dsp:spPr>
+        <a:xfrm rot="5400000">
+          <a:off x="4650472" y="3592795"/>
+          <a:ext cx="128871" cy="154646"/>
+        </a:xfrm>
+        <a:prstGeom prst="mathMinus">
+          <a:avLst/>
+        </a:prstGeom>
+        <a:gradFill rotWithShape="0">
+          <a:gsLst>
+            <a:gs pos="0">
+              <a:sysClr val="windowText" lastClr="000000">
+                <a:tint val="60000"/>
+                <a:hueOff val="0"/>
+                <a:satOff val="0"/>
+                <a:lumOff val="0"/>
+                <a:alphaOff val="0"/>
+                <a:tint val="50000"/>
+                <a:satMod val="300000"/>
+              </a:sysClr>
+            </a:gs>
+            <a:gs pos="35000">
+              <a:sysClr val="windowText" lastClr="000000">
+                <a:tint val="60000"/>
+                <a:hueOff val="0"/>
+                <a:satOff val="0"/>
+                <a:lumOff val="0"/>
+                <a:alphaOff val="0"/>
+                <a:tint val="37000"/>
+                <a:satMod val="300000"/>
+              </a:sysClr>
+            </a:gs>
+            <a:gs pos="100000">
+              <a:sysClr val="windowText" lastClr="000000">
+                <a:tint val="60000"/>
+                <a:hueOff val="0"/>
+                <a:satOff val="0"/>
+                <a:lumOff val="0"/>
+                <a:alphaOff val="0"/>
+                <a:tint val="15000"/>
+                <a:satMod val="350000"/>
+              </a:sysClr>
+            </a:gs>
+          </a:gsLst>
+          <a:lin ang="16200000" scaled="1"/>
+        </a:gradFill>
+        <a:ln>
+          <a:noFill/>
+        </a:ln>
+        <a:effectLst>
+          <a:outerShdw blurRad="40000" dist="20000" dir="5400000" rotWithShape="0">
+            <a:srgbClr val="000000">
+              <a:alpha val="38000"/>
+            </a:srgbClr>
+          </a:outerShdw>
+        </a:effectLst>
+      </dsp:spPr>
+      <dsp:style>
+        <a:lnRef idx="0">
+          <a:scrgbClr r="0" g="0" b="0"/>
+        </a:lnRef>
+        <a:fillRef idx="2">
+          <a:scrgbClr r="0" g="0" b="0"/>
+        </a:fillRef>
+        <a:effectRef idx="1">
+          <a:scrgbClr r="0" g="0" b="0"/>
+        </a:effectRef>
+        <a:fontRef idx="minor">
+          <a:schemeClr val="dk1"/>
+        </a:fontRef>
+      </dsp:style>
+      <dsp:txBody>
+        <a:bodyPr spcFirstLastPara="0" vert="horz" wrap="square" lIns="0" tIns="0" rIns="0" bIns="0" numCol="1" spcCol="1270" anchor="ctr" anchorCtr="0">
+          <a:noAutofit/>
+        </a:bodyPr>
+        <a:lstStyle/>
+        <a:p>
+          <a:pPr lvl="0" algn="ctr" defTabSz="711200">
+            <a:lnSpc>
+              <a:spcPct val="90000"/>
+            </a:lnSpc>
+            <a:spcBef>
+              <a:spcPct val="0"/>
+            </a:spcBef>
+            <a:spcAft>
+              <a:spcPct val="35000"/>
+            </a:spcAft>
+          </a:pPr>
+          <a:endParaRPr lang="ru-RU" sz="1600" kern="1200">
+            <a:solidFill>
+              <a:sysClr val="windowText" lastClr="000000">
+                <a:hueOff val="0"/>
+                <a:satOff val="0"/>
+                <a:lumOff val="0"/>
+                <a:alphaOff val="0"/>
+              </a:sysClr>
+            </a:solidFill>
+            <a:latin typeface="Times New Roman" pitchFamily="18" charset="0"/>
+            <a:ea typeface="+mn-ea"/>
+            <a:cs typeface="Times New Roman" pitchFamily="18" charset="0"/>
+          </a:endParaRPr>
+        </a:p>
+      </dsp:txBody>
+      <dsp:txXfrm rot="-5400000">
+        <a:off x="4668514" y="3605683"/>
+        <a:ext cx="92788" cy="90210"/>
+      </dsp:txXfrm>
+    </dsp:sp>
+    <dsp:sp modelId="{5E6597D9-A6EB-40CF-946F-C7A9D44713D9}">
+      <dsp:nvSpPr>
+        <dsp:cNvPr id="0" name=""/>
+        <dsp:cNvSpPr/>
+      </dsp:nvSpPr>
+      <dsp:spPr>
+        <a:xfrm>
+          <a:off x="2081740" y="3756033"/>
+          <a:ext cx="5266334" cy="343658"/>
+        </a:xfrm>
+        <a:prstGeom prst="roundRect">
+          <a:avLst>
+            <a:gd name="adj" fmla="val 10000"/>
+          </a:avLst>
+        </a:prstGeom>
+        <a:gradFill rotWithShape="0">
+          <a:gsLst>
+            <a:gs pos="0">
+              <a:sysClr val="window" lastClr="FFFFFF">
+                <a:hueOff val="0"/>
+                <a:satOff val="0"/>
+                <a:lumOff val="0"/>
+                <a:alphaOff val="0"/>
+                <a:tint val="50000"/>
+                <a:satMod val="300000"/>
+              </a:sysClr>
+            </a:gs>
+            <a:gs pos="35000">
+              <a:sysClr val="window" lastClr="FFFFFF">
+                <a:hueOff val="0"/>
+                <a:satOff val="0"/>
+                <a:lumOff val="0"/>
+                <a:alphaOff val="0"/>
+                <a:tint val="37000"/>
+                <a:satMod val="300000"/>
+              </a:sysClr>
+            </a:gs>
+            <a:gs pos="100000">
+              <a:sysClr val="window" lastClr="FFFFFF">
+                <a:hueOff val="0"/>
+                <a:satOff val="0"/>
+                <a:lumOff val="0"/>
+                <a:alphaOff val="0"/>
+                <a:tint val="15000"/>
+                <a:satMod val="350000"/>
+              </a:sysClr>
+            </a:gs>
+          </a:gsLst>
+          <a:lin ang="16200000" scaled="1"/>
+        </a:gradFill>
+        <a:ln>
+          <a:noFill/>
+        </a:ln>
+        <a:effectLst>
+          <a:outerShdw blurRad="40000" dist="20000" dir="5400000" rotWithShape="0">
+            <a:srgbClr val="000000">
+              <a:alpha val="38000"/>
+            </a:srgbClr>
+          </a:outerShdw>
+        </a:effectLst>
+        <a:scene3d>
+          <a:camera prst="orthographicFront"/>
+          <a:lightRig rig="flat" dir="t"/>
+        </a:scene3d>
+        <a:sp3d prstMaterial="dkEdge">
+          <a:bevelT w="8200" h="38100"/>
+        </a:sp3d>
+      </dsp:spPr>
+      <dsp:style>
+        <a:lnRef idx="0">
+          <a:scrgbClr r="0" g="0" b="0"/>
+        </a:lnRef>
+        <a:fillRef idx="2">
+          <a:scrgbClr r="0" g="0" b="0"/>
+        </a:fillRef>
+        <a:effectRef idx="1">
+          <a:scrgbClr r="0" g="0" b="0"/>
+        </a:effectRef>
+        <a:fontRef idx="minor">
+          <a:schemeClr val="dk1"/>
+        </a:fontRef>
+      </dsp:style>
+      <dsp:txBody>
+        <a:bodyPr spcFirstLastPara="0" vert="horz" wrap="square" lIns="60960" tIns="60960" rIns="60960" bIns="60960" numCol="1" spcCol="1270" anchor="ctr" anchorCtr="0">
+          <a:noAutofit/>
+        </a:bodyPr>
+        <a:lstStyle/>
+        <a:p>
+          <a:pPr lvl="0" algn="ctr" defTabSz="711200">
+            <a:lnSpc>
+              <a:spcPct val="90000"/>
+            </a:lnSpc>
+            <a:spcBef>
+              <a:spcPct val="0"/>
+            </a:spcBef>
+            <a:spcAft>
+              <a:spcPct val="35000"/>
+            </a:spcAft>
+          </a:pPr>
+          <a:r>
+            <a:rPr lang="ru-RU" sz="1600" kern="1200">
+              <a:solidFill>
+                <a:sysClr val="windowText" lastClr="000000">
+                  <a:hueOff val="0"/>
+                  <a:satOff val="0"/>
+                  <a:lumOff val="0"/>
+                  <a:alphaOff val="0"/>
+                </a:sysClr>
+              </a:solidFill>
+              <a:latin typeface="Times New Roman" pitchFamily="18" charset="0"/>
+              <a:ea typeface="+mn-ea"/>
+              <a:cs typeface="Times New Roman" pitchFamily="18" charset="0"/>
+            </a:rPr>
+            <a:t>Налоги, сборы и платежи из прибыли</a:t>
+          </a:r>
+        </a:p>
+      </dsp:txBody>
+      <dsp:txXfrm>
+        <a:off x="2091805" y="3766098"/>
+        <a:ext cx="5246204" cy="323528"/>
+      </dsp:txXfrm>
+    </dsp:sp>
+    <dsp:sp modelId="{F03009A9-C29A-4753-9E0D-9C7A6F7E2F37}">
+      <dsp:nvSpPr>
+        <dsp:cNvPr id="0" name=""/>
+        <dsp:cNvSpPr/>
+      </dsp:nvSpPr>
+      <dsp:spPr>
+        <a:xfrm rot="5400000">
+          <a:off x="4650472" y="4108283"/>
+          <a:ext cx="128871" cy="154646"/>
+        </a:xfrm>
+        <a:prstGeom prst="mathEqual">
+          <a:avLst/>
+        </a:prstGeom>
+        <a:gradFill rotWithShape="0">
+          <a:gsLst>
+            <a:gs pos="0">
+              <a:sysClr val="windowText" lastClr="000000">
+                <a:tint val="60000"/>
+                <a:hueOff val="0"/>
+                <a:satOff val="0"/>
+                <a:lumOff val="0"/>
+                <a:alphaOff val="0"/>
+                <a:tint val="50000"/>
+                <a:satMod val="300000"/>
+              </a:sysClr>
+            </a:gs>
+            <a:gs pos="35000">
+              <a:sysClr val="windowText" lastClr="000000">
+                <a:tint val="60000"/>
+                <a:hueOff val="0"/>
+                <a:satOff val="0"/>
+                <a:lumOff val="0"/>
+                <a:alphaOff val="0"/>
+                <a:tint val="37000"/>
+                <a:satMod val="300000"/>
+              </a:sysClr>
+            </a:gs>
+            <a:gs pos="100000">
+              <a:sysClr val="windowText" lastClr="000000">
+                <a:tint val="60000"/>
+                <a:hueOff val="0"/>
+                <a:satOff val="0"/>
+                <a:lumOff val="0"/>
+                <a:alphaOff val="0"/>
+                <a:tint val="15000"/>
+                <a:satMod val="350000"/>
+              </a:sysClr>
+            </a:gs>
+          </a:gsLst>
+          <a:lin ang="16200000" scaled="1"/>
+        </a:gradFill>
+        <a:ln>
+          <a:noFill/>
+        </a:ln>
+        <a:effectLst>
+          <a:outerShdw blurRad="40000" dist="20000" dir="5400000" rotWithShape="0">
+            <a:srgbClr val="000000">
+              <a:alpha val="38000"/>
+            </a:srgbClr>
+          </a:outerShdw>
+        </a:effectLst>
+      </dsp:spPr>
+      <dsp:style>
+        <a:lnRef idx="0">
+          <a:scrgbClr r="0" g="0" b="0"/>
+        </a:lnRef>
+        <a:fillRef idx="2">
+          <a:scrgbClr r="0" g="0" b="0"/>
+        </a:fillRef>
+        <a:effectRef idx="1">
+          <a:scrgbClr r="0" g="0" b="0"/>
+        </a:effectRef>
+        <a:fontRef idx="minor">
+          <a:schemeClr val="dk1"/>
+        </a:fontRef>
+      </dsp:style>
+      <dsp:txBody>
+        <a:bodyPr spcFirstLastPara="0" vert="horz" wrap="square" lIns="0" tIns="0" rIns="0" bIns="0" numCol="1" spcCol="1270" anchor="ctr" anchorCtr="0">
+          <a:noAutofit/>
+        </a:bodyPr>
+        <a:lstStyle/>
+        <a:p>
+          <a:pPr lvl="0" algn="ctr" defTabSz="711200">
+            <a:lnSpc>
+              <a:spcPct val="90000"/>
+            </a:lnSpc>
+            <a:spcBef>
+              <a:spcPct val="0"/>
+            </a:spcBef>
+            <a:spcAft>
+              <a:spcPct val="35000"/>
+            </a:spcAft>
+          </a:pPr>
+          <a:endParaRPr lang="ru-RU" sz="1600" kern="1200">
+            <a:solidFill>
+              <a:sysClr val="windowText" lastClr="000000">
+                <a:hueOff val="0"/>
+                <a:satOff val="0"/>
+                <a:lumOff val="0"/>
+                <a:alphaOff val="0"/>
+              </a:sysClr>
+            </a:solidFill>
+            <a:latin typeface="Times New Roman" pitchFamily="18" charset="0"/>
+            <a:ea typeface="+mn-ea"/>
+            <a:cs typeface="Times New Roman" pitchFamily="18" charset="0"/>
+          </a:endParaRPr>
+        </a:p>
+      </dsp:txBody>
+      <dsp:txXfrm rot="-5400000">
+        <a:off x="4668514" y="4121171"/>
+        <a:ext cx="92788" cy="90210"/>
+      </dsp:txXfrm>
+    </dsp:sp>
+    <dsp:sp modelId="{4EDBB9E7-C336-43D8-A5E5-68B854BCDA22}">
+      <dsp:nvSpPr>
+        <dsp:cNvPr id="0" name=""/>
+        <dsp:cNvSpPr/>
+      </dsp:nvSpPr>
+      <dsp:spPr>
+        <a:xfrm>
+          <a:off x="2081740" y="4271521"/>
+          <a:ext cx="5266334" cy="343658"/>
+        </a:xfrm>
+        <a:prstGeom prst="roundRect">
+          <a:avLst>
+            <a:gd name="adj" fmla="val 10000"/>
+          </a:avLst>
+        </a:prstGeom>
+        <a:gradFill rotWithShape="0">
+          <a:gsLst>
+            <a:gs pos="0">
+              <a:sysClr val="window" lastClr="FFFFFF">
+                <a:hueOff val="0"/>
+                <a:satOff val="0"/>
+                <a:lumOff val="0"/>
+                <a:alphaOff val="0"/>
+                <a:tint val="50000"/>
+                <a:satMod val="300000"/>
+              </a:sysClr>
+            </a:gs>
+            <a:gs pos="35000">
+              <a:sysClr val="window" lastClr="FFFFFF">
+                <a:hueOff val="0"/>
+                <a:satOff val="0"/>
+                <a:lumOff val="0"/>
+                <a:alphaOff val="0"/>
+                <a:tint val="37000"/>
+                <a:satMod val="300000"/>
+              </a:sysClr>
+            </a:gs>
+            <a:gs pos="100000">
+              <a:sysClr val="window" lastClr="FFFFFF">
+                <a:hueOff val="0"/>
+                <a:satOff val="0"/>
+                <a:lumOff val="0"/>
+                <a:alphaOff val="0"/>
+                <a:tint val="15000"/>
+                <a:satMod val="350000"/>
+              </a:sysClr>
+            </a:gs>
+          </a:gsLst>
+          <a:lin ang="16200000" scaled="1"/>
+        </a:gradFill>
+        <a:ln>
+          <a:noFill/>
+        </a:ln>
+        <a:effectLst>
+          <a:outerShdw blurRad="40000" dist="20000" dir="5400000" rotWithShape="0">
+            <a:srgbClr val="000000">
+              <a:alpha val="38000"/>
+            </a:srgbClr>
+          </a:outerShdw>
+        </a:effectLst>
+        <a:scene3d>
+          <a:camera prst="orthographicFront"/>
+          <a:lightRig rig="flat" dir="t"/>
+        </a:scene3d>
+        <a:sp3d prstMaterial="dkEdge">
+          <a:bevelT w="8200" h="38100"/>
+        </a:sp3d>
+      </dsp:spPr>
+      <dsp:style>
+        <a:lnRef idx="0">
+          <a:scrgbClr r="0" g="0" b="0"/>
+        </a:lnRef>
+        <a:fillRef idx="2">
+          <a:scrgbClr r="0" g="0" b="0"/>
+        </a:fillRef>
+        <a:effectRef idx="1">
+          <a:scrgbClr r="0" g="0" b="0"/>
+        </a:effectRef>
+        <a:fontRef idx="minor">
+          <a:schemeClr val="dk1"/>
+        </a:fontRef>
+      </dsp:style>
+      <dsp:txBody>
+        <a:bodyPr spcFirstLastPara="0" vert="horz" wrap="square" lIns="60960" tIns="60960" rIns="60960" bIns="60960" numCol="1" spcCol="1270" anchor="ctr" anchorCtr="0">
+          <a:noAutofit/>
+        </a:bodyPr>
+        <a:lstStyle/>
+        <a:p>
+          <a:pPr lvl="0" algn="ctr" defTabSz="711200">
+            <a:lnSpc>
+              <a:spcPct val="90000"/>
+            </a:lnSpc>
+            <a:spcBef>
+              <a:spcPct val="0"/>
+            </a:spcBef>
+            <a:spcAft>
+              <a:spcPct val="35000"/>
+            </a:spcAft>
+          </a:pPr>
+          <a:r>
+            <a:rPr lang="ru-RU" sz="1600" kern="1200">
+              <a:solidFill>
+                <a:sysClr val="windowText" lastClr="000000">
+                  <a:hueOff val="0"/>
+                  <a:satOff val="0"/>
+                  <a:lumOff val="0"/>
+                  <a:alphaOff val="0"/>
+                </a:sysClr>
+              </a:solidFill>
+              <a:latin typeface="Times New Roman" pitchFamily="18" charset="0"/>
+              <a:ea typeface="+mn-ea"/>
+              <a:cs typeface="Times New Roman" pitchFamily="18" charset="0"/>
+            </a:rPr>
+            <a:t>Чистая прибыль</a:t>
+          </a:r>
+        </a:p>
+      </dsp:txBody>
+      <dsp:txXfrm>
+        <a:off x="2091805" y="4281586"/>
+        <a:ext cx="5246204" cy="323528"/>
+      </dsp:txXfrm>
+    </dsp:sp>
+    <dsp:sp modelId="{D802DBC2-970B-4593-81EE-4D74A768F01D}">
+      <dsp:nvSpPr>
+        <dsp:cNvPr id="0" name=""/>
+        <dsp:cNvSpPr/>
+      </dsp:nvSpPr>
+      <dsp:spPr>
+        <a:xfrm rot="5400000">
+          <a:off x="4650472" y="4623771"/>
+          <a:ext cx="128871" cy="154646"/>
+        </a:xfrm>
+        <a:prstGeom prst="mathPlus">
+          <a:avLst/>
+        </a:prstGeom>
+        <a:gradFill rotWithShape="0">
+          <a:gsLst>
+            <a:gs pos="0">
+              <a:sysClr val="windowText" lastClr="000000">
+                <a:tint val="60000"/>
+                <a:hueOff val="0"/>
+                <a:satOff val="0"/>
+                <a:lumOff val="0"/>
+                <a:alphaOff val="0"/>
+                <a:tint val="50000"/>
+                <a:satMod val="300000"/>
+              </a:sysClr>
+            </a:gs>
+            <a:gs pos="35000">
+              <a:sysClr val="windowText" lastClr="000000">
+                <a:tint val="60000"/>
+                <a:hueOff val="0"/>
+                <a:satOff val="0"/>
+                <a:lumOff val="0"/>
+                <a:alphaOff val="0"/>
+                <a:tint val="37000"/>
+                <a:satMod val="300000"/>
+              </a:sysClr>
+            </a:gs>
+            <a:gs pos="100000">
+              <a:sysClr val="windowText" lastClr="000000">
+                <a:tint val="60000"/>
+                <a:hueOff val="0"/>
+                <a:satOff val="0"/>
+                <a:lumOff val="0"/>
+                <a:alphaOff val="0"/>
+                <a:tint val="15000"/>
+                <a:satMod val="350000"/>
+              </a:sysClr>
+            </a:gs>
+          </a:gsLst>
+          <a:lin ang="16200000" scaled="1"/>
+        </a:gradFill>
+        <a:ln>
+          <a:noFill/>
+        </a:ln>
+        <a:effectLst>
+          <a:outerShdw blurRad="40000" dist="20000" dir="5400000" rotWithShape="0">
+            <a:srgbClr val="000000">
+              <a:alpha val="38000"/>
+            </a:srgbClr>
+          </a:outerShdw>
+        </a:effectLst>
+      </dsp:spPr>
+      <dsp:style>
+        <a:lnRef idx="0">
+          <a:scrgbClr r="0" g="0" b="0"/>
+        </a:lnRef>
+        <a:fillRef idx="2">
+          <a:scrgbClr r="0" g="0" b="0"/>
+        </a:fillRef>
+        <a:effectRef idx="1">
+          <a:scrgbClr r="0" g="0" b="0"/>
+        </a:effectRef>
+        <a:fontRef idx="minor">
+          <a:schemeClr val="dk1"/>
+        </a:fontRef>
+      </dsp:style>
+      <dsp:txBody>
+        <a:bodyPr spcFirstLastPara="0" vert="horz" wrap="square" lIns="0" tIns="0" rIns="0" bIns="0" numCol="1" spcCol="1270" anchor="ctr" anchorCtr="0">
+          <a:noAutofit/>
+        </a:bodyPr>
+        <a:lstStyle/>
+        <a:p>
+          <a:pPr lvl="0" algn="ctr" defTabSz="711200">
+            <a:lnSpc>
+              <a:spcPct val="90000"/>
+            </a:lnSpc>
+            <a:spcBef>
+              <a:spcPct val="0"/>
+            </a:spcBef>
+            <a:spcAft>
+              <a:spcPct val="35000"/>
+            </a:spcAft>
+          </a:pPr>
+          <a:endParaRPr lang="ru-RU" sz="1600" kern="1200">
+            <a:solidFill>
+              <a:sysClr val="windowText" lastClr="000000">
+                <a:hueOff val="0"/>
+                <a:satOff val="0"/>
+                <a:lumOff val="0"/>
+                <a:alphaOff val="0"/>
+              </a:sysClr>
+            </a:solidFill>
+            <a:latin typeface="Times New Roman" pitchFamily="18" charset="0"/>
+            <a:ea typeface="+mn-ea"/>
+            <a:cs typeface="Times New Roman" pitchFamily="18" charset="0"/>
+          </a:endParaRPr>
+        </a:p>
+      </dsp:txBody>
+      <dsp:txXfrm rot="-5400000">
+        <a:off x="4668514" y="4636659"/>
+        <a:ext cx="92788" cy="90210"/>
+      </dsp:txXfrm>
+    </dsp:sp>
+    <dsp:sp modelId="{C6EC97B2-E47C-49B7-A271-97303337EB3C}">
+      <dsp:nvSpPr>
+        <dsp:cNvPr id="0" name=""/>
+        <dsp:cNvSpPr/>
+      </dsp:nvSpPr>
+      <dsp:spPr>
+        <a:xfrm>
+          <a:off x="2081740" y="4787009"/>
+          <a:ext cx="5266334" cy="479888"/>
+        </a:xfrm>
+        <a:prstGeom prst="roundRect">
+          <a:avLst>
+            <a:gd name="adj" fmla="val 10000"/>
+          </a:avLst>
+        </a:prstGeom>
+        <a:gradFill rotWithShape="0">
+          <a:gsLst>
+            <a:gs pos="0">
+              <a:sysClr val="window" lastClr="FFFFFF">
+                <a:hueOff val="0"/>
+                <a:satOff val="0"/>
+                <a:lumOff val="0"/>
+                <a:alphaOff val="0"/>
+                <a:tint val="50000"/>
+                <a:satMod val="300000"/>
+              </a:sysClr>
+            </a:gs>
+            <a:gs pos="35000">
+              <a:sysClr val="window" lastClr="FFFFFF">
+                <a:hueOff val="0"/>
+                <a:satOff val="0"/>
+                <a:lumOff val="0"/>
+                <a:alphaOff val="0"/>
+                <a:tint val="37000"/>
+                <a:satMod val="300000"/>
+              </a:sysClr>
+            </a:gs>
+            <a:gs pos="100000">
+              <a:sysClr val="window" lastClr="FFFFFF">
+                <a:hueOff val="0"/>
+                <a:satOff val="0"/>
+                <a:lumOff val="0"/>
+                <a:alphaOff val="0"/>
+                <a:tint val="15000"/>
+                <a:satMod val="350000"/>
+              </a:sysClr>
+            </a:gs>
+          </a:gsLst>
+          <a:lin ang="16200000" scaled="1"/>
+        </a:gradFill>
+        <a:ln>
+          <a:noFill/>
+        </a:ln>
+        <a:effectLst>
+          <a:outerShdw blurRad="40000" dist="20000" dir="5400000" rotWithShape="0">
+            <a:srgbClr val="000000">
+              <a:alpha val="38000"/>
+            </a:srgbClr>
+          </a:outerShdw>
+        </a:effectLst>
+        <a:scene3d>
+          <a:camera prst="orthographicFront"/>
+          <a:lightRig rig="flat" dir="t"/>
+        </a:scene3d>
+        <a:sp3d prstMaterial="dkEdge">
+          <a:bevelT w="8200" h="38100"/>
+        </a:sp3d>
+      </dsp:spPr>
+      <dsp:style>
+        <a:lnRef idx="0">
+          <a:scrgbClr r="0" g="0" b="0"/>
+        </a:lnRef>
+        <a:fillRef idx="2">
+          <a:scrgbClr r="0" g="0" b="0"/>
+        </a:fillRef>
+        <a:effectRef idx="1">
+          <a:scrgbClr r="0" g="0" b="0"/>
+        </a:effectRef>
+        <a:fontRef idx="minor">
+          <a:schemeClr val="dk1"/>
+        </a:fontRef>
+      </dsp:style>
+      <dsp:txBody>
+        <a:bodyPr spcFirstLastPara="0" vert="horz" wrap="square" lIns="60960" tIns="60960" rIns="60960" bIns="60960" numCol="1" spcCol="1270" anchor="ctr" anchorCtr="0">
+          <a:noAutofit/>
+        </a:bodyPr>
+        <a:lstStyle/>
+        <a:p>
+          <a:pPr lvl="0" algn="ctr" defTabSz="711200">
+            <a:lnSpc>
+              <a:spcPct val="90000"/>
+            </a:lnSpc>
+            <a:spcBef>
+              <a:spcPct val="0"/>
+            </a:spcBef>
+            <a:spcAft>
+              <a:spcPct val="35000"/>
+            </a:spcAft>
+          </a:pPr>
+          <a:r>
+            <a:rPr lang="ru-RU" sz="1600" kern="1200">
+              <a:solidFill>
+                <a:sysClr val="windowText" lastClr="000000">
+                  <a:hueOff val="0"/>
+                  <a:satOff val="0"/>
+                  <a:lumOff val="0"/>
+                  <a:alphaOff val="0"/>
+                </a:sysClr>
+              </a:solidFill>
+              <a:latin typeface="Times New Roman" pitchFamily="18" charset="0"/>
+              <a:ea typeface="+mn-ea"/>
+              <a:cs typeface="Times New Roman" pitchFamily="18" charset="0"/>
+            </a:rPr>
+            <a:t>Результат от прочих операций, не включаемый в чистую прибыль</a:t>
+          </a:r>
+        </a:p>
+      </dsp:txBody>
+      <dsp:txXfrm>
+        <a:off x="2095795" y="4801064"/>
+        <a:ext cx="5238224" cy="451778"/>
+      </dsp:txXfrm>
+    </dsp:sp>
+    <dsp:sp modelId="{D1B71973-E07F-45B7-AF35-83477ECE971B}">
+      <dsp:nvSpPr>
+        <dsp:cNvPr id="0" name=""/>
+        <dsp:cNvSpPr/>
+      </dsp:nvSpPr>
+      <dsp:spPr>
+        <a:xfrm rot="5400000">
+          <a:off x="4650472" y="5275488"/>
+          <a:ext cx="128871" cy="154646"/>
+        </a:xfrm>
+        <a:prstGeom prst="mathEqual">
+          <a:avLst/>
+        </a:prstGeom>
+        <a:gradFill rotWithShape="0">
+          <a:gsLst>
+            <a:gs pos="0">
+              <a:sysClr val="windowText" lastClr="000000">
+                <a:tint val="60000"/>
+                <a:hueOff val="0"/>
+                <a:satOff val="0"/>
+                <a:lumOff val="0"/>
+                <a:alphaOff val="0"/>
+                <a:tint val="50000"/>
+                <a:satMod val="300000"/>
+              </a:sysClr>
+            </a:gs>
+            <a:gs pos="35000">
+              <a:sysClr val="windowText" lastClr="000000">
+                <a:tint val="60000"/>
+                <a:hueOff val="0"/>
+                <a:satOff val="0"/>
+                <a:lumOff val="0"/>
+                <a:alphaOff val="0"/>
+                <a:tint val="37000"/>
+                <a:satMod val="300000"/>
+              </a:sysClr>
+            </a:gs>
+            <a:gs pos="100000">
+              <a:sysClr val="windowText" lastClr="000000">
+                <a:tint val="60000"/>
+                <a:hueOff val="0"/>
+                <a:satOff val="0"/>
+                <a:lumOff val="0"/>
+                <a:alphaOff val="0"/>
+                <a:tint val="15000"/>
+                <a:satMod val="350000"/>
+              </a:sysClr>
+            </a:gs>
+          </a:gsLst>
+          <a:lin ang="16200000" scaled="1"/>
+        </a:gradFill>
+        <a:ln>
+          <a:noFill/>
+        </a:ln>
+        <a:effectLst>
+          <a:outerShdw blurRad="40000" dist="20000" dir="5400000" rotWithShape="0">
+            <a:srgbClr val="000000">
+              <a:alpha val="38000"/>
+            </a:srgbClr>
+          </a:outerShdw>
+        </a:effectLst>
+      </dsp:spPr>
+      <dsp:style>
+        <a:lnRef idx="0">
+          <a:scrgbClr r="0" g="0" b="0"/>
+        </a:lnRef>
+        <a:fillRef idx="2">
+          <a:scrgbClr r="0" g="0" b="0"/>
+        </a:fillRef>
+        <a:effectRef idx="1">
+          <a:scrgbClr r="0" g="0" b="0"/>
+        </a:effectRef>
+        <a:fontRef idx="minor">
+          <a:schemeClr val="dk1"/>
+        </a:fontRef>
+      </dsp:style>
+      <dsp:txBody>
+        <a:bodyPr spcFirstLastPara="0" vert="horz" wrap="square" lIns="0" tIns="0" rIns="0" bIns="0" numCol="1" spcCol="1270" anchor="ctr" anchorCtr="0">
+          <a:noAutofit/>
+        </a:bodyPr>
+        <a:lstStyle/>
+        <a:p>
+          <a:pPr lvl="0" algn="ctr" defTabSz="711200">
+            <a:lnSpc>
+              <a:spcPct val="90000"/>
+            </a:lnSpc>
+            <a:spcBef>
+              <a:spcPct val="0"/>
+            </a:spcBef>
+            <a:spcAft>
+              <a:spcPct val="35000"/>
+            </a:spcAft>
+          </a:pPr>
+          <a:endParaRPr lang="ru-RU" sz="1600" kern="1200">
+            <a:solidFill>
+              <a:sysClr val="windowText" lastClr="000000">
+                <a:hueOff val="0"/>
+                <a:satOff val="0"/>
+                <a:lumOff val="0"/>
+                <a:alphaOff val="0"/>
+              </a:sysClr>
+            </a:solidFill>
+            <a:latin typeface="Times New Roman" pitchFamily="18" charset="0"/>
+            <a:ea typeface="+mn-ea"/>
+            <a:cs typeface="Times New Roman" pitchFamily="18" charset="0"/>
+          </a:endParaRPr>
+        </a:p>
+      </dsp:txBody>
+      <dsp:txXfrm rot="-5400000">
+        <a:off x="4668514" y="5288376"/>
+        <a:ext cx="92788" cy="90210"/>
+      </dsp:txXfrm>
+    </dsp:sp>
+    <dsp:sp modelId="{36AA35A0-C2F4-496E-9B6F-C3A15D53F06A}">
+      <dsp:nvSpPr>
+        <dsp:cNvPr id="0" name=""/>
+        <dsp:cNvSpPr/>
+      </dsp:nvSpPr>
+      <dsp:spPr>
+        <a:xfrm>
+          <a:off x="2081740" y="5438726"/>
+          <a:ext cx="5266334" cy="343658"/>
+        </a:xfrm>
+        <a:prstGeom prst="roundRect">
+          <a:avLst>
+            <a:gd name="adj" fmla="val 10000"/>
+          </a:avLst>
+        </a:prstGeom>
+        <a:gradFill rotWithShape="0">
+          <a:gsLst>
+            <a:gs pos="0">
+              <a:sysClr val="window" lastClr="FFFFFF">
+                <a:hueOff val="0"/>
+                <a:satOff val="0"/>
+                <a:lumOff val="0"/>
+                <a:alphaOff val="0"/>
+                <a:tint val="50000"/>
+                <a:satMod val="300000"/>
+              </a:sysClr>
+            </a:gs>
+            <a:gs pos="35000">
+              <a:sysClr val="window" lastClr="FFFFFF">
+                <a:hueOff val="0"/>
+                <a:satOff val="0"/>
+                <a:lumOff val="0"/>
+                <a:alphaOff val="0"/>
+                <a:tint val="37000"/>
+                <a:satMod val="300000"/>
+              </a:sysClr>
+            </a:gs>
+            <a:gs pos="100000">
+              <a:sysClr val="window" lastClr="FFFFFF">
+                <a:hueOff val="0"/>
+                <a:satOff val="0"/>
+                <a:lumOff val="0"/>
+                <a:alphaOff val="0"/>
+                <a:tint val="15000"/>
+                <a:satMod val="350000"/>
+              </a:sysClr>
+            </a:gs>
+          </a:gsLst>
+          <a:lin ang="16200000" scaled="1"/>
+        </a:gradFill>
+        <a:ln>
+          <a:noFill/>
+        </a:ln>
+        <a:effectLst>
+          <a:outerShdw blurRad="40000" dist="20000" dir="5400000" rotWithShape="0">
+            <a:srgbClr val="000000">
+              <a:alpha val="38000"/>
+            </a:srgbClr>
+          </a:outerShdw>
+        </a:effectLst>
+        <a:scene3d>
+          <a:camera prst="orthographicFront"/>
+          <a:lightRig rig="flat" dir="t"/>
+        </a:scene3d>
+        <a:sp3d prstMaterial="dkEdge">
+          <a:bevelT w="8200" h="38100"/>
+        </a:sp3d>
+      </dsp:spPr>
+      <dsp:style>
+        <a:lnRef idx="0">
+          <a:scrgbClr r="0" g="0" b="0"/>
+        </a:lnRef>
+        <a:fillRef idx="2">
+          <a:scrgbClr r="0" g="0" b="0"/>
+        </a:fillRef>
+        <a:effectRef idx="1">
+          <a:scrgbClr r="0" g="0" b="0"/>
+        </a:effectRef>
+        <a:fontRef idx="minor">
+          <a:schemeClr val="dk1"/>
+        </a:fontRef>
+      </dsp:style>
+      <dsp:txBody>
+        <a:bodyPr spcFirstLastPara="0" vert="horz" wrap="square" lIns="60960" tIns="60960" rIns="60960" bIns="60960" numCol="1" spcCol="1270" anchor="ctr" anchorCtr="0">
+          <a:noAutofit/>
+        </a:bodyPr>
+        <a:lstStyle/>
+        <a:p>
+          <a:pPr lvl="0" algn="ctr" defTabSz="711200">
+            <a:lnSpc>
+              <a:spcPct val="90000"/>
+            </a:lnSpc>
+            <a:spcBef>
+              <a:spcPct val="0"/>
+            </a:spcBef>
+            <a:spcAft>
+              <a:spcPct val="35000"/>
+            </a:spcAft>
+          </a:pPr>
+          <a:r>
+            <a:rPr lang="ru-RU" sz="1600" kern="1200">
+              <a:solidFill>
+                <a:sysClr val="windowText" lastClr="000000">
+                  <a:hueOff val="0"/>
+                  <a:satOff val="0"/>
+                  <a:lumOff val="0"/>
+                  <a:alphaOff val="0"/>
+                </a:sysClr>
+              </a:solidFill>
+              <a:latin typeface="Times New Roman" pitchFamily="18" charset="0"/>
+              <a:ea typeface="+mn-ea"/>
+              <a:cs typeface="Times New Roman" pitchFamily="18" charset="0"/>
+            </a:rPr>
+            <a:t>Совокупная прибыль</a:t>
+          </a:r>
+        </a:p>
+      </dsp:txBody>
+      <dsp:txXfrm>
+        <a:off x="2091805" y="5448791"/>
+        <a:ext cx="5246204" cy="323528"/>
+      </dsp:txXfrm>
+    </dsp:sp>
   </dsp:spTree>
 </dsp:drawing>
 </file>
@@ -7283,6 +9881,931 @@
       <dsp:cNvGrpSpPr/>
     </dsp:nvGrpSpPr>
     <dsp:grpSpPr/>
+    <dsp:sp modelId="{D2FFD10A-D92B-403F-B927-5A94CA626061}">
+      <dsp:nvSpPr>
+        <dsp:cNvPr id="0" name=""/>
+        <dsp:cNvSpPr/>
+      </dsp:nvSpPr>
+      <dsp:spPr>
+        <a:xfrm>
+          <a:off x="6019220" y="4007463"/>
+          <a:ext cx="702042" cy="91440"/>
+        </a:xfrm>
+        <a:custGeom>
+          <a:avLst/>
+          <a:gdLst/>
+          <a:ahLst/>
+          <a:cxnLst/>
+          <a:rect l="0" t="0" r="0" b="0"/>
+          <a:pathLst>
+            <a:path>
+              <a:moveTo>
+                <a:pt x="0" y="45720"/>
+              </a:moveTo>
+              <a:lnTo>
+                <a:pt x="702042" y="45720"/>
+              </a:lnTo>
+            </a:path>
+          </a:pathLst>
+        </a:custGeom>
+        <a:noFill/>
+        <a:ln w="12700" cap="flat" cmpd="sng" algn="ctr">
+          <a:solidFill>
+            <a:schemeClr val="dk1">
+              <a:shade val="80000"/>
+              <a:hueOff val="0"/>
+              <a:satOff val="0"/>
+              <a:lumOff val="0"/>
+              <a:alphaOff val="0"/>
+            </a:schemeClr>
+          </a:solidFill>
+          <a:prstDash val="solid"/>
+          <a:miter lim="800000"/>
+        </a:ln>
+        <a:effectLst/>
+      </dsp:spPr>
+      <dsp:style>
+        <a:lnRef idx="2">
+          <a:scrgbClr r="0" g="0" b="0"/>
+        </a:lnRef>
+        <a:fillRef idx="0">
+          <a:scrgbClr r="0" g="0" b="0"/>
+        </a:fillRef>
+        <a:effectRef idx="0">
+          <a:scrgbClr r="0" g="0" b="0"/>
+        </a:effectRef>
+        <a:fontRef idx="minor"/>
+      </dsp:style>
+      <dsp:txBody>
+        <a:bodyPr spcFirstLastPara="0" vert="horz" wrap="square" lIns="12700" tIns="0" rIns="12700" bIns="0" numCol="1" spcCol="1270" anchor="ctr" anchorCtr="0">
+          <a:noAutofit/>
+        </a:bodyPr>
+        <a:lstStyle/>
+        <a:p>
+          <a:pPr lvl="0" algn="ctr" defTabSz="889000">
+            <a:lnSpc>
+              <a:spcPct val="90000"/>
+            </a:lnSpc>
+            <a:spcBef>
+              <a:spcPct val="0"/>
+            </a:spcBef>
+            <a:spcAft>
+              <a:spcPct val="35000"/>
+            </a:spcAft>
+          </a:pPr>
+          <a:endParaRPr lang="ru-RU" sz="2000" kern="1200">
+            <a:latin typeface="Times New Roman" panose="02020603050405020304" pitchFamily="18" charset="0"/>
+            <a:cs typeface="Times New Roman" panose="02020603050405020304" pitchFamily="18" charset="0"/>
+          </a:endParaRPr>
+        </a:p>
+      </dsp:txBody>
+      <dsp:txXfrm>
+        <a:off x="6352690" y="4035632"/>
+        <a:ext cx="35102" cy="35102"/>
+      </dsp:txXfrm>
+    </dsp:sp>
+    <dsp:sp modelId="{09634E8B-A990-455B-878C-90DAB1E97FAA}">
+      <dsp:nvSpPr>
+        <dsp:cNvPr id="0" name=""/>
+        <dsp:cNvSpPr/>
+      </dsp:nvSpPr>
+      <dsp:spPr>
+        <a:xfrm>
+          <a:off x="1806966" y="2821789"/>
+          <a:ext cx="702042" cy="1231394"/>
+        </a:xfrm>
+        <a:custGeom>
+          <a:avLst/>
+          <a:gdLst/>
+          <a:ahLst/>
+          <a:cxnLst/>
+          <a:rect l="0" t="0" r="0" b="0"/>
+          <a:pathLst>
+            <a:path>
+              <a:moveTo>
+                <a:pt x="0" y="0"/>
+              </a:moveTo>
+              <a:lnTo>
+                <a:pt x="351021" y="0"/>
+              </a:lnTo>
+              <a:lnTo>
+                <a:pt x="351021" y="1231394"/>
+              </a:lnTo>
+              <a:lnTo>
+                <a:pt x="702042" y="1231394"/>
+              </a:lnTo>
+            </a:path>
+          </a:pathLst>
+        </a:custGeom>
+        <a:noFill/>
+        <a:ln w="12700" cap="flat" cmpd="sng" algn="ctr">
+          <a:solidFill>
+            <a:schemeClr val="dk1">
+              <a:shade val="60000"/>
+              <a:hueOff val="0"/>
+              <a:satOff val="0"/>
+              <a:lumOff val="0"/>
+              <a:alphaOff val="0"/>
+            </a:schemeClr>
+          </a:solidFill>
+          <a:prstDash val="solid"/>
+          <a:miter lim="800000"/>
+        </a:ln>
+        <a:effectLst/>
+      </dsp:spPr>
+      <dsp:style>
+        <a:lnRef idx="2">
+          <a:scrgbClr r="0" g="0" b="0"/>
+        </a:lnRef>
+        <a:fillRef idx="0">
+          <a:scrgbClr r="0" g="0" b="0"/>
+        </a:fillRef>
+        <a:effectRef idx="0">
+          <a:scrgbClr r="0" g="0" b="0"/>
+        </a:effectRef>
+        <a:fontRef idx="minor"/>
+      </dsp:style>
+      <dsp:txBody>
+        <a:bodyPr spcFirstLastPara="0" vert="horz" wrap="square" lIns="12700" tIns="0" rIns="12700" bIns="0" numCol="1" spcCol="1270" anchor="ctr" anchorCtr="0">
+          <a:noAutofit/>
+        </a:bodyPr>
+        <a:lstStyle/>
+        <a:p>
+          <a:pPr lvl="0" algn="ctr" defTabSz="889000">
+            <a:lnSpc>
+              <a:spcPct val="90000"/>
+            </a:lnSpc>
+            <a:spcBef>
+              <a:spcPct val="0"/>
+            </a:spcBef>
+            <a:spcAft>
+              <a:spcPct val="35000"/>
+            </a:spcAft>
+          </a:pPr>
+          <a:endParaRPr lang="ru-RU" sz="2000" kern="1200">
+            <a:latin typeface="Times New Roman" panose="02020603050405020304" pitchFamily="18" charset="0"/>
+            <a:cs typeface="Times New Roman" panose="02020603050405020304" pitchFamily="18" charset="0"/>
+          </a:endParaRPr>
+        </a:p>
+      </dsp:txBody>
+      <dsp:txXfrm>
+        <a:off x="2122550" y="3402049"/>
+        <a:ext cx="70873" cy="70873"/>
+      </dsp:txXfrm>
+    </dsp:sp>
+    <dsp:sp modelId="{24B88061-83BA-412C-9CC3-904F54D7415B}">
+      <dsp:nvSpPr>
+        <dsp:cNvPr id="0" name=""/>
+        <dsp:cNvSpPr/>
+      </dsp:nvSpPr>
+      <dsp:spPr>
+        <a:xfrm>
+          <a:off x="6019220" y="1590394"/>
+          <a:ext cx="702042" cy="668866"/>
+        </a:xfrm>
+        <a:custGeom>
+          <a:avLst/>
+          <a:gdLst/>
+          <a:ahLst/>
+          <a:cxnLst/>
+          <a:rect l="0" t="0" r="0" b="0"/>
+          <a:pathLst>
+            <a:path>
+              <a:moveTo>
+                <a:pt x="0" y="0"/>
+              </a:moveTo>
+              <a:lnTo>
+                <a:pt x="351021" y="0"/>
+              </a:lnTo>
+              <a:lnTo>
+                <a:pt x="351021" y="668866"/>
+              </a:lnTo>
+              <a:lnTo>
+                <a:pt x="702042" y="668866"/>
+              </a:lnTo>
+            </a:path>
+          </a:pathLst>
+        </a:custGeom>
+        <a:noFill/>
+        <a:ln w="12700" cap="flat" cmpd="sng" algn="ctr">
+          <a:solidFill>
+            <a:schemeClr val="dk1">
+              <a:shade val="80000"/>
+              <a:hueOff val="0"/>
+              <a:satOff val="0"/>
+              <a:lumOff val="0"/>
+              <a:alphaOff val="0"/>
+            </a:schemeClr>
+          </a:solidFill>
+          <a:prstDash val="solid"/>
+          <a:miter lim="800000"/>
+        </a:ln>
+        <a:effectLst/>
+      </dsp:spPr>
+      <dsp:style>
+        <a:lnRef idx="2">
+          <a:scrgbClr r="0" g="0" b="0"/>
+        </a:lnRef>
+        <a:fillRef idx="0">
+          <a:scrgbClr r="0" g="0" b="0"/>
+        </a:fillRef>
+        <a:effectRef idx="0">
+          <a:scrgbClr r="0" g="0" b="0"/>
+        </a:effectRef>
+        <a:fontRef idx="minor"/>
+      </dsp:style>
+      <dsp:txBody>
+        <a:bodyPr spcFirstLastPara="0" vert="horz" wrap="square" lIns="12700" tIns="0" rIns="12700" bIns="0" numCol="1" spcCol="1270" anchor="ctr" anchorCtr="0">
+          <a:noAutofit/>
+        </a:bodyPr>
+        <a:lstStyle/>
+        <a:p>
+          <a:pPr lvl="0" algn="ctr" defTabSz="889000">
+            <a:lnSpc>
+              <a:spcPct val="90000"/>
+            </a:lnSpc>
+            <a:spcBef>
+              <a:spcPct val="0"/>
+            </a:spcBef>
+            <a:spcAft>
+              <a:spcPct val="35000"/>
+            </a:spcAft>
+          </a:pPr>
+          <a:endParaRPr lang="ru-RU" sz="2000" kern="1200">
+            <a:latin typeface="Times New Roman" panose="02020603050405020304" pitchFamily="18" charset="0"/>
+            <a:cs typeface="Times New Roman" panose="02020603050405020304" pitchFamily="18" charset="0"/>
+          </a:endParaRPr>
+        </a:p>
+      </dsp:txBody>
+      <dsp:txXfrm>
+        <a:off x="6345999" y="1900586"/>
+        <a:ext cx="48483" cy="48483"/>
+      </dsp:txXfrm>
+    </dsp:sp>
+    <dsp:sp modelId="{8FC6EA7C-3FA9-45BD-8E22-4BDA776FD22B}">
+      <dsp:nvSpPr>
+        <dsp:cNvPr id="0" name=""/>
+        <dsp:cNvSpPr/>
+      </dsp:nvSpPr>
+      <dsp:spPr>
+        <a:xfrm>
+          <a:off x="6019220" y="921528"/>
+          <a:ext cx="702042" cy="668866"/>
+        </a:xfrm>
+        <a:custGeom>
+          <a:avLst/>
+          <a:gdLst/>
+          <a:ahLst/>
+          <a:cxnLst/>
+          <a:rect l="0" t="0" r="0" b="0"/>
+          <a:pathLst>
+            <a:path>
+              <a:moveTo>
+                <a:pt x="0" y="668866"/>
+              </a:moveTo>
+              <a:lnTo>
+                <a:pt x="351021" y="668866"/>
+              </a:lnTo>
+              <a:lnTo>
+                <a:pt x="351021" y="0"/>
+              </a:lnTo>
+              <a:lnTo>
+                <a:pt x="702042" y="0"/>
+              </a:lnTo>
+            </a:path>
+          </a:pathLst>
+        </a:custGeom>
+        <a:noFill/>
+        <a:ln w="12700" cap="flat" cmpd="sng" algn="ctr">
+          <a:solidFill>
+            <a:schemeClr val="dk1">
+              <a:shade val="80000"/>
+              <a:hueOff val="0"/>
+              <a:satOff val="0"/>
+              <a:lumOff val="0"/>
+              <a:alphaOff val="0"/>
+            </a:schemeClr>
+          </a:solidFill>
+          <a:prstDash val="solid"/>
+          <a:miter lim="800000"/>
+        </a:ln>
+        <a:effectLst/>
+      </dsp:spPr>
+      <dsp:style>
+        <a:lnRef idx="2">
+          <a:scrgbClr r="0" g="0" b="0"/>
+        </a:lnRef>
+        <a:fillRef idx="0">
+          <a:scrgbClr r="0" g="0" b="0"/>
+        </a:fillRef>
+        <a:effectRef idx="0">
+          <a:scrgbClr r="0" g="0" b="0"/>
+        </a:effectRef>
+        <a:fontRef idx="minor"/>
+      </dsp:style>
+      <dsp:txBody>
+        <a:bodyPr spcFirstLastPara="0" vert="horz" wrap="square" lIns="12700" tIns="0" rIns="12700" bIns="0" numCol="1" spcCol="1270" anchor="ctr" anchorCtr="0">
+          <a:noAutofit/>
+        </a:bodyPr>
+        <a:lstStyle/>
+        <a:p>
+          <a:pPr lvl="0" algn="ctr" defTabSz="889000">
+            <a:lnSpc>
+              <a:spcPct val="90000"/>
+            </a:lnSpc>
+            <a:spcBef>
+              <a:spcPct val="0"/>
+            </a:spcBef>
+            <a:spcAft>
+              <a:spcPct val="35000"/>
+            </a:spcAft>
+          </a:pPr>
+          <a:endParaRPr lang="ru-RU" sz="2000" kern="1200">
+            <a:latin typeface="Times New Roman" panose="02020603050405020304" pitchFamily="18" charset="0"/>
+            <a:cs typeface="Times New Roman" panose="02020603050405020304" pitchFamily="18" charset="0"/>
+          </a:endParaRPr>
+        </a:p>
+      </dsp:txBody>
+      <dsp:txXfrm>
+        <a:off x="6345999" y="1231720"/>
+        <a:ext cx="48483" cy="48483"/>
+      </dsp:txXfrm>
+    </dsp:sp>
+    <dsp:sp modelId="{A7D8FE9D-12E5-43D5-B53D-21CA6743484D}">
+      <dsp:nvSpPr>
+        <dsp:cNvPr id="0" name=""/>
+        <dsp:cNvSpPr/>
+      </dsp:nvSpPr>
+      <dsp:spPr>
+        <a:xfrm>
+          <a:off x="1806966" y="1590394"/>
+          <a:ext cx="702042" cy="1231394"/>
+        </a:xfrm>
+        <a:custGeom>
+          <a:avLst/>
+          <a:gdLst/>
+          <a:ahLst/>
+          <a:cxnLst/>
+          <a:rect l="0" t="0" r="0" b="0"/>
+          <a:pathLst>
+            <a:path>
+              <a:moveTo>
+                <a:pt x="0" y="1231394"/>
+              </a:moveTo>
+              <a:lnTo>
+                <a:pt x="351021" y="1231394"/>
+              </a:lnTo>
+              <a:lnTo>
+                <a:pt x="351021" y="0"/>
+              </a:lnTo>
+              <a:lnTo>
+                <a:pt x="702042" y="0"/>
+              </a:lnTo>
+            </a:path>
+          </a:pathLst>
+        </a:custGeom>
+        <a:noFill/>
+        <a:ln w="12700" cap="flat" cmpd="sng" algn="ctr">
+          <a:solidFill>
+            <a:schemeClr val="dk1">
+              <a:shade val="60000"/>
+              <a:hueOff val="0"/>
+              <a:satOff val="0"/>
+              <a:lumOff val="0"/>
+              <a:alphaOff val="0"/>
+            </a:schemeClr>
+          </a:solidFill>
+          <a:prstDash val="solid"/>
+          <a:miter lim="800000"/>
+        </a:ln>
+        <a:effectLst/>
+      </dsp:spPr>
+      <dsp:style>
+        <a:lnRef idx="2">
+          <a:scrgbClr r="0" g="0" b="0"/>
+        </a:lnRef>
+        <a:fillRef idx="0">
+          <a:scrgbClr r="0" g="0" b="0"/>
+        </a:fillRef>
+        <a:effectRef idx="0">
+          <a:scrgbClr r="0" g="0" b="0"/>
+        </a:effectRef>
+        <a:fontRef idx="minor"/>
+      </dsp:style>
+      <dsp:txBody>
+        <a:bodyPr spcFirstLastPara="0" vert="horz" wrap="square" lIns="12700" tIns="0" rIns="12700" bIns="0" numCol="1" spcCol="1270" anchor="ctr" anchorCtr="0">
+          <a:noAutofit/>
+        </a:bodyPr>
+        <a:lstStyle/>
+        <a:p>
+          <a:pPr lvl="0" algn="ctr" defTabSz="889000">
+            <a:lnSpc>
+              <a:spcPct val="90000"/>
+            </a:lnSpc>
+            <a:spcBef>
+              <a:spcPct val="0"/>
+            </a:spcBef>
+            <a:spcAft>
+              <a:spcPct val="35000"/>
+            </a:spcAft>
+          </a:pPr>
+          <a:endParaRPr lang="ru-RU" sz="2000" kern="1200">
+            <a:latin typeface="Times New Roman" panose="02020603050405020304" pitchFamily="18" charset="0"/>
+            <a:cs typeface="Times New Roman" panose="02020603050405020304" pitchFamily="18" charset="0"/>
+          </a:endParaRPr>
+        </a:p>
+      </dsp:txBody>
+      <dsp:txXfrm>
+        <a:off x="2122550" y="2170655"/>
+        <a:ext cx="70873" cy="70873"/>
+      </dsp:txXfrm>
+    </dsp:sp>
+    <dsp:sp modelId="{1EC23980-C375-4C0B-9E67-35FCF6803BEB}">
+      <dsp:nvSpPr>
+        <dsp:cNvPr id="0" name=""/>
+        <dsp:cNvSpPr/>
+      </dsp:nvSpPr>
+      <dsp:spPr>
+        <a:xfrm rot="16200000">
+          <a:off x="-1544407" y="2286695"/>
+          <a:ext cx="5632560" cy="1070186"/>
+        </a:xfrm>
+        <a:prstGeom prst="rect">
+          <a:avLst/>
+        </a:prstGeom>
+        <a:solidFill>
+          <a:schemeClr val="lt1">
+            <a:hueOff val="0"/>
+            <a:satOff val="0"/>
+            <a:lumOff val="0"/>
+            <a:alphaOff val="0"/>
+          </a:schemeClr>
+        </a:solidFill>
+        <a:ln w="12700" cap="flat" cmpd="sng" algn="ctr">
+          <a:solidFill>
+            <a:schemeClr val="dk1">
+              <a:shade val="80000"/>
+              <a:hueOff val="0"/>
+              <a:satOff val="0"/>
+              <a:lumOff val="0"/>
+              <a:alphaOff val="0"/>
+            </a:schemeClr>
+          </a:solidFill>
+          <a:prstDash val="solid"/>
+          <a:miter lim="800000"/>
+        </a:ln>
+        <a:effectLst/>
+      </dsp:spPr>
+      <dsp:style>
+        <a:lnRef idx="2">
+          <a:scrgbClr r="0" g="0" b="0"/>
+        </a:lnRef>
+        <a:fillRef idx="1">
+          <a:scrgbClr r="0" g="0" b="0"/>
+        </a:fillRef>
+        <a:effectRef idx="0">
+          <a:scrgbClr r="0" g="0" b="0"/>
+        </a:effectRef>
+        <a:fontRef idx="minor">
+          <a:schemeClr val="lt1"/>
+        </a:fontRef>
+      </dsp:style>
+      <dsp:txBody>
+        <a:bodyPr spcFirstLastPara="0" vert="horz" wrap="square" lIns="12700" tIns="12700" rIns="12700" bIns="12700" numCol="1" spcCol="1270" anchor="ctr" anchorCtr="0">
+          <a:noAutofit/>
+        </a:bodyPr>
+        <a:lstStyle/>
+        <a:p>
+          <a:pPr lvl="0" algn="ctr" defTabSz="889000">
+            <a:lnSpc>
+              <a:spcPct val="90000"/>
+            </a:lnSpc>
+            <a:spcBef>
+              <a:spcPct val="0"/>
+            </a:spcBef>
+            <a:spcAft>
+              <a:spcPct val="35000"/>
+            </a:spcAft>
+          </a:pPr>
+          <a:r>
+            <a:rPr lang="ru-RU" sz="2000" kern="1200">
+              <a:latin typeface="Times New Roman" panose="02020603050405020304" pitchFamily="18" charset="0"/>
+              <a:cs typeface="Times New Roman" panose="02020603050405020304" pitchFamily="18" charset="0"/>
+            </a:rPr>
+            <a:t>Мероприятия по увеличению прибыли </a:t>
+          </a:r>
+        </a:p>
+      </dsp:txBody>
+      <dsp:txXfrm>
+        <a:off x="-1544407" y="2286695"/>
+        <a:ext cx="5632560" cy="1070186"/>
+      </dsp:txXfrm>
+    </dsp:sp>
+    <dsp:sp modelId="{08960B85-87ED-48B6-88F5-B5C817057C30}">
+      <dsp:nvSpPr>
+        <dsp:cNvPr id="0" name=""/>
+        <dsp:cNvSpPr/>
+      </dsp:nvSpPr>
+      <dsp:spPr>
+        <a:xfrm>
+          <a:off x="2509008" y="1055301"/>
+          <a:ext cx="3510211" cy="1070186"/>
+        </a:xfrm>
+        <a:prstGeom prst="rect">
+          <a:avLst/>
+        </a:prstGeom>
+        <a:solidFill>
+          <a:schemeClr val="lt1">
+            <a:hueOff val="0"/>
+            <a:satOff val="0"/>
+            <a:lumOff val="0"/>
+            <a:alphaOff val="0"/>
+          </a:schemeClr>
+        </a:solidFill>
+        <a:ln w="12700" cap="flat" cmpd="sng" algn="ctr">
+          <a:solidFill>
+            <a:schemeClr val="dk1">
+              <a:shade val="80000"/>
+              <a:hueOff val="0"/>
+              <a:satOff val="0"/>
+              <a:lumOff val="0"/>
+              <a:alphaOff val="0"/>
+            </a:schemeClr>
+          </a:solidFill>
+          <a:prstDash val="solid"/>
+          <a:miter lim="800000"/>
+        </a:ln>
+        <a:effectLst/>
+      </dsp:spPr>
+      <dsp:style>
+        <a:lnRef idx="2">
+          <a:scrgbClr r="0" g="0" b="0"/>
+        </a:lnRef>
+        <a:fillRef idx="1">
+          <a:scrgbClr r="0" g="0" b="0"/>
+        </a:fillRef>
+        <a:effectRef idx="0">
+          <a:scrgbClr r="0" g="0" b="0"/>
+        </a:effectRef>
+        <a:fontRef idx="minor">
+          <a:schemeClr val="lt1"/>
+        </a:fontRef>
+      </dsp:style>
+      <dsp:txBody>
+        <a:bodyPr spcFirstLastPara="0" vert="horz" wrap="square" lIns="12700" tIns="12700" rIns="12700" bIns="12700" numCol="1" spcCol="1270" anchor="ctr" anchorCtr="0">
+          <a:noAutofit/>
+        </a:bodyPr>
+        <a:lstStyle/>
+        <a:p>
+          <a:pPr lvl="0" algn="ctr" defTabSz="889000">
+            <a:lnSpc>
+              <a:spcPct val="90000"/>
+            </a:lnSpc>
+            <a:spcBef>
+              <a:spcPct val="0"/>
+            </a:spcBef>
+            <a:spcAft>
+              <a:spcPct val="35000"/>
+            </a:spcAft>
+          </a:pPr>
+          <a:r>
+            <a:rPr lang="ru-RU" sz="2000" kern="1200">
+              <a:latin typeface="Times New Roman" panose="02020603050405020304" pitchFamily="18" charset="0"/>
+              <a:cs typeface="Times New Roman" panose="02020603050405020304" pitchFamily="18" charset="0"/>
+            </a:rPr>
+            <a:t>Увеличение объема реализованных услуг</a:t>
+          </a:r>
+        </a:p>
+      </dsp:txBody>
+      <dsp:txXfrm>
+        <a:off x="2509008" y="1055301"/>
+        <a:ext cx="3510211" cy="1070186"/>
+      </dsp:txXfrm>
+    </dsp:sp>
+    <dsp:sp modelId="{00C925E6-E36B-4453-BF7A-95244A8015D5}">
+      <dsp:nvSpPr>
+        <dsp:cNvPr id="0" name=""/>
+        <dsp:cNvSpPr/>
+      </dsp:nvSpPr>
+      <dsp:spPr>
+        <a:xfrm>
+          <a:off x="6721262" y="386435"/>
+          <a:ext cx="4730782" cy="1070186"/>
+        </a:xfrm>
+        <a:prstGeom prst="rect">
+          <a:avLst/>
+        </a:prstGeom>
+        <a:solidFill>
+          <a:schemeClr val="lt1">
+            <a:hueOff val="0"/>
+            <a:satOff val="0"/>
+            <a:lumOff val="0"/>
+            <a:alphaOff val="0"/>
+          </a:schemeClr>
+        </a:solidFill>
+        <a:ln w="12700" cap="flat" cmpd="sng" algn="ctr">
+          <a:solidFill>
+            <a:schemeClr val="dk1">
+              <a:shade val="80000"/>
+              <a:hueOff val="0"/>
+              <a:satOff val="0"/>
+              <a:lumOff val="0"/>
+              <a:alphaOff val="0"/>
+            </a:schemeClr>
+          </a:solidFill>
+          <a:prstDash val="solid"/>
+          <a:miter lim="800000"/>
+        </a:ln>
+        <a:effectLst/>
+      </dsp:spPr>
+      <dsp:style>
+        <a:lnRef idx="2">
+          <a:scrgbClr r="0" g="0" b="0"/>
+        </a:lnRef>
+        <a:fillRef idx="1">
+          <a:scrgbClr r="0" g="0" b="0"/>
+        </a:fillRef>
+        <a:effectRef idx="0">
+          <a:scrgbClr r="0" g="0" b="0"/>
+        </a:effectRef>
+        <a:fontRef idx="minor">
+          <a:schemeClr val="lt1"/>
+        </a:fontRef>
+      </dsp:style>
+      <dsp:txBody>
+        <a:bodyPr spcFirstLastPara="0" vert="horz" wrap="square" lIns="12700" tIns="12700" rIns="12700" bIns="12700" numCol="1" spcCol="1270" anchor="ctr" anchorCtr="0">
+          <a:noAutofit/>
+        </a:bodyPr>
+        <a:lstStyle/>
+        <a:p>
+          <a:pPr lvl="0" algn="ctr" defTabSz="889000">
+            <a:lnSpc>
+              <a:spcPct val="90000"/>
+            </a:lnSpc>
+            <a:spcBef>
+              <a:spcPct val="0"/>
+            </a:spcBef>
+            <a:spcAft>
+              <a:spcPct val="35000"/>
+            </a:spcAft>
+          </a:pPr>
+          <a:r>
+            <a:rPr lang="ru-RU" sz="2000" kern="1200">
+              <a:latin typeface="Times New Roman" panose="02020603050405020304" pitchFamily="18" charset="0"/>
+              <a:cs typeface="Times New Roman" panose="02020603050405020304" pitchFamily="18" charset="0"/>
+            </a:rPr>
+            <a:t>Расширение рынков сбыта</a:t>
+          </a:r>
+        </a:p>
+      </dsp:txBody>
+      <dsp:txXfrm>
+        <a:off x="6721262" y="386435"/>
+        <a:ext cx="4730782" cy="1070186"/>
+      </dsp:txXfrm>
+    </dsp:sp>
+    <dsp:sp modelId="{C9542E49-8AA5-43C0-8653-69E9B281785E}">
+      <dsp:nvSpPr>
+        <dsp:cNvPr id="0" name=""/>
+        <dsp:cNvSpPr/>
+      </dsp:nvSpPr>
+      <dsp:spPr>
+        <a:xfrm>
+          <a:off x="6721262" y="1724168"/>
+          <a:ext cx="4730782" cy="1070186"/>
+        </a:xfrm>
+        <a:prstGeom prst="rect">
+          <a:avLst/>
+        </a:prstGeom>
+        <a:solidFill>
+          <a:schemeClr val="lt1">
+            <a:hueOff val="0"/>
+            <a:satOff val="0"/>
+            <a:lumOff val="0"/>
+            <a:alphaOff val="0"/>
+          </a:schemeClr>
+        </a:solidFill>
+        <a:ln w="12700" cap="flat" cmpd="sng" algn="ctr">
+          <a:solidFill>
+            <a:schemeClr val="dk1">
+              <a:shade val="80000"/>
+              <a:hueOff val="0"/>
+              <a:satOff val="0"/>
+              <a:lumOff val="0"/>
+              <a:alphaOff val="0"/>
+            </a:schemeClr>
+          </a:solidFill>
+          <a:prstDash val="solid"/>
+          <a:miter lim="800000"/>
+        </a:ln>
+        <a:effectLst/>
+      </dsp:spPr>
+      <dsp:style>
+        <a:lnRef idx="2">
+          <a:scrgbClr r="0" g="0" b="0"/>
+        </a:lnRef>
+        <a:fillRef idx="1">
+          <a:scrgbClr r="0" g="0" b="0"/>
+        </a:fillRef>
+        <a:effectRef idx="0">
+          <a:scrgbClr r="0" g="0" b="0"/>
+        </a:effectRef>
+        <a:fontRef idx="minor">
+          <a:schemeClr val="lt1"/>
+        </a:fontRef>
+      </dsp:style>
+      <dsp:txBody>
+        <a:bodyPr spcFirstLastPara="0" vert="horz" wrap="square" lIns="12700" tIns="12700" rIns="12700" bIns="12700" numCol="1" spcCol="1270" anchor="ctr" anchorCtr="0">
+          <a:noAutofit/>
+        </a:bodyPr>
+        <a:lstStyle/>
+        <a:p>
+          <a:pPr lvl="0" algn="ctr" defTabSz="889000">
+            <a:lnSpc>
+              <a:spcPct val="90000"/>
+            </a:lnSpc>
+            <a:spcBef>
+              <a:spcPct val="0"/>
+            </a:spcBef>
+            <a:spcAft>
+              <a:spcPct val="35000"/>
+            </a:spcAft>
+          </a:pPr>
+          <a:r>
+            <a:rPr lang="ru-RU" sz="2000" kern="1200">
+              <a:latin typeface="Times New Roman" panose="02020603050405020304" pitchFamily="18" charset="0"/>
+              <a:cs typeface="Times New Roman" panose="02020603050405020304" pitchFamily="18" charset="0"/>
+            </a:rPr>
+            <a:t>Диверсификация производства</a:t>
+          </a:r>
+        </a:p>
+      </dsp:txBody>
+      <dsp:txXfrm>
+        <a:off x="6721262" y="1724168"/>
+        <a:ext cx="4730782" cy="1070186"/>
+      </dsp:txXfrm>
+    </dsp:sp>
+    <dsp:sp modelId="{64ABAF48-F821-4777-9A60-F09DBAF1D643}">
+      <dsp:nvSpPr>
+        <dsp:cNvPr id="0" name=""/>
+        <dsp:cNvSpPr/>
+      </dsp:nvSpPr>
+      <dsp:spPr>
+        <a:xfrm>
+          <a:off x="2509008" y="3518089"/>
+          <a:ext cx="3510211" cy="1070186"/>
+        </a:xfrm>
+        <a:prstGeom prst="rect">
+          <a:avLst/>
+        </a:prstGeom>
+        <a:solidFill>
+          <a:schemeClr val="lt1">
+            <a:hueOff val="0"/>
+            <a:satOff val="0"/>
+            <a:lumOff val="0"/>
+            <a:alphaOff val="0"/>
+          </a:schemeClr>
+        </a:solidFill>
+        <a:ln w="12700" cap="flat" cmpd="sng" algn="ctr">
+          <a:solidFill>
+            <a:schemeClr val="dk1">
+              <a:shade val="80000"/>
+              <a:hueOff val="0"/>
+              <a:satOff val="0"/>
+              <a:lumOff val="0"/>
+              <a:alphaOff val="0"/>
+            </a:schemeClr>
+          </a:solidFill>
+          <a:prstDash val="solid"/>
+          <a:miter lim="800000"/>
+        </a:ln>
+        <a:effectLst/>
+      </dsp:spPr>
+      <dsp:style>
+        <a:lnRef idx="2">
+          <a:scrgbClr r="0" g="0" b="0"/>
+        </a:lnRef>
+        <a:fillRef idx="1">
+          <a:scrgbClr r="0" g="0" b="0"/>
+        </a:fillRef>
+        <a:effectRef idx="0">
+          <a:scrgbClr r="0" g="0" b="0"/>
+        </a:effectRef>
+        <a:fontRef idx="minor">
+          <a:schemeClr val="lt1"/>
+        </a:fontRef>
+      </dsp:style>
+      <dsp:txBody>
+        <a:bodyPr spcFirstLastPara="0" vert="horz" wrap="square" lIns="12700" tIns="12700" rIns="12700" bIns="12700" numCol="1" spcCol="1270" anchor="ctr" anchorCtr="0">
+          <a:noAutofit/>
+        </a:bodyPr>
+        <a:lstStyle/>
+        <a:p>
+          <a:pPr lvl="0" algn="ctr" defTabSz="889000">
+            <a:lnSpc>
+              <a:spcPct val="90000"/>
+            </a:lnSpc>
+            <a:spcBef>
+              <a:spcPct val="0"/>
+            </a:spcBef>
+            <a:spcAft>
+              <a:spcPct val="35000"/>
+            </a:spcAft>
+          </a:pPr>
+          <a:r>
+            <a:rPr lang="ru-RU" sz="2000" kern="1200">
+              <a:latin typeface="Times New Roman" panose="02020603050405020304" pitchFamily="18" charset="0"/>
+              <a:cs typeface="Times New Roman" panose="02020603050405020304" pitchFamily="18" charset="0"/>
+            </a:rPr>
+            <a:t>Снижение затрат на производство и реализацию услуг</a:t>
+          </a:r>
+        </a:p>
+      </dsp:txBody>
+      <dsp:txXfrm>
+        <a:off x="2509008" y="3518089"/>
+        <a:ext cx="3510211" cy="1070186"/>
+      </dsp:txXfrm>
+    </dsp:sp>
+    <dsp:sp modelId="{38A4E1A9-44E7-490D-8F08-D839D064A59A}">
+      <dsp:nvSpPr>
+        <dsp:cNvPr id="0" name=""/>
+        <dsp:cNvSpPr/>
+      </dsp:nvSpPr>
+      <dsp:spPr>
+        <a:xfrm>
+          <a:off x="6721262" y="3061901"/>
+          <a:ext cx="4730782" cy="1982563"/>
+        </a:xfrm>
+        <a:prstGeom prst="rect">
+          <a:avLst/>
+        </a:prstGeom>
+        <a:solidFill>
+          <a:schemeClr val="lt1">
+            <a:hueOff val="0"/>
+            <a:satOff val="0"/>
+            <a:lumOff val="0"/>
+            <a:alphaOff val="0"/>
+          </a:schemeClr>
+        </a:solidFill>
+        <a:ln w="12700" cap="flat" cmpd="sng" algn="ctr">
+          <a:solidFill>
+            <a:schemeClr val="dk1">
+              <a:shade val="80000"/>
+              <a:hueOff val="0"/>
+              <a:satOff val="0"/>
+              <a:lumOff val="0"/>
+              <a:alphaOff val="0"/>
+            </a:schemeClr>
+          </a:solidFill>
+          <a:prstDash val="solid"/>
+          <a:miter lim="800000"/>
+        </a:ln>
+        <a:effectLst/>
+      </dsp:spPr>
+      <dsp:style>
+        <a:lnRef idx="2">
+          <a:scrgbClr r="0" g="0" b="0"/>
+        </a:lnRef>
+        <a:fillRef idx="1">
+          <a:scrgbClr r="0" g="0" b="0"/>
+        </a:fillRef>
+        <a:effectRef idx="0">
+          <a:scrgbClr r="0" g="0" b="0"/>
+        </a:effectRef>
+        <a:fontRef idx="minor">
+          <a:schemeClr val="lt1"/>
+        </a:fontRef>
+      </dsp:style>
+      <dsp:txBody>
+        <a:bodyPr spcFirstLastPara="0" vert="horz" wrap="square" lIns="12700" tIns="12700" rIns="12700" bIns="12700" numCol="1" spcCol="1270" anchor="ctr" anchorCtr="0">
+          <a:noAutofit/>
+        </a:bodyPr>
+        <a:lstStyle/>
+        <a:p>
+          <a:pPr lvl="0" algn="ctr" defTabSz="889000">
+            <a:lnSpc>
+              <a:spcPct val="90000"/>
+            </a:lnSpc>
+            <a:spcBef>
+              <a:spcPct val="0"/>
+            </a:spcBef>
+            <a:spcAft>
+              <a:spcPct val="35000"/>
+            </a:spcAft>
+          </a:pPr>
+          <a:r>
+            <a:rPr lang="ru-RU" sz="2000" kern="1200">
+              <a:latin typeface="Times New Roman" panose="02020603050405020304" pitchFamily="18" charset="0"/>
+              <a:cs typeface="Times New Roman" panose="02020603050405020304" pitchFamily="18" charset="0"/>
+            </a:rPr>
+            <a:t>Рациональное использование материальных ресурсов, производственных площадей и мощностей, рабочей силы и рабочего времени</a:t>
+          </a:r>
+        </a:p>
+      </dsp:txBody>
+      <dsp:txXfrm>
+        <a:off x="6721262" y="3061901"/>
+        <a:ext cx="4730782" cy="1982563"/>
+      </dsp:txXfrm>
+    </dsp:sp>
   </dsp:spTree>
 </dsp:drawing>
 </file>
@@ -9936,7 +13459,7 @@
             <a:fld id="{24CE221E-83ED-4F6C-BA5F-3F9E6FDB6953}" type="datetimeFigureOut">
               <a:rPr lang="ru-RU"/>
               <a:pPr/>
-              <a:t>12.06.2019</a:t>
+              <a:t>18.06.2019</a:t>
             </a:fld>
             <a:endParaRPr lang="ru-RU" dirty="0"/>
           </a:p>
@@ -10103,7 +13626,7 @@
             <a:fld id="{97853E5F-CE67-483C-A264-F17AC70E9CA2}" type="datetimeFigureOut">
               <a:rPr lang="ru-RU"/>
               <a:pPr/>
-              <a:t>12.06.2019</a:t>
+              <a:t>18.06.2019</a:t>
             </a:fld>
             <a:endParaRPr lang="ru-RU" dirty="0"/>
           </a:p>
@@ -10662,7 +14185,7 @@
             <a:fld id="{3E0FA9E5-6744-4841-888F-9E7CC0C2B7EC}" type="datetimeFigureOut">
               <a:rPr lang="ru-RU"/>
               <a:pPr/>
-              <a:t>12.06.2019</a:t>
+              <a:t>18.06.2019</a:t>
             </a:fld>
             <a:endParaRPr lang="ru-RU" dirty="0"/>
           </a:p>
@@ -10851,7 +14374,7 @@
             <a:fld id="{3E0FA9E5-6744-4841-888F-9E7CC0C2B7EC}" type="datetimeFigureOut">
               <a:rPr lang="ru-RU"/>
               <a:pPr/>
-              <a:t>12.06.2019</a:t>
+              <a:t>18.06.2019</a:t>
             </a:fld>
             <a:endParaRPr lang="ru-RU" dirty="0"/>
           </a:p>
@@ -11050,7 +14573,7 @@
             <a:fld id="{3E0FA9E5-6744-4841-888F-9E7CC0C2B7EC}" type="datetimeFigureOut">
               <a:rPr lang="ru-RU"/>
               <a:pPr/>
-              <a:t>12.06.2019</a:t>
+              <a:t>18.06.2019</a:t>
             </a:fld>
             <a:endParaRPr lang="ru-RU" dirty="0"/>
           </a:p>
@@ -11239,7 +14762,7 @@
             <a:fld id="{3E0FA9E5-6744-4841-888F-9E7CC0C2B7EC}" type="datetimeFigureOut">
               <a:rPr lang="ru-RU"/>
               <a:pPr/>
-              <a:t>12.06.2019</a:t>
+              <a:t>18.06.2019</a:t>
             </a:fld>
             <a:endParaRPr lang="ru-RU" dirty="0"/>
           </a:p>
@@ -11527,7 +15050,7 @@
             <a:fld id="{3E0FA9E5-6744-4841-888F-9E7CC0C2B7EC}" type="datetimeFigureOut">
               <a:rPr lang="ru-RU"/>
               <a:pPr/>
-              <a:t>12.06.2019</a:t>
+              <a:t>18.06.2019</a:t>
             </a:fld>
             <a:endParaRPr lang="ru-RU" dirty="0"/>
           </a:p>
@@ -11837,7 +15360,7 @@
             <a:fld id="{3E0FA9E5-6744-4841-888F-9E7CC0C2B7EC}" type="datetimeFigureOut">
               <a:rPr lang="ru-RU"/>
               <a:pPr/>
-              <a:t>12.06.2019</a:t>
+              <a:t>18.06.2019</a:t>
             </a:fld>
             <a:endParaRPr lang="ru-RU" dirty="0"/>
           </a:p>
@@ -12291,7 +15814,7 @@
             <a:fld id="{3E0FA9E5-6744-4841-888F-9E7CC0C2B7EC}" type="datetimeFigureOut">
               <a:rPr lang="ru-RU"/>
               <a:pPr/>
-              <a:t>12.06.2019</a:t>
+              <a:t>18.06.2019</a:t>
             </a:fld>
             <a:endParaRPr lang="ru-RU" dirty="0"/>
           </a:p>
@@ -12429,7 +15952,7 @@
             <a:fld id="{3E0FA9E5-6744-4841-888F-9E7CC0C2B7EC}" type="datetimeFigureOut">
               <a:rPr lang="ru-RU"/>
               <a:pPr/>
-              <a:t>12.06.2019</a:t>
+              <a:t>18.06.2019</a:t>
             </a:fld>
             <a:endParaRPr lang="ru-RU" dirty="0"/>
           </a:p>
@@ -12559,7 +16082,7 @@
             <a:fld id="{3E0FA9E5-6744-4841-888F-9E7CC0C2B7EC}" type="datetimeFigureOut">
               <a:rPr lang="ru-RU"/>
               <a:pPr/>
-              <a:t>12.06.2019</a:t>
+              <a:t>18.06.2019</a:t>
             </a:fld>
             <a:endParaRPr lang="ru-RU" dirty="0"/>
           </a:p>
@@ -12888,7 +16411,7 @@
             <a:fld id="{3E0FA9E5-6744-4841-888F-9E7CC0C2B7EC}" type="datetimeFigureOut">
               <a:rPr lang="ru-RU"/>
               <a:pPr/>
-              <a:t>12.06.2019</a:t>
+              <a:t>18.06.2019</a:t>
             </a:fld>
             <a:endParaRPr lang="ru-RU" dirty="0"/>
           </a:p>
@@ -13371,7 +16894,7 @@
             <a:fld id="{3E0FA9E5-6744-4841-888F-9E7CC0C2B7EC}" type="datetimeFigureOut">
               <a:rPr lang="ru-RU"/>
               <a:pPr/>
-              <a:t>12.06.2019</a:t>
+              <a:t>18.06.2019</a:t>
             </a:fld>
             <a:endParaRPr lang="ru-RU" dirty="0"/>
           </a:p>
@@ -13921,11 +17444,7 @@
           <a:p>
             <a:r>
               <a:rPr dirty="0" smtClean="0"/>
-              <a:t>Выполнил </a:t>
-            </a:r>
-            <a:r>
-              <a:rPr dirty="0" smtClean="0"/>
-              <a:t>студент:</a:t>
+              <a:t>Выполнил студент:</a:t>
             </a:r>
             <a:endParaRPr lang="en-US" dirty="0" smtClean="0"/>
           </a:p>
@@ -14186,8 +17705,12 @@
           </a:lstStyle>
           <a:p>
             <a:r>
+              <a:rPr lang="ru-RU" smtClean="0"/>
+              <a:t>Руководитель</a:t>
+            </a:r>
+            <a:r>
               <a:rPr lang="ru-RU" dirty="0" smtClean="0"/>
-              <a:t>Руководитель:</a:t>
+              <a:t>:</a:t>
             </a:r>
           </a:p>
           <a:p>
@@ -14576,13 +18099,55 @@
             <a:tbl>
               <a:tblPr/>
               <a:tblGrid>
-                <a:gridCol w="3022578"/>
-                <a:gridCol w="1711562"/>
-                <a:gridCol w="1418780"/>
-                <a:gridCol w="1418780"/>
-                <a:gridCol w="1387088"/>
-                <a:gridCol w="1899020"/>
-                <a:gridCol w="1331019"/>
+                <a:gridCol w="3022578">
+                  <a:extLst>
+                    <a:ext uri="{9D8B030D-6E8A-4147-A177-3AD203B41FA5}">
+                      <a16:colId xmlns:a16="http://schemas.microsoft.com/office/drawing/2014/main" val="20000"/>
+                    </a:ext>
+                  </a:extLst>
+                </a:gridCol>
+                <a:gridCol w="1711562">
+                  <a:extLst>
+                    <a:ext uri="{9D8B030D-6E8A-4147-A177-3AD203B41FA5}">
+                      <a16:colId xmlns:a16="http://schemas.microsoft.com/office/drawing/2014/main" val="20001"/>
+                    </a:ext>
+                  </a:extLst>
+                </a:gridCol>
+                <a:gridCol w="1418780">
+                  <a:extLst>
+                    <a:ext uri="{9D8B030D-6E8A-4147-A177-3AD203B41FA5}">
+                      <a16:colId xmlns:a16="http://schemas.microsoft.com/office/drawing/2014/main" val="20002"/>
+                    </a:ext>
+                  </a:extLst>
+                </a:gridCol>
+                <a:gridCol w="1418780">
+                  <a:extLst>
+                    <a:ext uri="{9D8B030D-6E8A-4147-A177-3AD203B41FA5}">
+                      <a16:colId xmlns:a16="http://schemas.microsoft.com/office/drawing/2014/main" val="20003"/>
+                    </a:ext>
+                  </a:extLst>
+                </a:gridCol>
+                <a:gridCol w="1387088">
+                  <a:extLst>
+                    <a:ext uri="{9D8B030D-6E8A-4147-A177-3AD203B41FA5}">
+                      <a16:colId xmlns:a16="http://schemas.microsoft.com/office/drawing/2014/main" val="20004"/>
+                    </a:ext>
+                  </a:extLst>
+                </a:gridCol>
+                <a:gridCol w="1899020">
+                  <a:extLst>
+                    <a:ext uri="{9D8B030D-6E8A-4147-A177-3AD203B41FA5}">
+                      <a16:colId xmlns:a16="http://schemas.microsoft.com/office/drawing/2014/main" val="20005"/>
+                    </a:ext>
+                  </a:extLst>
+                </a:gridCol>
+                <a:gridCol w="1331019">
+                  <a:extLst>
+                    <a:ext uri="{9D8B030D-6E8A-4147-A177-3AD203B41FA5}">
+                      <a16:colId xmlns:a16="http://schemas.microsoft.com/office/drawing/2014/main" val="20006"/>
+                    </a:ext>
+                  </a:extLst>
+                </a:gridCol>
               </a:tblGrid>
               <a:tr h="385145">
                 <a:tc rowSpan="2">
@@ -14887,6 +18452,11 @@
                   </a:txBody>
                   <a:tcPr/>
                 </a:tc>
+                <a:extLst>
+                  <a:ext uri="{0D108BD9-81ED-4DB2-BD59-A6C34878D82A}">
+                    <a16:rowId xmlns:a16="http://schemas.microsoft.com/office/drawing/2014/main" val="10000"/>
+                  </a:ext>
+                </a:extLst>
               </a:tr>
               <a:tr h="2911764">
                 <a:tc vMerge="1">
@@ -15307,6 +18877,11 @@
                     </a:solidFill>
                   </a:tcPr>
                 </a:tc>
+                <a:extLst>
+                  <a:ext uri="{0D108BD9-81ED-4DB2-BD59-A6C34878D82A}">
+                    <a16:rowId xmlns:a16="http://schemas.microsoft.com/office/drawing/2014/main" val="10001"/>
+                  </a:ext>
+                </a:extLst>
               </a:tr>
               <a:tr h="1455883">
                 <a:tc>
@@ -15785,6 +19360,11 @@
                     </a:solidFill>
                   </a:tcPr>
                 </a:tc>
+                <a:extLst>
+                  <a:ext uri="{0D108BD9-81ED-4DB2-BD59-A6C34878D82A}">
+                    <a16:rowId xmlns:a16="http://schemas.microsoft.com/office/drawing/2014/main" val="10002"/>
+                  </a:ext>
+                </a:extLst>
               </a:tr>
               <a:tr h="747910">
                 <a:tc>
@@ -16263,6 +19843,11 @@
                     </a:solidFill>
                   </a:tcPr>
                 </a:tc>
+                <a:extLst>
+                  <a:ext uri="{0D108BD9-81ED-4DB2-BD59-A6C34878D82A}">
+                    <a16:rowId xmlns:a16="http://schemas.microsoft.com/office/drawing/2014/main" val="10003"/>
+                  </a:ext>
+                </a:extLst>
               </a:tr>
             </a:tbl>
           </a:graphicData>
@@ -17179,11 +20764,41 @@
             <a:tbl>
               <a:tblPr/>
               <a:tblGrid>
-                <a:gridCol w="5734769"/>
-                <a:gridCol w="1265454"/>
-                <a:gridCol w="1263014"/>
-                <a:gridCol w="2165169"/>
-                <a:gridCol w="1760420"/>
+                <a:gridCol w="5734769">
+                  <a:extLst>
+                    <a:ext uri="{9D8B030D-6E8A-4147-A177-3AD203B41FA5}">
+                      <a16:colId xmlns:a16="http://schemas.microsoft.com/office/drawing/2014/main" val="20000"/>
+                    </a:ext>
+                  </a:extLst>
+                </a:gridCol>
+                <a:gridCol w="1265454">
+                  <a:extLst>
+                    <a:ext uri="{9D8B030D-6E8A-4147-A177-3AD203B41FA5}">
+                      <a16:colId xmlns:a16="http://schemas.microsoft.com/office/drawing/2014/main" val="20001"/>
+                    </a:ext>
+                  </a:extLst>
+                </a:gridCol>
+                <a:gridCol w="1263014">
+                  <a:extLst>
+                    <a:ext uri="{9D8B030D-6E8A-4147-A177-3AD203B41FA5}">
+                      <a16:colId xmlns:a16="http://schemas.microsoft.com/office/drawing/2014/main" val="20002"/>
+                    </a:ext>
+                  </a:extLst>
+                </a:gridCol>
+                <a:gridCol w="2165169">
+                  <a:extLst>
+                    <a:ext uri="{9D8B030D-6E8A-4147-A177-3AD203B41FA5}">
+                      <a16:colId xmlns:a16="http://schemas.microsoft.com/office/drawing/2014/main" val="20003"/>
+                    </a:ext>
+                  </a:extLst>
+                </a:gridCol>
+                <a:gridCol w="1760420">
+                  <a:extLst>
+                    <a:ext uri="{9D8B030D-6E8A-4147-A177-3AD203B41FA5}">
+                      <a16:colId xmlns:a16="http://schemas.microsoft.com/office/drawing/2014/main" val="20004"/>
+                    </a:ext>
+                  </a:extLst>
+                </a:gridCol>
               </a:tblGrid>
               <a:tr h="490598">
                 <a:tc>
@@ -17506,6 +21121,11 @@
                     </a:solidFill>
                   </a:tcPr>
                 </a:tc>
+                <a:extLst>
+                  <a:ext uri="{0D108BD9-81ED-4DB2-BD59-A6C34878D82A}">
+                    <a16:rowId xmlns:a16="http://schemas.microsoft.com/office/drawing/2014/main" val="10000"/>
+                  </a:ext>
+                </a:extLst>
               </a:tr>
               <a:tr h="490598">
                 <a:tc>
@@ -17828,6 +21448,11 @@
                     </a:solidFill>
                   </a:tcPr>
                 </a:tc>
+                <a:extLst>
+                  <a:ext uri="{0D108BD9-81ED-4DB2-BD59-A6C34878D82A}">
+                    <a16:rowId xmlns:a16="http://schemas.microsoft.com/office/drawing/2014/main" val="10001"/>
+                  </a:ext>
+                </a:extLst>
               </a:tr>
               <a:tr h="490598">
                 <a:tc>
@@ -18150,6 +21775,11 @@
                     </a:solidFill>
                   </a:tcPr>
                 </a:tc>
+                <a:extLst>
+                  <a:ext uri="{0D108BD9-81ED-4DB2-BD59-A6C34878D82A}">
+                    <a16:rowId xmlns:a16="http://schemas.microsoft.com/office/drawing/2014/main" val="10002"/>
+                  </a:ext>
+                </a:extLst>
               </a:tr>
               <a:tr h="294033">
                 <a:tc>
@@ -18472,6 +22102,11 @@
                     </a:solidFill>
                   </a:tcPr>
                 </a:tc>
+                <a:extLst>
+                  <a:ext uri="{0D108BD9-81ED-4DB2-BD59-A6C34878D82A}">
+                    <a16:rowId xmlns:a16="http://schemas.microsoft.com/office/drawing/2014/main" val="10003"/>
+                  </a:ext>
+                </a:extLst>
               </a:tr>
               <a:tr h="490598">
                 <a:tc>
@@ -18794,6 +22429,11 @@
                     </a:solidFill>
                   </a:tcPr>
                 </a:tc>
+                <a:extLst>
+                  <a:ext uri="{0D108BD9-81ED-4DB2-BD59-A6C34878D82A}">
+                    <a16:rowId xmlns:a16="http://schemas.microsoft.com/office/drawing/2014/main" val="10004"/>
+                  </a:ext>
+                </a:extLst>
               </a:tr>
               <a:tr h="294033">
                 <a:tc>
@@ -19116,6 +22756,11 @@
                     </a:solidFill>
                   </a:tcPr>
                 </a:tc>
+                <a:extLst>
+                  <a:ext uri="{0D108BD9-81ED-4DB2-BD59-A6C34878D82A}">
+                    <a16:rowId xmlns:a16="http://schemas.microsoft.com/office/drawing/2014/main" val="10005"/>
+                  </a:ext>
+                </a:extLst>
               </a:tr>
               <a:tr h="490598">
                 <a:tc>
@@ -19438,6 +23083,11 @@
                     </a:solidFill>
                   </a:tcPr>
                 </a:tc>
+                <a:extLst>
+                  <a:ext uri="{0D108BD9-81ED-4DB2-BD59-A6C34878D82A}">
+                    <a16:rowId xmlns:a16="http://schemas.microsoft.com/office/drawing/2014/main" val="10006"/>
+                  </a:ext>
+                </a:extLst>
               </a:tr>
               <a:tr h="294033">
                 <a:tc>
@@ -19760,6 +23410,11 @@
                     </a:solidFill>
                   </a:tcPr>
                 </a:tc>
+                <a:extLst>
+                  <a:ext uri="{0D108BD9-81ED-4DB2-BD59-A6C34878D82A}">
+                    <a16:rowId xmlns:a16="http://schemas.microsoft.com/office/drawing/2014/main" val="10007"/>
+                  </a:ext>
+                </a:extLst>
               </a:tr>
               <a:tr h="294033">
                 <a:tc>
@@ -20082,6 +23737,11 @@
                     </a:solidFill>
                   </a:tcPr>
                 </a:tc>
+                <a:extLst>
+                  <a:ext uri="{0D108BD9-81ED-4DB2-BD59-A6C34878D82A}">
+                    <a16:rowId xmlns:a16="http://schemas.microsoft.com/office/drawing/2014/main" val="10008"/>
+                  </a:ext>
+                </a:extLst>
               </a:tr>
               <a:tr h="294033">
                 <a:tc>
@@ -20404,6 +24064,11 @@
                     </a:solidFill>
                   </a:tcPr>
                 </a:tc>
+                <a:extLst>
+                  <a:ext uri="{0D108BD9-81ED-4DB2-BD59-A6C34878D82A}">
+                    <a16:rowId xmlns:a16="http://schemas.microsoft.com/office/drawing/2014/main" val="10009"/>
+                  </a:ext>
+                </a:extLst>
               </a:tr>
               <a:tr h="490598">
                 <a:tc>
@@ -20739,6 +24404,11 @@
                     </a:solidFill>
                   </a:tcPr>
                 </a:tc>
+                <a:extLst>
+                  <a:ext uri="{0D108BD9-81ED-4DB2-BD59-A6C34878D82A}">
+                    <a16:rowId xmlns:a16="http://schemas.microsoft.com/office/drawing/2014/main" val="10010"/>
+                  </a:ext>
+                </a:extLst>
               </a:tr>
               <a:tr h="294033">
                 <a:tc>
@@ -21061,6 +24731,11 @@
                     </a:solidFill>
                   </a:tcPr>
                 </a:tc>
+                <a:extLst>
+                  <a:ext uri="{0D108BD9-81ED-4DB2-BD59-A6C34878D82A}">
+                    <a16:rowId xmlns:a16="http://schemas.microsoft.com/office/drawing/2014/main" val="10011"/>
+                  </a:ext>
+                </a:extLst>
               </a:tr>
               <a:tr h="294033">
                 <a:tc>
@@ -21383,6 +25058,11 @@
                     </a:solidFill>
                   </a:tcPr>
                 </a:tc>
+                <a:extLst>
+                  <a:ext uri="{0D108BD9-81ED-4DB2-BD59-A6C34878D82A}">
+                    <a16:rowId xmlns:a16="http://schemas.microsoft.com/office/drawing/2014/main" val="10012"/>
+                  </a:ext>
+                </a:extLst>
               </a:tr>
               <a:tr h="294033">
                 <a:tc>
@@ -21705,6 +25385,11 @@
                     </a:solidFill>
                   </a:tcPr>
                 </a:tc>
+                <a:extLst>
+                  <a:ext uri="{0D108BD9-81ED-4DB2-BD59-A6C34878D82A}">
+                    <a16:rowId xmlns:a16="http://schemas.microsoft.com/office/drawing/2014/main" val="10013"/>
+                  </a:ext>
+                </a:extLst>
               </a:tr>
               <a:tr h="490598">
                 <a:tc>
@@ -22027,6 +25712,11 @@
                     </a:solidFill>
                   </a:tcPr>
                 </a:tc>
+                <a:extLst>
+                  <a:ext uri="{0D108BD9-81ED-4DB2-BD59-A6C34878D82A}">
+                    <a16:rowId xmlns:a16="http://schemas.microsoft.com/office/drawing/2014/main" val="10014"/>
+                  </a:ext>
+                </a:extLst>
               </a:tr>
             </a:tbl>
           </a:graphicData>
@@ -22122,10 +25812,34 @@
             <a:tbl>
               <a:tblPr/>
               <a:tblGrid>
-                <a:gridCol w="7380296"/>
-                <a:gridCol w="1428760"/>
-                <a:gridCol w="1500198"/>
-                <a:gridCol w="1879570"/>
+                <a:gridCol w="7380296">
+                  <a:extLst>
+                    <a:ext uri="{9D8B030D-6E8A-4147-A177-3AD203B41FA5}">
+                      <a16:colId xmlns:a16="http://schemas.microsoft.com/office/drawing/2014/main" val="20000"/>
+                    </a:ext>
+                  </a:extLst>
+                </a:gridCol>
+                <a:gridCol w="1428760">
+                  <a:extLst>
+                    <a:ext uri="{9D8B030D-6E8A-4147-A177-3AD203B41FA5}">
+                      <a16:colId xmlns:a16="http://schemas.microsoft.com/office/drawing/2014/main" val="20001"/>
+                    </a:ext>
+                  </a:extLst>
+                </a:gridCol>
+                <a:gridCol w="1500198">
+                  <a:extLst>
+                    <a:ext uri="{9D8B030D-6E8A-4147-A177-3AD203B41FA5}">
+                      <a16:colId xmlns:a16="http://schemas.microsoft.com/office/drawing/2014/main" val="20002"/>
+                    </a:ext>
+                  </a:extLst>
+                </a:gridCol>
+                <a:gridCol w="1879570">
+                  <a:extLst>
+                    <a:ext uri="{9D8B030D-6E8A-4147-A177-3AD203B41FA5}">
+                      <a16:colId xmlns:a16="http://schemas.microsoft.com/office/drawing/2014/main" val="20003"/>
+                    </a:ext>
+                  </a:extLst>
+                </a:gridCol>
               </a:tblGrid>
               <a:tr h="522106">
                 <a:tc rowSpan="2">
@@ -22349,6 +26063,11 @@
                     </a:solidFill>
                   </a:tcPr>
                 </a:tc>
+                <a:extLst>
+                  <a:ext uri="{0D108BD9-81ED-4DB2-BD59-A6C34878D82A}">
+                    <a16:rowId xmlns:a16="http://schemas.microsoft.com/office/drawing/2014/main" val="10000"/>
+                  </a:ext>
+                </a:extLst>
               </a:tr>
               <a:tr h="325151">
                 <a:tc vMerge="1">
@@ -22507,6 +26226,11 @@
                   </a:txBody>
                   <a:tcPr/>
                 </a:tc>
+                <a:extLst>
+                  <a:ext uri="{0D108BD9-81ED-4DB2-BD59-A6C34878D82A}">
+                    <a16:rowId xmlns:a16="http://schemas.microsoft.com/office/drawing/2014/main" val="10001"/>
+                  </a:ext>
+                </a:extLst>
               </a:tr>
               <a:tr h="783159">
                 <a:tc>
@@ -22809,6 +26533,11 @@
                     </a:solidFill>
                   </a:tcPr>
                 </a:tc>
+                <a:extLst>
+                  <a:ext uri="{0D108BD9-81ED-4DB2-BD59-A6C34878D82A}">
+                    <a16:rowId xmlns:a16="http://schemas.microsoft.com/office/drawing/2014/main" val="10002"/>
+                  </a:ext>
+                </a:extLst>
               </a:tr>
               <a:tr h="783159">
                 <a:tc>
@@ -23083,6 +26812,11 @@
                     </a:solidFill>
                   </a:tcPr>
                 </a:tc>
+                <a:extLst>
+                  <a:ext uri="{0D108BD9-81ED-4DB2-BD59-A6C34878D82A}">
+                    <a16:rowId xmlns:a16="http://schemas.microsoft.com/office/drawing/2014/main" val="10003"/>
+                  </a:ext>
+                </a:extLst>
               </a:tr>
               <a:tr h="783159">
                 <a:tc>
@@ -23357,6 +27091,11 @@
                     </a:solidFill>
                   </a:tcPr>
                 </a:tc>
+                <a:extLst>
+                  <a:ext uri="{0D108BD9-81ED-4DB2-BD59-A6C34878D82A}">
+                    <a16:rowId xmlns:a16="http://schemas.microsoft.com/office/drawing/2014/main" val="10004"/>
+                  </a:ext>
+                </a:extLst>
               </a:tr>
               <a:tr h="783159">
                 <a:tc>
@@ -23631,6 +27370,11 @@
                     </a:solidFill>
                   </a:tcPr>
                 </a:tc>
+                <a:extLst>
+                  <a:ext uri="{0D108BD9-81ED-4DB2-BD59-A6C34878D82A}">
+                    <a16:rowId xmlns:a16="http://schemas.microsoft.com/office/drawing/2014/main" val="10005"/>
+                  </a:ext>
+                </a:extLst>
               </a:tr>
               <a:tr h="783159">
                 <a:tc>
@@ -23905,6 +27649,11 @@
                     </a:solidFill>
                   </a:tcPr>
                 </a:tc>
+                <a:extLst>
+                  <a:ext uri="{0D108BD9-81ED-4DB2-BD59-A6C34878D82A}">
+                    <a16:rowId xmlns:a16="http://schemas.microsoft.com/office/drawing/2014/main" val="10006"/>
+                  </a:ext>
+                </a:extLst>
               </a:tr>
               <a:tr h="522106">
                 <a:tc>
@@ -24179,6 +27928,11 @@
                     </a:solidFill>
                   </a:tcPr>
                 </a:tc>
+                <a:extLst>
+                  <a:ext uri="{0D108BD9-81ED-4DB2-BD59-A6C34878D82A}">
+                    <a16:rowId xmlns:a16="http://schemas.microsoft.com/office/drawing/2014/main" val="10007"/>
+                  </a:ext>
+                </a:extLst>
               </a:tr>
               <a:tr h="522106">
                 <a:tc>
@@ -24453,6 +28207,11 @@
                     </a:solidFill>
                   </a:tcPr>
                 </a:tc>
+                <a:extLst>
+                  <a:ext uri="{0D108BD9-81ED-4DB2-BD59-A6C34878D82A}">
+                    <a16:rowId xmlns:a16="http://schemas.microsoft.com/office/drawing/2014/main" val="10008"/>
+                  </a:ext>
+                </a:extLst>
               </a:tr>
             </a:tbl>
           </a:graphicData>
@@ -24548,10 +28307,34 @@
             <a:tbl>
               <a:tblPr/>
               <a:tblGrid>
-                <a:gridCol w="8094675"/>
-                <a:gridCol w="1593878"/>
-                <a:gridCol w="1192203"/>
-                <a:gridCol w="1308066"/>
+                <a:gridCol w="8094675">
+                  <a:extLst>
+                    <a:ext uri="{9D8B030D-6E8A-4147-A177-3AD203B41FA5}">
+                      <a16:colId xmlns:a16="http://schemas.microsoft.com/office/drawing/2014/main" val="20000"/>
+                    </a:ext>
+                  </a:extLst>
+                </a:gridCol>
+                <a:gridCol w="1593878">
+                  <a:extLst>
+                    <a:ext uri="{9D8B030D-6E8A-4147-A177-3AD203B41FA5}">
+                      <a16:colId xmlns:a16="http://schemas.microsoft.com/office/drawing/2014/main" val="20001"/>
+                    </a:ext>
+                  </a:extLst>
+                </a:gridCol>
+                <a:gridCol w="1192203">
+                  <a:extLst>
+                    <a:ext uri="{9D8B030D-6E8A-4147-A177-3AD203B41FA5}">
+                      <a16:colId xmlns:a16="http://schemas.microsoft.com/office/drawing/2014/main" val="20002"/>
+                    </a:ext>
+                  </a:extLst>
+                </a:gridCol>
+                <a:gridCol w="1308066">
+                  <a:extLst>
+                    <a:ext uri="{9D8B030D-6E8A-4147-A177-3AD203B41FA5}">
+                      <a16:colId xmlns:a16="http://schemas.microsoft.com/office/drawing/2014/main" val="20003"/>
+                    </a:ext>
+                  </a:extLst>
+                </a:gridCol>
               </a:tblGrid>
               <a:tr h="243577">
                 <a:tc rowSpan="2">
@@ -24775,6 +28558,11 @@
                     </a:solidFill>
                   </a:tcPr>
                 </a:tc>
+                <a:extLst>
+                  <a:ext uri="{0D108BD9-81ED-4DB2-BD59-A6C34878D82A}">
+                    <a16:rowId xmlns:a16="http://schemas.microsoft.com/office/drawing/2014/main" val="10000"/>
+                  </a:ext>
+                </a:extLst>
               </a:tr>
               <a:tr h="243577">
                 <a:tc vMerge="1">
@@ -24933,6 +28721,11 @@
                   </a:txBody>
                   <a:tcPr/>
                 </a:tc>
+                <a:extLst>
+                  <a:ext uri="{0D108BD9-81ED-4DB2-BD59-A6C34878D82A}">
+                    <a16:rowId xmlns:a16="http://schemas.microsoft.com/office/drawing/2014/main" val="10001"/>
+                  </a:ext>
+                </a:extLst>
               </a:tr>
               <a:tr h="243577">
                 <a:tc>
@@ -25207,6 +29000,11 @@
                     </a:solidFill>
                   </a:tcPr>
                 </a:tc>
+                <a:extLst>
+                  <a:ext uri="{0D108BD9-81ED-4DB2-BD59-A6C34878D82A}">
+                    <a16:rowId xmlns:a16="http://schemas.microsoft.com/office/drawing/2014/main" val="10002"/>
+                  </a:ext>
+                </a:extLst>
               </a:tr>
               <a:tr h="243577">
                 <a:tc>
@@ -25481,6 +29279,11 @@
                     </a:solidFill>
                   </a:tcPr>
                 </a:tc>
+                <a:extLst>
+                  <a:ext uri="{0D108BD9-81ED-4DB2-BD59-A6C34878D82A}">
+                    <a16:rowId xmlns:a16="http://schemas.microsoft.com/office/drawing/2014/main" val="10003"/>
+                  </a:ext>
+                </a:extLst>
               </a:tr>
               <a:tr h="316741">
                 <a:tc>
@@ -25783,6 +29586,11 @@
                     </a:solidFill>
                   </a:tcPr>
                 </a:tc>
+                <a:extLst>
+                  <a:ext uri="{0D108BD9-81ED-4DB2-BD59-A6C34878D82A}">
+                    <a16:rowId xmlns:a16="http://schemas.microsoft.com/office/drawing/2014/main" val="10004"/>
+                  </a:ext>
+                </a:extLst>
               </a:tr>
               <a:tr h="243577">
                 <a:tc>
@@ -26060,6 +29868,11 @@
                     </a:solidFill>
                   </a:tcPr>
                 </a:tc>
+                <a:extLst>
+                  <a:ext uri="{0D108BD9-81ED-4DB2-BD59-A6C34878D82A}">
+                    <a16:rowId xmlns:a16="http://schemas.microsoft.com/office/drawing/2014/main" val="10005"/>
+                  </a:ext>
+                </a:extLst>
               </a:tr>
               <a:tr h="243577">
                 <a:tc>
@@ -26337,6 +30150,11 @@
                     </a:solidFill>
                   </a:tcPr>
                 </a:tc>
+                <a:extLst>
+                  <a:ext uri="{0D108BD9-81ED-4DB2-BD59-A6C34878D82A}">
+                    <a16:rowId xmlns:a16="http://schemas.microsoft.com/office/drawing/2014/main" val="10006"/>
+                  </a:ext>
+                </a:extLst>
               </a:tr>
               <a:tr h="496855">
                 <a:tc>
@@ -26614,6 +30432,11 @@
                     </a:solidFill>
                   </a:tcPr>
                 </a:tc>
+                <a:extLst>
+                  <a:ext uri="{0D108BD9-81ED-4DB2-BD59-A6C34878D82A}">
+                    <a16:rowId xmlns:a16="http://schemas.microsoft.com/office/drawing/2014/main" val="10007"/>
+                  </a:ext>
+                </a:extLst>
               </a:tr>
               <a:tr h="496855">
                 <a:tc>
@@ -26891,6 +30714,11 @@
                     </a:solidFill>
                   </a:tcPr>
                 </a:tc>
+                <a:extLst>
+                  <a:ext uri="{0D108BD9-81ED-4DB2-BD59-A6C34878D82A}">
+                    <a16:rowId xmlns:a16="http://schemas.microsoft.com/office/drawing/2014/main" val="10008"/>
+                  </a:ext>
+                </a:extLst>
               </a:tr>
               <a:tr h="686018">
                 <a:tc>
@@ -27168,6 +30996,11 @@
                     </a:solidFill>
                   </a:tcPr>
                 </a:tc>
+                <a:extLst>
+                  <a:ext uri="{0D108BD9-81ED-4DB2-BD59-A6C34878D82A}">
+                    <a16:rowId xmlns:a16="http://schemas.microsoft.com/office/drawing/2014/main" val="10009"/>
+                  </a:ext>
+                </a:extLst>
               </a:tr>
               <a:tr h="243577">
                 <a:tc>
@@ -27445,6 +31278,11 @@
                     </a:solidFill>
                   </a:tcPr>
                 </a:tc>
+                <a:extLst>
+                  <a:ext uri="{0D108BD9-81ED-4DB2-BD59-A6C34878D82A}">
+                    <a16:rowId xmlns:a16="http://schemas.microsoft.com/office/drawing/2014/main" val="10010"/>
+                  </a:ext>
+                </a:extLst>
               </a:tr>
               <a:tr h="755629">
                 <a:tc>
@@ -27722,6 +31560,11 @@
                     </a:solidFill>
                   </a:tcPr>
                 </a:tc>
+                <a:extLst>
+                  <a:ext uri="{0D108BD9-81ED-4DB2-BD59-A6C34878D82A}">
+                    <a16:rowId xmlns:a16="http://schemas.microsoft.com/office/drawing/2014/main" val="10011"/>
+                  </a:ext>
+                </a:extLst>
               </a:tr>
               <a:tr h="243577">
                 <a:tc>
@@ -27999,6 +31842,11 @@
                     </a:solidFill>
                   </a:tcPr>
                 </a:tc>
+                <a:extLst>
+                  <a:ext uri="{0D108BD9-81ED-4DB2-BD59-A6C34878D82A}">
+                    <a16:rowId xmlns:a16="http://schemas.microsoft.com/office/drawing/2014/main" val="10012"/>
+                  </a:ext>
+                </a:extLst>
               </a:tr>
               <a:tr h="243577">
                 <a:tc>
@@ -28276,6 +32124,11 @@
                     </a:solidFill>
                   </a:tcPr>
                 </a:tc>
+                <a:extLst>
+                  <a:ext uri="{0D108BD9-81ED-4DB2-BD59-A6C34878D82A}">
+                    <a16:rowId xmlns:a16="http://schemas.microsoft.com/office/drawing/2014/main" val="10013"/>
+                  </a:ext>
+                </a:extLst>
               </a:tr>
               <a:tr h="686018">
                 <a:tc>
@@ -28553,6 +32406,11 @@
                     </a:solidFill>
                   </a:tcPr>
                 </a:tc>
+                <a:extLst>
+                  <a:ext uri="{0D108BD9-81ED-4DB2-BD59-A6C34878D82A}">
+                    <a16:rowId xmlns:a16="http://schemas.microsoft.com/office/drawing/2014/main" val="10014"/>
+                  </a:ext>
+                </a:extLst>
               </a:tr>
               <a:tr h="451083">
                 <a:tc>
@@ -28855,6 +32713,11 @@
                     </a:solidFill>
                   </a:tcPr>
                 </a:tc>
+                <a:extLst>
+                  <a:ext uri="{0D108BD9-81ED-4DB2-BD59-A6C34878D82A}">
+                    <a16:rowId xmlns:a16="http://schemas.microsoft.com/office/drawing/2014/main" val="10015"/>
+                  </a:ext>
+                </a:extLst>
               </a:tr>
             </a:tbl>
           </a:graphicData>
@@ -28945,10 +32808,34 @@
             <a:tbl>
               <a:tblPr/>
               <a:tblGrid>
-                <a:gridCol w="8380427"/>
-                <a:gridCol w="1500198"/>
-                <a:gridCol w="1071570"/>
-                <a:gridCol w="1236628"/>
+                <a:gridCol w="8380427">
+                  <a:extLst>
+                    <a:ext uri="{9D8B030D-6E8A-4147-A177-3AD203B41FA5}">
+                      <a16:colId xmlns:a16="http://schemas.microsoft.com/office/drawing/2014/main" val="20000"/>
+                    </a:ext>
+                  </a:extLst>
+                </a:gridCol>
+                <a:gridCol w="1500198">
+                  <a:extLst>
+                    <a:ext uri="{9D8B030D-6E8A-4147-A177-3AD203B41FA5}">
+                      <a16:colId xmlns:a16="http://schemas.microsoft.com/office/drawing/2014/main" val="20001"/>
+                    </a:ext>
+                  </a:extLst>
+                </a:gridCol>
+                <a:gridCol w="1071570">
+                  <a:extLst>
+                    <a:ext uri="{9D8B030D-6E8A-4147-A177-3AD203B41FA5}">
+                      <a16:colId xmlns:a16="http://schemas.microsoft.com/office/drawing/2014/main" val="20002"/>
+                    </a:ext>
+                  </a:extLst>
+                </a:gridCol>
+                <a:gridCol w="1236628">
+                  <a:extLst>
+                    <a:ext uri="{9D8B030D-6E8A-4147-A177-3AD203B41FA5}">
+                      <a16:colId xmlns:a16="http://schemas.microsoft.com/office/drawing/2014/main" val="20003"/>
+                    </a:ext>
+                  </a:extLst>
+                </a:gridCol>
               </a:tblGrid>
               <a:tr h="294680">
                 <a:tc rowSpan="2">
@@ -29172,6 +33059,11 @@
                     </a:solidFill>
                   </a:tcPr>
                 </a:tc>
+                <a:extLst>
+                  <a:ext uri="{0D108BD9-81ED-4DB2-BD59-A6C34878D82A}">
+                    <a16:rowId xmlns:a16="http://schemas.microsoft.com/office/drawing/2014/main" val="10000"/>
+                  </a:ext>
+                </a:extLst>
               </a:tr>
               <a:tr h="289932">
                 <a:tc vMerge="1">
@@ -29330,6 +33222,11 @@
                   </a:txBody>
                   <a:tcPr/>
                 </a:tc>
+                <a:extLst>
+                  <a:ext uri="{0D108BD9-81ED-4DB2-BD59-A6C34878D82A}">
+                    <a16:rowId xmlns:a16="http://schemas.microsoft.com/office/drawing/2014/main" val="10001"/>
+                  </a:ext>
+                </a:extLst>
               </a:tr>
               <a:tr h="294680">
                 <a:tc>
@@ -29607,6 +33504,11 @@
                     </a:solidFill>
                   </a:tcPr>
                 </a:tc>
+                <a:extLst>
+                  <a:ext uri="{0D108BD9-81ED-4DB2-BD59-A6C34878D82A}">
+                    <a16:rowId xmlns:a16="http://schemas.microsoft.com/office/drawing/2014/main" val="10002"/>
+                  </a:ext>
+                </a:extLst>
               </a:tr>
               <a:tr h="294680">
                 <a:tc>
@@ -29884,6 +33786,11 @@
                     </a:solidFill>
                   </a:tcPr>
                 </a:tc>
+                <a:extLst>
+                  <a:ext uri="{0D108BD9-81ED-4DB2-BD59-A6C34878D82A}">
+                    <a16:rowId xmlns:a16="http://schemas.microsoft.com/office/drawing/2014/main" val="10003"/>
+                  </a:ext>
+                </a:extLst>
               </a:tr>
               <a:tr h="294680">
                 <a:tc>
@@ -30161,6 +34068,11 @@
                     </a:solidFill>
                   </a:tcPr>
                 </a:tc>
+                <a:extLst>
+                  <a:ext uri="{0D108BD9-81ED-4DB2-BD59-A6C34878D82A}">
+                    <a16:rowId xmlns:a16="http://schemas.microsoft.com/office/drawing/2014/main" val="10004"/>
+                  </a:ext>
+                </a:extLst>
               </a:tr>
               <a:tr h="294680">
                 <a:tc>
@@ -30438,6 +34350,11 @@
                     </a:solidFill>
                   </a:tcPr>
                 </a:tc>
+                <a:extLst>
+                  <a:ext uri="{0D108BD9-81ED-4DB2-BD59-A6C34878D82A}">
+                    <a16:rowId xmlns:a16="http://schemas.microsoft.com/office/drawing/2014/main" val="10005"/>
+                  </a:ext>
+                </a:extLst>
               </a:tr>
               <a:tr h="294680">
                 <a:tc>
@@ -30715,6 +34632,11 @@
                     </a:solidFill>
                   </a:tcPr>
                 </a:tc>
+                <a:extLst>
+                  <a:ext uri="{0D108BD9-81ED-4DB2-BD59-A6C34878D82A}">
+                    <a16:rowId xmlns:a16="http://schemas.microsoft.com/office/drawing/2014/main" val="10006"/>
+                  </a:ext>
+                </a:extLst>
               </a:tr>
               <a:tr h="605132">
                 <a:tc>
@@ -30992,6 +34914,11 @@
                     </a:solidFill>
                   </a:tcPr>
                 </a:tc>
+                <a:extLst>
+                  <a:ext uri="{0D108BD9-81ED-4DB2-BD59-A6C34878D82A}">
+                    <a16:rowId xmlns:a16="http://schemas.microsoft.com/office/drawing/2014/main" val="10007"/>
+                  </a:ext>
+                </a:extLst>
               </a:tr>
               <a:tr h="294680">
                 <a:tc>
@@ -31269,6 +35196,11 @@
                     </a:solidFill>
                   </a:tcPr>
                 </a:tc>
+                <a:extLst>
+                  <a:ext uri="{0D108BD9-81ED-4DB2-BD59-A6C34878D82A}">
+                    <a16:rowId xmlns:a16="http://schemas.microsoft.com/office/drawing/2014/main" val="10008"/>
+                  </a:ext>
+                </a:extLst>
               </a:tr>
               <a:tr h="294680">
                 <a:tc>
@@ -31546,6 +35478,11 @@
                     </a:solidFill>
                   </a:tcPr>
                 </a:tc>
+                <a:extLst>
+                  <a:ext uri="{0D108BD9-81ED-4DB2-BD59-A6C34878D82A}">
+                    <a16:rowId xmlns:a16="http://schemas.microsoft.com/office/drawing/2014/main" val="10009"/>
+                  </a:ext>
+                </a:extLst>
               </a:tr>
               <a:tr h="294680">
                 <a:tc>
@@ -31823,6 +35760,11 @@
                     </a:solidFill>
                   </a:tcPr>
                 </a:tc>
+                <a:extLst>
+                  <a:ext uri="{0D108BD9-81ED-4DB2-BD59-A6C34878D82A}">
+                    <a16:rowId xmlns:a16="http://schemas.microsoft.com/office/drawing/2014/main" val="10010"/>
+                  </a:ext>
+                </a:extLst>
               </a:tr>
               <a:tr h="294680">
                 <a:tc>
@@ -32100,6 +36042,11 @@
                     </a:solidFill>
                   </a:tcPr>
                 </a:tc>
+                <a:extLst>
+                  <a:ext uri="{0D108BD9-81ED-4DB2-BD59-A6C34878D82A}">
+                    <a16:rowId xmlns:a16="http://schemas.microsoft.com/office/drawing/2014/main" val="10011"/>
+                  </a:ext>
+                </a:extLst>
               </a:tr>
               <a:tr h="294680">
                 <a:tc>
@@ -32377,6 +36324,11 @@
                     </a:solidFill>
                   </a:tcPr>
                 </a:tc>
+                <a:extLst>
+                  <a:ext uri="{0D108BD9-81ED-4DB2-BD59-A6C34878D82A}">
+                    <a16:rowId xmlns:a16="http://schemas.microsoft.com/office/drawing/2014/main" val="10012"/>
+                  </a:ext>
+                </a:extLst>
               </a:tr>
               <a:tr h="294680">
                 <a:tc>
@@ -32654,6 +36606,11 @@
                     </a:solidFill>
                   </a:tcPr>
                 </a:tc>
+                <a:extLst>
+                  <a:ext uri="{0D108BD9-81ED-4DB2-BD59-A6C34878D82A}">
+                    <a16:rowId xmlns:a16="http://schemas.microsoft.com/office/drawing/2014/main" val="10013"/>
+                  </a:ext>
+                </a:extLst>
               </a:tr>
               <a:tr h="605132">
                 <a:tc>
@@ -32931,6 +36888,11 @@
                     </a:solidFill>
                   </a:tcPr>
                 </a:tc>
+                <a:extLst>
+                  <a:ext uri="{0D108BD9-81ED-4DB2-BD59-A6C34878D82A}">
+                    <a16:rowId xmlns:a16="http://schemas.microsoft.com/office/drawing/2014/main" val="10014"/>
+                  </a:ext>
+                </a:extLst>
               </a:tr>
               <a:tr h="294680">
                 <a:tc>
@@ -33219,6 +37181,11 @@
                     </a:solidFill>
                   </a:tcPr>
                 </a:tc>
+                <a:extLst>
+                  <a:ext uri="{0D108BD9-81ED-4DB2-BD59-A6C34878D82A}">
+                    <a16:rowId xmlns:a16="http://schemas.microsoft.com/office/drawing/2014/main" val="10015"/>
+                  </a:ext>
+                </a:extLst>
               </a:tr>
               <a:tr h="294680">
                 <a:tc>
@@ -33493,6 +37460,11 @@
                     </a:solidFill>
                   </a:tcPr>
                 </a:tc>
+                <a:extLst>
+                  <a:ext uri="{0D108BD9-81ED-4DB2-BD59-A6C34878D82A}">
+                    <a16:rowId xmlns:a16="http://schemas.microsoft.com/office/drawing/2014/main" val="10016"/>
+                  </a:ext>
+                </a:extLst>
               </a:tr>
               <a:tr h="294680">
                 <a:tc>
@@ -33767,6 +37739,11 @@
                     </a:solidFill>
                   </a:tcPr>
                 </a:tc>
+                <a:extLst>
+                  <a:ext uri="{0D108BD9-81ED-4DB2-BD59-A6C34878D82A}">
+                    <a16:rowId xmlns:a16="http://schemas.microsoft.com/office/drawing/2014/main" val="10017"/>
+                  </a:ext>
+                </a:extLst>
               </a:tr>
               <a:tr h="294680">
                 <a:tc>
@@ -34041,6 +38018,11 @@
                     </a:solidFill>
                   </a:tcPr>
                 </a:tc>
+                <a:extLst>
+                  <a:ext uri="{0D108BD9-81ED-4DB2-BD59-A6C34878D82A}">
+                    <a16:rowId xmlns:a16="http://schemas.microsoft.com/office/drawing/2014/main" val="10018"/>
+                  </a:ext>
+                </a:extLst>
               </a:tr>
             </a:tbl>
           </a:graphicData>
@@ -34136,10 +38118,34 @@
             <a:tbl>
               <a:tblPr/>
               <a:tblGrid>
-                <a:gridCol w="6531347"/>
-                <a:gridCol w="1736709"/>
-                <a:gridCol w="1736709"/>
-                <a:gridCol w="2184059"/>
+                <a:gridCol w="6531347">
+                  <a:extLst>
+                    <a:ext uri="{9D8B030D-6E8A-4147-A177-3AD203B41FA5}">
+                      <a16:colId xmlns:a16="http://schemas.microsoft.com/office/drawing/2014/main" val="20000"/>
+                    </a:ext>
+                  </a:extLst>
+                </a:gridCol>
+                <a:gridCol w="1736709">
+                  <a:extLst>
+                    <a:ext uri="{9D8B030D-6E8A-4147-A177-3AD203B41FA5}">
+                      <a16:colId xmlns:a16="http://schemas.microsoft.com/office/drawing/2014/main" val="20001"/>
+                    </a:ext>
+                  </a:extLst>
+                </a:gridCol>
+                <a:gridCol w="1736709">
+                  <a:extLst>
+                    <a:ext uri="{9D8B030D-6E8A-4147-A177-3AD203B41FA5}">
+                      <a16:colId xmlns:a16="http://schemas.microsoft.com/office/drawing/2014/main" val="20002"/>
+                    </a:ext>
+                  </a:extLst>
+                </a:gridCol>
+                <a:gridCol w="2184059">
+                  <a:extLst>
+                    <a:ext uri="{9D8B030D-6E8A-4147-A177-3AD203B41FA5}">
+                      <a16:colId xmlns:a16="http://schemas.microsoft.com/office/drawing/2014/main" val="20003"/>
+                    </a:ext>
+                  </a:extLst>
+                </a:gridCol>
               </a:tblGrid>
               <a:tr h="411426">
                 <a:tc rowSpan="2">
@@ -34363,6 +38369,11 @@
                     </a:solidFill>
                   </a:tcPr>
                 </a:tc>
+                <a:extLst>
+                  <a:ext uri="{0D108BD9-81ED-4DB2-BD59-A6C34878D82A}">
+                    <a16:rowId xmlns:a16="http://schemas.microsoft.com/office/drawing/2014/main" val="10000"/>
+                  </a:ext>
+                </a:extLst>
               </a:tr>
               <a:tr h="411426">
                 <a:tc vMerge="1">
@@ -34521,6 +38532,11 @@
                   </a:txBody>
                   <a:tcPr/>
                 </a:tc>
+                <a:extLst>
+                  <a:ext uri="{0D108BD9-81ED-4DB2-BD59-A6C34878D82A}">
+                    <a16:rowId xmlns:a16="http://schemas.microsoft.com/office/drawing/2014/main" val="10001"/>
+                  </a:ext>
+                </a:extLst>
               </a:tr>
               <a:tr h="822851">
                 <a:tc>
@@ -34795,6 +38811,11 @@
                     </a:solidFill>
                   </a:tcPr>
                 </a:tc>
+                <a:extLst>
+                  <a:ext uri="{0D108BD9-81ED-4DB2-BD59-A6C34878D82A}">
+                    <a16:rowId xmlns:a16="http://schemas.microsoft.com/office/drawing/2014/main" val="10002"/>
+                  </a:ext>
+                </a:extLst>
               </a:tr>
               <a:tr h="822851">
                 <a:tc>
@@ -35069,6 +39090,11 @@
                     </a:solidFill>
                   </a:tcPr>
                 </a:tc>
+                <a:extLst>
+                  <a:ext uri="{0D108BD9-81ED-4DB2-BD59-A6C34878D82A}">
+                    <a16:rowId xmlns:a16="http://schemas.microsoft.com/office/drawing/2014/main" val="10003"/>
+                  </a:ext>
+                </a:extLst>
               </a:tr>
               <a:tr h="822851">
                 <a:tc>
@@ -35343,6 +39369,11 @@
                     </a:solidFill>
                   </a:tcPr>
                 </a:tc>
+                <a:extLst>
+                  <a:ext uri="{0D108BD9-81ED-4DB2-BD59-A6C34878D82A}">
+                    <a16:rowId xmlns:a16="http://schemas.microsoft.com/office/drawing/2014/main" val="10004"/>
+                  </a:ext>
+                </a:extLst>
               </a:tr>
               <a:tr h="822851">
                 <a:tc>
@@ -35617,6 +39648,11 @@
                     </a:solidFill>
                   </a:tcPr>
                 </a:tc>
+                <a:extLst>
+                  <a:ext uri="{0D108BD9-81ED-4DB2-BD59-A6C34878D82A}">
+                    <a16:rowId xmlns:a16="http://schemas.microsoft.com/office/drawing/2014/main" val="10005"/>
+                  </a:ext>
+                </a:extLst>
               </a:tr>
               <a:tr h="822851">
                 <a:tc>
@@ -35933,6 +39969,11 @@
                     </a:solidFill>
                   </a:tcPr>
                 </a:tc>
+                <a:extLst>
+                  <a:ext uri="{0D108BD9-81ED-4DB2-BD59-A6C34878D82A}">
+                    <a16:rowId xmlns:a16="http://schemas.microsoft.com/office/drawing/2014/main" val="10006"/>
+                  </a:ext>
+                </a:extLst>
               </a:tr>
               <a:tr h="822851">
                 <a:tc>
@@ -36207,6 +40248,11 @@
                     </a:solidFill>
                   </a:tcPr>
                 </a:tc>
+                <a:extLst>
+                  <a:ext uri="{0D108BD9-81ED-4DB2-BD59-A6C34878D82A}">
+                    <a16:rowId xmlns:a16="http://schemas.microsoft.com/office/drawing/2014/main" val="10007"/>
+                  </a:ext>
+                </a:extLst>
               </a:tr>
             </a:tbl>
           </a:graphicData>
@@ -36371,10 +40417,34 @@
             <a:tbl>
               <a:tblPr/>
               <a:tblGrid>
-                <a:gridCol w="7165982"/>
-                <a:gridCol w="1565496"/>
-                <a:gridCol w="1414708"/>
-                <a:gridCol w="2042639"/>
+                <a:gridCol w="7165982">
+                  <a:extLst>
+                    <a:ext uri="{9D8B030D-6E8A-4147-A177-3AD203B41FA5}">
+                      <a16:colId xmlns:a16="http://schemas.microsoft.com/office/drawing/2014/main" val="20000"/>
+                    </a:ext>
+                  </a:extLst>
+                </a:gridCol>
+                <a:gridCol w="1565496">
+                  <a:extLst>
+                    <a:ext uri="{9D8B030D-6E8A-4147-A177-3AD203B41FA5}">
+                      <a16:colId xmlns:a16="http://schemas.microsoft.com/office/drawing/2014/main" val="20001"/>
+                    </a:ext>
+                  </a:extLst>
+                </a:gridCol>
+                <a:gridCol w="1414708">
+                  <a:extLst>
+                    <a:ext uri="{9D8B030D-6E8A-4147-A177-3AD203B41FA5}">
+                      <a16:colId xmlns:a16="http://schemas.microsoft.com/office/drawing/2014/main" val="20002"/>
+                    </a:ext>
+                  </a:extLst>
+                </a:gridCol>
+                <a:gridCol w="2042639">
+                  <a:extLst>
+                    <a:ext uri="{9D8B030D-6E8A-4147-A177-3AD203B41FA5}">
+                      <a16:colId xmlns:a16="http://schemas.microsoft.com/office/drawing/2014/main" val="20003"/>
+                    </a:ext>
+                  </a:extLst>
+                </a:gridCol>
               </a:tblGrid>
               <a:tr h="549713">
                 <a:tc rowSpan="2">
@@ -36594,6 +40664,11 @@
                     </a:solidFill>
                   </a:tcPr>
                 </a:tc>
+                <a:extLst>
+                  <a:ext uri="{0D108BD9-81ED-4DB2-BD59-A6C34878D82A}">
+                    <a16:rowId xmlns:a16="http://schemas.microsoft.com/office/drawing/2014/main" val="10000"/>
+                  </a:ext>
+                </a:extLst>
               </a:tr>
               <a:tr h="277435">
                 <a:tc vMerge="1">
@@ -36754,6 +40829,11 @@
                   </a:txBody>
                   <a:tcPr/>
                 </a:tc>
+                <a:extLst>
+                  <a:ext uri="{0D108BD9-81ED-4DB2-BD59-A6C34878D82A}">
+                    <a16:rowId xmlns:a16="http://schemas.microsoft.com/office/drawing/2014/main" val="10001"/>
+                  </a:ext>
+                </a:extLst>
               </a:tr>
               <a:tr h="742576">
                 <a:tc>
@@ -37040,6 +41120,11 @@
                     </a:solidFill>
                   </a:tcPr>
                 </a:tc>
+                <a:extLst>
+                  <a:ext uri="{0D108BD9-81ED-4DB2-BD59-A6C34878D82A}">
+                    <a16:rowId xmlns:a16="http://schemas.microsoft.com/office/drawing/2014/main" val="10002"/>
+                  </a:ext>
+                </a:extLst>
               </a:tr>
               <a:tr h="534242">
                 <a:tc>
@@ -37318,6 +41403,11 @@
                     </a:solidFill>
                   </a:tcPr>
                 </a:tc>
+                <a:extLst>
+                  <a:ext uri="{0D108BD9-81ED-4DB2-BD59-A6C34878D82A}">
+                    <a16:rowId xmlns:a16="http://schemas.microsoft.com/office/drawing/2014/main" val="10003"/>
+                  </a:ext>
+                </a:extLst>
               </a:tr>
               <a:tr h="534242">
                 <a:tc>
@@ -37604,6 +41694,11 @@
                     </a:solidFill>
                   </a:tcPr>
                 </a:tc>
+                <a:extLst>
+                  <a:ext uri="{0D108BD9-81ED-4DB2-BD59-A6C34878D82A}">
+                    <a16:rowId xmlns:a16="http://schemas.microsoft.com/office/drawing/2014/main" val="10004"/>
+                  </a:ext>
+                </a:extLst>
               </a:tr>
               <a:tr h="495051">
                 <a:tc>
@@ -37882,6 +41977,11 @@
                     </a:solidFill>
                   </a:tcPr>
                 </a:tc>
+                <a:extLst>
+                  <a:ext uri="{0D108BD9-81ED-4DB2-BD59-A6C34878D82A}">
+                    <a16:rowId xmlns:a16="http://schemas.microsoft.com/office/drawing/2014/main" val="10005"/>
+                  </a:ext>
+                </a:extLst>
               </a:tr>
               <a:tr h="530117">
                 <a:tc>
@@ -38160,6 +42260,11 @@
                     </a:solidFill>
                   </a:tcPr>
                 </a:tc>
+                <a:extLst>
+                  <a:ext uri="{0D108BD9-81ED-4DB2-BD59-A6C34878D82A}">
+                    <a16:rowId xmlns:a16="http://schemas.microsoft.com/office/drawing/2014/main" val="10006"/>
+                  </a:ext>
+                </a:extLst>
               </a:tr>
               <a:tr h="742576">
                 <a:tc>
@@ -38438,6 +42543,11 @@
                     </a:solidFill>
                   </a:tcPr>
                 </a:tc>
+                <a:extLst>
+                  <a:ext uri="{0D108BD9-81ED-4DB2-BD59-A6C34878D82A}">
+                    <a16:rowId xmlns:a16="http://schemas.microsoft.com/office/drawing/2014/main" val="10007"/>
+                  </a:ext>
+                </a:extLst>
               </a:tr>
               <a:tr h="495051">
                 <a:tc>
@@ -38716,6 +42826,11 @@
                     </a:solidFill>
                   </a:tcPr>
                 </a:tc>
+                <a:extLst>
+                  <a:ext uri="{0D108BD9-81ED-4DB2-BD59-A6C34878D82A}">
+                    <a16:rowId xmlns:a16="http://schemas.microsoft.com/office/drawing/2014/main" val="10008"/>
+                  </a:ext>
+                </a:extLst>
               </a:tr>
               <a:tr h="742576">
                 <a:tc>
@@ -38991,6 +43106,11 @@
                     </a:solidFill>
                   </a:tcPr>
                 </a:tc>
+                <a:extLst>
+                  <a:ext uri="{0D108BD9-81ED-4DB2-BD59-A6C34878D82A}">
+                    <a16:rowId xmlns:a16="http://schemas.microsoft.com/office/drawing/2014/main" val="10009"/>
+                  </a:ext>
+                </a:extLst>
               </a:tr>
             </a:tbl>
           </a:graphicData>
@@ -39790,6 +43910,15 @@
 </file>
 
 <file path=customXml/item1.xml><?xml version="1.0" encoding="utf-8"?>
+<?mso-contentType ?>
+<FormTemplates xmlns="http://schemas.microsoft.com/sharepoint/v3/contenttype/forms">
+  <Display>DocumentLibraryForm</Display>
+  <Edit>DocumentLibraryForm</Edit>
+  <New>DocumentLibraryForm</New>
+</FormTemplates>
+</file>
+
+<file path=customXml/item2.xml><?xml version="1.0" encoding="utf-8"?>
 <ct:contentTypeSchema xmlns:ct="http://schemas.microsoft.com/office/2006/metadata/contentType" xmlns:ma="http://schemas.microsoft.com/office/2006/metadata/properties/metaAttributes" ct:_="" ma:_="" ma:contentTypeName="Document" ma:contentTypeID="0x0101007C1D5F340F01F94FA2FD29A5E6DC872E" ma:contentTypeVersion="0" ma:contentTypeDescription="Create a new document." ma:contentTypeScope="" ma:versionID="f583bd66513a361a730282b6a794e352">
   <xsd:schema xmlns:xsd="http://www.w3.org/2001/XMLSchema" xmlns:xs="http://www.w3.org/2001/XMLSchema" xmlns:p="http://schemas.microsoft.com/office/2006/metadata/properties" targetNamespace="http://schemas.microsoft.com/office/2006/metadata/properties" ma:root="true" ma:fieldsID="6841151cf538834e171094e4faaf2d73">
     <xsd:element name="properties">
@@ -39903,15 +44032,6 @@
 </ct:contentTypeSchema>
 </file>
 
-<file path=customXml/item2.xml><?xml version="1.0" encoding="utf-8"?>
-<?mso-contentType ?>
-<FormTemplates xmlns="http://schemas.microsoft.com/sharepoint/v3/contenttype/forms">
-  <Display>DocumentLibraryForm</Display>
-  <Edit>DocumentLibraryForm</Edit>
-  <New>DocumentLibraryForm</New>
-</FormTemplates>
-</file>
-
 <file path=customXml/item3.xml><?xml version="1.0" encoding="utf-8"?>
 <p:properties xmlns:p="http://schemas.microsoft.com/office/2006/metadata/properties" xmlns:xsi="http://www.w3.org/2001/XMLSchema-instance" xmlns:pc="http://schemas.microsoft.com/office/infopath/2007/PartnerControls">
   <documentManagement/>
@@ -39919,6 +44039,14 @@
 </file>
 
 <file path=customXml/itemProps1.xml><?xml version="1.0" encoding="utf-8"?>
+<ds:datastoreItem xmlns:ds="http://schemas.openxmlformats.org/officeDocument/2006/customXml" ds:itemID="{99150CD3-A6AC-414D-9560-715EC9E31BA5}">
+  <ds:schemaRefs>
+    <ds:schemaRef ds:uri="http://schemas.microsoft.com/sharepoint/v3/contenttype/forms"/>
+  </ds:schemaRefs>
+</ds:datastoreItem>
+</file>
+
+<file path=customXml/itemProps2.xml><?xml version="1.0" encoding="utf-8"?>
 <ds:datastoreItem xmlns:ds="http://schemas.openxmlformats.org/officeDocument/2006/customXml" ds:itemID="{4E963E73-FDB1-44AE-BA76-746BBD659F2B}">
   <ds:schemaRefs>
     <ds:schemaRef ds:uri="http://schemas.microsoft.com/office/2006/metadata/contentType"/>
@@ -39934,14 +44062,6 @@
 </ds:datastoreItem>
 </file>
 
-<file path=customXml/itemProps2.xml><?xml version="1.0" encoding="utf-8"?>
-<ds:datastoreItem xmlns:ds="http://schemas.openxmlformats.org/officeDocument/2006/customXml" ds:itemID="{99150CD3-A6AC-414D-9560-715EC9E31BA5}">
-  <ds:schemaRefs>
-    <ds:schemaRef ds:uri="http://schemas.microsoft.com/sharepoint/v3/contenttype/forms"/>
-  </ds:schemaRefs>
-</ds:datastoreItem>
-</file>
-
 <file path=customXml/itemProps3.xml><?xml version="1.0" encoding="utf-8"?>
 <ds:datastoreItem xmlns:ds="http://schemas.openxmlformats.org/officeDocument/2006/customXml" ds:itemID="{F2B73376-B181-4668-84FF-A62668D48FE9}">
   <ds:schemaRefs>

--- a/Диплом финрезультаты.pptx
+++ b/Диплом финрезультаты.pptx
@@ -7347,8 +7347,8 @@
     <dgm:cxn modelId="{65E0CDB7-2ED2-402F-8795-A3850B44499F}" type="presOf" srcId="{419F95E7-BC8F-4765-8F6A-8A6C0F3DDE8A}" destId="{09634E8B-A990-455B-878C-90DAB1E97FAA}" srcOrd="0" destOrd="0" presId="urn:microsoft.com/office/officeart/2008/layout/HorizontalMultiLevelHierarchy"/>
     <dgm:cxn modelId="{92F67C03-F08A-425F-A53C-209220A3271D}" srcId="{FD1F08BF-713A-48D8-A4F9-C1F30ED1AA20}" destId="{B2717EC9-7823-48B8-A130-D52DD2527F27}" srcOrd="0" destOrd="0" parTransId="{172F1BB0-7C1D-4156-84FB-BF54600AB6F4}" sibTransId="{3AE4D44E-323A-4197-ADE1-CD08E0DBB3A0}"/>
     <dgm:cxn modelId="{CC9C3689-CFF5-42CE-92D4-1FE069FD2ADA}" type="presOf" srcId="{F3D762B0-9616-4D34-B2DE-52583C2ED498}" destId="{D2FFD10A-D92B-403F-B927-5A94CA626061}" srcOrd="0" destOrd="0" presId="urn:microsoft.com/office/officeart/2008/layout/HorizontalMultiLevelHierarchy"/>
+    <dgm:cxn modelId="{CFB731EF-DD11-40E7-BFAA-D8F951A1ACF7}" type="presOf" srcId="{3C70F188-2264-46B3-8302-CAA4BDF4753F}" destId="{24B88061-83BA-412C-9CC3-904F54D7415B}" srcOrd="0" destOrd="0" presId="urn:microsoft.com/office/officeart/2008/layout/HorizontalMultiLevelHierarchy"/>
     <dgm:cxn modelId="{B21C14E1-C034-46A3-B0C2-E8622A3F5046}" srcId="{B2717EC9-7823-48B8-A130-D52DD2527F27}" destId="{FD8EC714-B89C-4BFB-A29A-7743B58AA181}" srcOrd="0" destOrd="0" parTransId="{F5737074-E3CD-4347-B364-EBD42A7C5D0F}" sibTransId="{1A8E4308-BDC4-4154-8C60-CACD7F16871B}"/>
-    <dgm:cxn modelId="{CFB731EF-DD11-40E7-BFAA-D8F951A1ACF7}" type="presOf" srcId="{3C70F188-2264-46B3-8302-CAA4BDF4753F}" destId="{24B88061-83BA-412C-9CC3-904F54D7415B}" srcOrd="0" destOrd="0" presId="urn:microsoft.com/office/officeart/2008/layout/HorizontalMultiLevelHierarchy"/>
     <dgm:cxn modelId="{D24A4B84-90E5-4CE7-9916-6F59C888F2F8}" type="presOf" srcId="{172F1BB0-7C1D-4156-84FB-BF54600AB6F4}" destId="{E877708C-D880-42F4-98FA-B308F0D72F61}" srcOrd="1" destOrd="0" presId="urn:microsoft.com/office/officeart/2008/layout/HorizontalMultiLevelHierarchy"/>
     <dgm:cxn modelId="{1D455CE3-15D2-47CF-BD8B-3C0C5255B69A}" type="presParOf" srcId="{33393049-140C-4DE7-9FDC-48D3187C005F}" destId="{2082F161-0726-4358-B70B-FB9C00645E59}" srcOrd="0" destOrd="0" presId="urn:microsoft.com/office/officeart/2008/layout/HorizontalMultiLevelHierarchy"/>
     <dgm:cxn modelId="{D06BD5B6-CF55-471B-89B8-5BDA8A26C357}" type="presParOf" srcId="{2082F161-0726-4358-B70B-FB9C00645E59}" destId="{1EC23980-C375-4C0B-9E67-35FCF6803BEB}" srcOrd="0" destOrd="0" presId="urn:microsoft.com/office/officeart/2008/layout/HorizontalMultiLevelHierarchy"/>
@@ -13459,7 +13459,7 @@
             <a:fld id="{24CE221E-83ED-4F6C-BA5F-3F9E6FDB6953}" type="datetimeFigureOut">
               <a:rPr lang="ru-RU"/>
               <a:pPr/>
-              <a:t>18.06.2019</a:t>
+              <a:t>19.06.2019</a:t>
             </a:fld>
             <a:endParaRPr lang="ru-RU" dirty="0"/>
           </a:p>
@@ -13626,7 +13626,7 @@
             <a:fld id="{97853E5F-CE67-483C-A264-F17AC70E9CA2}" type="datetimeFigureOut">
               <a:rPr lang="ru-RU"/>
               <a:pPr/>
-              <a:t>18.06.2019</a:t>
+              <a:t>19.06.2019</a:t>
             </a:fld>
             <a:endParaRPr lang="ru-RU" dirty="0"/>
           </a:p>
@@ -14185,7 +14185,7 @@
             <a:fld id="{3E0FA9E5-6744-4841-888F-9E7CC0C2B7EC}" type="datetimeFigureOut">
               <a:rPr lang="ru-RU"/>
               <a:pPr/>
-              <a:t>18.06.2019</a:t>
+              <a:t>19.06.2019</a:t>
             </a:fld>
             <a:endParaRPr lang="ru-RU" dirty="0"/>
           </a:p>
@@ -14374,7 +14374,7 @@
             <a:fld id="{3E0FA9E5-6744-4841-888F-9E7CC0C2B7EC}" type="datetimeFigureOut">
               <a:rPr lang="ru-RU"/>
               <a:pPr/>
-              <a:t>18.06.2019</a:t>
+              <a:t>19.06.2019</a:t>
             </a:fld>
             <a:endParaRPr lang="ru-RU" dirty="0"/>
           </a:p>
@@ -14573,7 +14573,7 @@
             <a:fld id="{3E0FA9E5-6744-4841-888F-9E7CC0C2B7EC}" type="datetimeFigureOut">
               <a:rPr lang="ru-RU"/>
               <a:pPr/>
-              <a:t>18.06.2019</a:t>
+              <a:t>19.06.2019</a:t>
             </a:fld>
             <a:endParaRPr lang="ru-RU" dirty="0"/>
           </a:p>
@@ -14762,7 +14762,7 @@
             <a:fld id="{3E0FA9E5-6744-4841-888F-9E7CC0C2B7EC}" type="datetimeFigureOut">
               <a:rPr lang="ru-RU"/>
               <a:pPr/>
-              <a:t>18.06.2019</a:t>
+              <a:t>19.06.2019</a:t>
             </a:fld>
             <a:endParaRPr lang="ru-RU" dirty="0"/>
           </a:p>
@@ -15050,7 +15050,7 @@
             <a:fld id="{3E0FA9E5-6744-4841-888F-9E7CC0C2B7EC}" type="datetimeFigureOut">
               <a:rPr lang="ru-RU"/>
               <a:pPr/>
-              <a:t>18.06.2019</a:t>
+              <a:t>19.06.2019</a:t>
             </a:fld>
             <a:endParaRPr lang="ru-RU" dirty="0"/>
           </a:p>
@@ -15360,7 +15360,7 @@
             <a:fld id="{3E0FA9E5-6744-4841-888F-9E7CC0C2B7EC}" type="datetimeFigureOut">
               <a:rPr lang="ru-RU"/>
               <a:pPr/>
-              <a:t>18.06.2019</a:t>
+              <a:t>19.06.2019</a:t>
             </a:fld>
             <a:endParaRPr lang="ru-RU" dirty="0"/>
           </a:p>
@@ -15814,7 +15814,7 @@
             <a:fld id="{3E0FA9E5-6744-4841-888F-9E7CC0C2B7EC}" type="datetimeFigureOut">
               <a:rPr lang="ru-RU"/>
               <a:pPr/>
-              <a:t>18.06.2019</a:t>
+              <a:t>19.06.2019</a:t>
             </a:fld>
             <a:endParaRPr lang="ru-RU" dirty="0"/>
           </a:p>
@@ -15952,7 +15952,7 @@
             <a:fld id="{3E0FA9E5-6744-4841-888F-9E7CC0C2B7EC}" type="datetimeFigureOut">
               <a:rPr lang="ru-RU"/>
               <a:pPr/>
-              <a:t>18.06.2019</a:t>
+              <a:t>19.06.2019</a:t>
             </a:fld>
             <a:endParaRPr lang="ru-RU" dirty="0"/>
           </a:p>
@@ -16082,7 +16082,7 @@
             <a:fld id="{3E0FA9E5-6744-4841-888F-9E7CC0C2B7EC}" type="datetimeFigureOut">
               <a:rPr lang="ru-RU"/>
               <a:pPr/>
-              <a:t>18.06.2019</a:t>
+              <a:t>19.06.2019</a:t>
             </a:fld>
             <a:endParaRPr lang="ru-RU" dirty="0"/>
           </a:p>
@@ -16411,7 +16411,7 @@
             <a:fld id="{3E0FA9E5-6744-4841-888F-9E7CC0C2B7EC}" type="datetimeFigureOut">
               <a:rPr lang="ru-RU"/>
               <a:pPr/>
-              <a:t>18.06.2019</a:t>
+              <a:t>19.06.2019</a:t>
             </a:fld>
             <a:endParaRPr lang="ru-RU" dirty="0"/>
           </a:p>
@@ -16894,7 +16894,7 @@
             <a:fld id="{3E0FA9E5-6744-4841-888F-9E7CC0C2B7EC}" type="datetimeFigureOut">
               <a:rPr lang="ru-RU"/>
               <a:pPr/>
-              <a:t>18.06.2019</a:t>
+              <a:t>19.06.2019</a:t>
             </a:fld>
             <a:endParaRPr lang="ru-RU" dirty="0"/>
           </a:p>
@@ -17705,18 +17705,27 @@
           </a:lstStyle>
           <a:p>
             <a:r>
-              <a:rPr lang="ru-RU" smtClean="0"/>
-              <a:t>Руководитель</a:t>
+              <a:rPr lang="ru-RU"/>
+              <a:t>Дипломный </a:t>
             </a:r>
             <a:r>
-              <a:rPr lang="ru-RU" dirty="0" smtClean="0"/>
+              <a:rPr lang="ru-RU" smtClean="0"/>
+              <a:t>руководитель </a:t>
+            </a:r>
+            <a:r>
+              <a:rPr lang="ru-RU" dirty="0"/>
               <a:t>:</a:t>
             </a:r>
+            <a:endParaRPr lang="ru-RU" dirty="0" smtClean="0"/>
           </a:p>
           <a:p>
             <a:r>
               <a:rPr lang="ru-RU" dirty="0" smtClean="0"/>
-              <a:t>Профессор, к.э.н., доцент</a:t>
+              <a:t>Профессор</a:t>
+            </a:r>
+            <a:r>
+              <a:rPr lang="ru-RU" dirty="0" smtClean="0"/>
+              <a:t>, к.э.н., доцент</a:t>
             </a:r>
           </a:p>
           <a:p>
@@ -43910,15 +43919,6 @@
 </file>
 
 <file path=customXml/item1.xml><?xml version="1.0" encoding="utf-8"?>
-<?mso-contentType ?>
-<FormTemplates xmlns="http://schemas.microsoft.com/sharepoint/v3/contenttype/forms">
-  <Display>DocumentLibraryForm</Display>
-  <Edit>DocumentLibraryForm</Edit>
-  <New>DocumentLibraryForm</New>
-</FormTemplates>
-</file>
-
-<file path=customXml/item2.xml><?xml version="1.0" encoding="utf-8"?>
 <ct:contentTypeSchema xmlns:ct="http://schemas.microsoft.com/office/2006/metadata/contentType" xmlns:ma="http://schemas.microsoft.com/office/2006/metadata/properties/metaAttributes" ct:_="" ma:_="" ma:contentTypeName="Document" ma:contentTypeID="0x0101007C1D5F340F01F94FA2FD29A5E6DC872E" ma:contentTypeVersion="0" ma:contentTypeDescription="Create a new document." ma:contentTypeScope="" ma:versionID="f583bd66513a361a730282b6a794e352">
   <xsd:schema xmlns:xsd="http://www.w3.org/2001/XMLSchema" xmlns:xs="http://www.w3.org/2001/XMLSchema" xmlns:p="http://schemas.microsoft.com/office/2006/metadata/properties" targetNamespace="http://schemas.microsoft.com/office/2006/metadata/properties" ma:root="true" ma:fieldsID="6841151cf538834e171094e4faaf2d73">
     <xsd:element name="properties">
@@ -44032,6 +44032,15 @@
 </ct:contentTypeSchema>
 </file>
 
+<file path=customXml/item2.xml><?xml version="1.0" encoding="utf-8"?>
+<?mso-contentType ?>
+<FormTemplates xmlns="http://schemas.microsoft.com/sharepoint/v3/contenttype/forms">
+  <Display>DocumentLibraryForm</Display>
+  <Edit>DocumentLibraryForm</Edit>
+  <New>DocumentLibraryForm</New>
+</FormTemplates>
+</file>
+
 <file path=customXml/item3.xml><?xml version="1.0" encoding="utf-8"?>
 <p:properties xmlns:p="http://schemas.microsoft.com/office/2006/metadata/properties" xmlns:xsi="http://www.w3.org/2001/XMLSchema-instance" xmlns:pc="http://schemas.microsoft.com/office/infopath/2007/PartnerControls">
   <documentManagement/>
@@ -44039,14 +44048,6 @@
 </file>
 
 <file path=customXml/itemProps1.xml><?xml version="1.0" encoding="utf-8"?>
-<ds:datastoreItem xmlns:ds="http://schemas.openxmlformats.org/officeDocument/2006/customXml" ds:itemID="{99150CD3-A6AC-414D-9560-715EC9E31BA5}">
-  <ds:schemaRefs>
-    <ds:schemaRef ds:uri="http://schemas.microsoft.com/sharepoint/v3/contenttype/forms"/>
-  </ds:schemaRefs>
-</ds:datastoreItem>
-</file>
-
-<file path=customXml/itemProps2.xml><?xml version="1.0" encoding="utf-8"?>
 <ds:datastoreItem xmlns:ds="http://schemas.openxmlformats.org/officeDocument/2006/customXml" ds:itemID="{4E963E73-FDB1-44AE-BA76-746BBD659F2B}">
   <ds:schemaRefs>
     <ds:schemaRef ds:uri="http://schemas.microsoft.com/office/2006/metadata/contentType"/>
@@ -44062,6 +44063,14 @@
 </ds:datastoreItem>
 </file>
 
+<file path=customXml/itemProps2.xml><?xml version="1.0" encoding="utf-8"?>
+<ds:datastoreItem xmlns:ds="http://schemas.openxmlformats.org/officeDocument/2006/customXml" ds:itemID="{99150CD3-A6AC-414D-9560-715EC9E31BA5}">
+  <ds:schemaRefs>
+    <ds:schemaRef ds:uri="http://schemas.microsoft.com/sharepoint/v3/contenttype/forms"/>
+  </ds:schemaRefs>
+</ds:datastoreItem>
+</file>
+
 <file path=customXml/itemProps3.xml><?xml version="1.0" encoding="utf-8"?>
 <ds:datastoreItem xmlns:ds="http://schemas.openxmlformats.org/officeDocument/2006/customXml" ds:itemID="{F2B73376-B181-4668-84FF-A62668D48FE9}">
   <ds:schemaRefs>

--- a/Диплом финрезультаты.pptx
+++ b/Диплом финрезультаты.pptx
@@ -213,6 +213,7 @@
             <c:showLeaderLines val="0"/>
             <c:extLst>
               <c:ext xmlns:c15="http://schemas.microsoft.com/office/drawing/2012/chart" uri="{CE6537A1-D6FC-4f65-9D91-7224C49458BB}">
+                <c15:layout/>
                 <c15:showLeaderLines val="0"/>
               </c:ext>
             </c:extLst>
@@ -302,7 +303,9 @@
               <c:showPercent val="0"/>
               <c:showBubbleSize val="0"/>
               <c:extLst>
-                <c:ext xmlns:c15="http://schemas.microsoft.com/office/drawing/2012/chart" uri="{CE6537A1-D6FC-4f65-9D91-7224C49458BB}"/>
+                <c:ext xmlns:c15="http://schemas.microsoft.com/office/drawing/2012/chart" uri="{CE6537A1-D6FC-4f65-9D91-7224C49458BB}">
+                  <c15:layout/>
+                </c:ext>
                 <c:ext xmlns:c16="http://schemas.microsoft.com/office/drawing/2014/chart" uri="{C3380CC4-5D6E-409C-BE32-E72D297353CC}">
                   <c16:uniqueId val="{00000001-D36C-4154-952C-CC4D7D9AFC08}"/>
                 </c:ext>
@@ -325,6 +328,7 @@
             <c:showLeaderLines val="0"/>
             <c:extLst>
               <c:ext xmlns:c15="http://schemas.microsoft.com/office/drawing/2012/chart" uri="{CE6537A1-D6FC-4f65-9D91-7224C49458BB}">
+                <c15:layout/>
                 <c15:showLeaderLines val="0"/>
               </c:ext>
             </c:extLst>
@@ -586,6 +590,7 @@
             <c:showLeaderLines val="0"/>
             <c:extLst>
               <c:ext xmlns:c15="http://schemas.microsoft.com/office/drawing/2012/chart" uri="{CE6537A1-D6FC-4f65-9D91-7224C49458BB}">
+                <c15:layout/>
                 <c15:showLeaderLines val="0"/>
               </c:ext>
             </c:extLst>
@@ -657,7 +662,9 @@
               <c:showPercent val="0"/>
               <c:showBubbleSize val="0"/>
               <c:extLst>
-                <c:ext xmlns:c15="http://schemas.microsoft.com/office/drawing/2012/chart" uri="{CE6537A1-D6FC-4f65-9D91-7224C49458BB}"/>
+                <c:ext xmlns:c15="http://schemas.microsoft.com/office/drawing/2012/chart" uri="{CE6537A1-D6FC-4f65-9D91-7224C49458BB}">
+                  <c15:layout/>
+                </c:ext>
                 <c:ext xmlns:c16="http://schemas.microsoft.com/office/drawing/2014/chart" uri="{C3380CC4-5D6E-409C-BE32-E72D297353CC}">
                   <c16:uniqueId val="{00000001-5450-46F4-A3E7-F66B012C6F68}"/>
                 </c:ext>
@@ -680,6 +687,7 @@
             <c:showLeaderLines val="0"/>
             <c:extLst>
               <c:ext xmlns:c15="http://schemas.microsoft.com/office/drawing/2012/chart" uri="{CE6537A1-D6FC-4f65-9D91-7224C49458BB}">
+                <c15:layout/>
                 <c15:showLeaderLines val="0"/>
               </c:ext>
             </c:extLst>
@@ -751,6 +759,7 @@
             <c:showLeaderLines val="0"/>
             <c:extLst>
               <c:ext xmlns:c15="http://schemas.microsoft.com/office/drawing/2012/chart" uri="{CE6537A1-D6FC-4f65-9D91-7224C49458BB}">
+                <c15:layout/>
                 <c15:showLeaderLines val="0"/>
               </c:ext>
             </c:extLst>
@@ -961,6 +970,7 @@
             <c:showLeaderLines val="0"/>
             <c:extLst>
               <c:ext xmlns:c15="http://schemas.microsoft.com/office/drawing/2012/chart" uri="{CE6537A1-D6FC-4f65-9D91-7224C49458BB}">
+                <c15:layout/>
                 <c15:showLeaderLines val="0"/>
               </c:ext>
             </c:extLst>
@@ -1078,6 +1088,7 @@
               </a:p>
             </c:rich>
           </c:tx>
+          <c:layout/>
           <c:overlay val="0"/>
         </c:title>
         <c:numFmt formatCode="0" sourceLinked="1"/>
@@ -7347,8 +7358,8 @@
     <dgm:cxn modelId="{65E0CDB7-2ED2-402F-8795-A3850B44499F}" type="presOf" srcId="{419F95E7-BC8F-4765-8F6A-8A6C0F3DDE8A}" destId="{09634E8B-A990-455B-878C-90DAB1E97FAA}" srcOrd="0" destOrd="0" presId="urn:microsoft.com/office/officeart/2008/layout/HorizontalMultiLevelHierarchy"/>
     <dgm:cxn modelId="{92F67C03-F08A-425F-A53C-209220A3271D}" srcId="{FD1F08BF-713A-48D8-A4F9-C1F30ED1AA20}" destId="{B2717EC9-7823-48B8-A130-D52DD2527F27}" srcOrd="0" destOrd="0" parTransId="{172F1BB0-7C1D-4156-84FB-BF54600AB6F4}" sibTransId="{3AE4D44E-323A-4197-ADE1-CD08E0DBB3A0}"/>
     <dgm:cxn modelId="{CC9C3689-CFF5-42CE-92D4-1FE069FD2ADA}" type="presOf" srcId="{F3D762B0-9616-4D34-B2DE-52583C2ED498}" destId="{D2FFD10A-D92B-403F-B927-5A94CA626061}" srcOrd="0" destOrd="0" presId="urn:microsoft.com/office/officeart/2008/layout/HorizontalMultiLevelHierarchy"/>
+    <dgm:cxn modelId="{B21C14E1-C034-46A3-B0C2-E8622A3F5046}" srcId="{B2717EC9-7823-48B8-A130-D52DD2527F27}" destId="{FD8EC714-B89C-4BFB-A29A-7743B58AA181}" srcOrd="0" destOrd="0" parTransId="{F5737074-E3CD-4347-B364-EBD42A7C5D0F}" sibTransId="{1A8E4308-BDC4-4154-8C60-CACD7F16871B}"/>
     <dgm:cxn modelId="{CFB731EF-DD11-40E7-BFAA-D8F951A1ACF7}" type="presOf" srcId="{3C70F188-2264-46B3-8302-CAA4BDF4753F}" destId="{24B88061-83BA-412C-9CC3-904F54D7415B}" srcOrd="0" destOrd="0" presId="urn:microsoft.com/office/officeart/2008/layout/HorizontalMultiLevelHierarchy"/>
-    <dgm:cxn modelId="{B21C14E1-C034-46A3-B0C2-E8622A3F5046}" srcId="{B2717EC9-7823-48B8-A130-D52DD2527F27}" destId="{FD8EC714-B89C-4BFB-A29A-7743B58AA181}" srcOrd="0" destOrd="0" parTransId="{F5737074-E3CD-4347-B364-EBD42A7C5D0F}" sibTransId="{1A8E4308-BDC4-4154-8C60-CACD7F16871B}"/>
     <dgm:cxn modelId="{D24A4B84-90E5-4CE7-9916-6F59C888F2F8}" type="presOf" srcId="{172F1BB0-7C1D-4156-84FB-BF54600AB6F4}" destId="{E877708C-D880-42F4-98FA-B308F0D72F61}" srcOrd="1" destOrd="0" presId="urn:microsoft.com/office/officeart/2008/layout/HorizontalMultiLevelHierarchy"/>
     <dgm:cxn modelId="{1D455CE3-15D2-47CF-BD8B-3C0C5255B69A}" type="presParOf" srcId="{33393049-140C-4DE7-9FDC-48D3187C005F}" destId="{2082F161-0726-4358-B70B-FB9C00645E59}" srcOrd="0" destOrd="0" presId="urn:microsoft.com/office/officeart/2008/layout/HorizontalMultiLevelHierarchy"/>
     <dgm:cxn modelId="{D06BD5B6-CF55-471B-89B8-5BDA8A26C357}" type="presParOf" srcId="{2082F161-0726-4358-B70B-FB9C00645E59}" destId="{1EC23980-C375-4C0B-9E67-35FCF6803BEB}" srcOrd="0" destOrd="0" presId="urn:microsoft.com/office/officeart/2008/layout/HorizontalMultiLevelHierarchy"/>
@@ -13459,7 +13470,7 @@
             <a:fld id="{24CE221E-83ED-4F6C-BA5F-3F9E6FDB6953}" type="datetimeFigureOut">
               <a:rPr lang="ru-RU"/>
               <a:pPr/>
-              <a:t>19.06.2019</a:t>
+              <a:t>20.06.2019</a:t>
             </a:fld>
             <a:endParaRPr lang="ru-RU" dirty="0"/>
           </a:p>
@@ -13626,7 +13637,7 @@
             <a:fld id="{97853E5F-CE67-483C-A264-F17AC70E9CA2}" type="datetimeFigureOut">
               <a:rPr lang="ru-RU"/>
               <a:pPr/>
-              <a:t>19.06.2019</a:t>
+              <a:t>20.06.2019</a:t>
             </a:fld>
             <a:endParaRPr lang="ru-RU" dirty="0"/>
           </a:p>
@@ -14185,7 +14196,7 @@
             <a:fld id="{3E0FA9E5-6744-4841-888F-9E7CC0C2B7EC}" type="datetimeFigureOut">
               <a:rPr lang="ru-RU"/>
               <a:pPr/>
-              <a:t>19.06.2019</a:t>
+              <a:t>20.06.2019</a:t>
             </a:fld>
             <a:endParaRPr lang="ru-RU" dirty="0"/>
           </a:p>
@@ -14374,7 +14385,7 @@
             <a:fld id="{3E0FA9E5-6744-4841-888F-9E7CC0C2B7EC}" type="datetimeFigureOut">
               <a:rPr lang="ru-RU"/>
               <a:pPr/>
-              <a:t>19.06.2019</a:t>
+              <a:t>20.06.2019</a:t>
             </a:fld>
             <a:endParaRPr lang="ru-RU" dirty="0"/>
           </a:p>
@@ -14573,7 +14584,7 @@
             <a:fld id="{3E0FA9E5-6744-4841-888F-9E7CC0C2B7EC}" type="datetimeFigureOut">
               <a:rPr lang="ru-RU"/>
               <a:pPr/>
-              <a:t>19.06.2019</a:t>
+              <a:t>20.06.2019</a:t>
             </a:fld>
             <a:endParaRPr lang="ru-RU" dirty="0"/>
           </a:p>
@@ -14762,7 +14773,7 @@
             <a:fld id="{3E0FA9E5-6744-4841-888F-9E7CC0C2B7EC}" type="datetimeFigureOut">
               <a:rPr lang="ru-RU"/>
               <a:pPr/>
-              <a:t>19.06.2019</a:t>
+              <a:t>20.06.2019</a:t>
             </a:fld>
             <a:endParaRPr lang="ru-RU" dirty="0"/>
           </a:p>
@@ -15050,7 +15061,7 @@
             <a:fld id="{3E0FA9E5-6744-4841-888F-9E7CC0C2B7EC}" type="datetimeFigureOut">
               <a:rPr lang="ru-RU"/>
               <a:pPr/>
-              <a:t>19.06.2019</a:t>
+              <a:t>20.06.2019</a:t>
             </a:fld>
             <a:endParaRPr lang="ru-RU" dirty="0"/>
           </a:p>
@@ -15360,7 +15371,7 @@
             <a:fld id="{3E0FA9E5-6744-4841-888F-9E7CC0C2B7EC}" type="datetimeFigureOut">
               <a:rPr lang="ru-RU"/>
               <a:pPr/>
-              <a:t>19.06.2019</a:t>
+              <a:t>20.06.2019</a:t>
             </a:fld>
             <a:endParaRPr lang="ru-RU" dirty="0"/>
           </a:p>
@@ -15814,7 +15825,7 @@
             <a:fld id="{3E0FA9E5-6744-4841-888F-9E7CC0C2B7EC}" type="datetimeFigureOut">
               <a:rPr lang="ru-RU"/>
               <a:pPr/>
-              <a:t>19.06.2019</a:t>
+              <a:t>20.06.2019</a:t>
             </a:fld>
             <a:endParaRPr lang="ru-RU" dirty="0"/>
           </a:p>
@@ -15952,7 +15963,7 @@
             <a:fld id="{3E0FA9E5-6744-4841-888F-9E7CC0C2B7EC}" type="datetimeFigureOut">
               <a:rPr lang="ru-RU"/>
               <a:pPr/>
-              <a:t>19.06.2019</a:t>
+              <a:t>20.06.2019</a:t>
             </a:fld>
             <a:endParaRPr lang="ru-RU" dirty="0"/>
           </a:p>
@@ -16082,7 +16093,7 @@
             <a:fld id="{3E0FA9E5-6744-4841-888F-9E7CC0C2B7EC}" type="datetimeFigureOut">
               <a:rPr lang="ru-RU"/>
               <a:pPr/>
-              <a:t>19.06.2019</a:t>
+              <a:t>20.06.2019</a:t>
             </a:fld>
             <a:endParaRPr lang="ru-RU" dirty="0"/>
           </a:p>
@@ -16411,7 +16422,7 @@
             <a:fld id="{3E0FA9E5-6744-4841-888F-9E7CC0C2B7EC}" type="datetimeFigureOut">
               <a:rPr lang="ru-RU"/>
               <a:pPr/>
-              <a:t>19.06.2019</a:t>
+              <a:t>20.06.2019</a:t>
             </a:fld>
             <a:endParaRPr lang="ru-RU" dirty="0"/>
           </a:p>
@@ -16894,7 +16905,7 @@
             <a:fld id="{3E0FA9E5-6744-4841-888F-9E7CC0C2B7EC}" type="datetimeFigureOut">
               <a:rPr lang="ru-RU"/>
               <a:pPr/>
-              <a:t>19.06.2019</a:t>
+              <a:t>20.06.2019</a:t>
             </a:fld>
             <a:endParaRPr lang="ru-RU" dirty="0"/>
           </a:p>
@@ -17721,11 +17732,7 @@
           <a:p>
             <a:r>
               <a:rPr lang="ru-RU" dirty="0" smtClean="0"/>
-              <a:t>Профессор</a:t>
-            </a:r>
-            <a:r>
-              <a:rPr lang="ru-RU" dirty="0" smtClean="0"/>
-              <a:t>, к.э.н., доцент</a:t>
+              <a:t>Профессор, к.э.н., доцент</a:t>
             </a:r>
           </a:p>
           <a:p>
@@ -17993,10 +18000,18 @@
           <a:p>
             <a:pPr algn="ctr"/>
             <a:r>
-              <a:rPr sz="3200" i="1" smtClean="0"/>
-              <a:t> Состав влияния факторов на прибыль (убыток) от реализации ПУП «Артезио» за 2017-2018 гг.</a:t>
+              <a:rPr sz="3200" i="1" dirty="0" smtClean="0"/>
+              <a:t> Состав влияния факторов на прибыль (убыток) от реализации ПУП «</a:t>
             </a:r>
-            <a:endParaRPr sz="3200" i="1"/>
+            <a:r>
+              <a:rPr sz="3200" i="1" dirty="0" err="1" smtClean="0"/>
+              <a:t>Артезио</a:t>
+            </a:r>
+            <a:r>
+              <a:rPr sz="3200" i="1" dirty="0" smtClean="0"/>
+              <a:t>» за 2017-2018 гг.</a:t>
+            </a:r>
+            <a:endParaRPr sz="3200" i="1" dirty="0"/>
           </a:p>
         </p:txBody>
       </p:sp>
@@ -25797,8 +25812,16 @@
           <a:p>
             <a:pPr algn="ctr"/>
             <a:r>
-              <a:rPr smtClean="0"/>
-              <a:t>Хозяйственные операции по формированию финансового результата по текущей деятельности ПУП «Артезио» за 2018 г.</a:t>
+              <a:rPr dirty="0" smtClean="0"/>
+              <a:t>Хозяйственные операции по формированию финансового результата по текущей деятельности ПУП «</a:t>
+            </a:r>
+            <a:r>
+              <a:rPr dirty="0" err="1" smtClean="0"/>
+              <a:t>Артезио</a:t>
+            </a:r>
+            <a:r>
+              <a:rPr dirty="0" smtClean="0"/>
+              <a:t>» за 2018 г.</a:t>
             </a:r>
             <a:endParaRPr lang="ru-RU" dirty="0"/>
           </a:p>
@@ -28309,7 +28332,7 @@
         </p:nvGraphicFramePr>
         <p:xfrm>
           <a:off x="3" y="776610"/>
-          <a:ext cx="12188822" cy="6081392"/>
+          <a:ext cx="12188822" cy="6097475"/>
         </p:xfrm>
         <a:graphic>
           <a:graphicData uri="http://schemas.openxmlformats.org/drawingml/2006/table">
@@ -32157,13 +32180,41 @@
                         </a:tabLst>
                       </a:pPr>
                       <a:r>
-                        <a:rPr lang="ru-RU" sz="1400" i="0">
+                        <a:rPr lang="ru-RU" sz="1400" i="0" dirty="0">
                           <a:latin typeface="Times New Roman"/>
                           <a:ea typeface="Verdana"/>
                         </a:rPr>
-                        <a:t>аренда площадки под велопарковку, аренда игрового зала для занятия футболом, услуги почты, расходы на электроэнергию для кофемашины, услуги вакцинации, расходы по уборке прилегающей территории</a:t>
+                        <a:t>аренда площадки под </a:t>
                       </a:r>
-                      <a:endParaRPr lang="ru-RU" sz="1400" i="1">
+                      <a:r>
+                        <a:rPr lang="ru-RU" sz="1400" i="0" dirty="0" err="1">
+                          <a:latin typeface="Times New Roman"/>
+                          <a:ea typeface="Verdana"/>
+                        </a:rPr>
+                        <a:t>велопарковку</a:t>
+                      </a:r>
+                      <a:r>
+                        <a:rPr lang="ru-RU" sz="1400" i="0" dirty="0">
+                          <a:latin typeface="Times New Roman"/>
+                          <a:ea typeface="Verdana"/>
+                        </a:rPr>
+                        <a:t>, аренда игрового зала для занятия футболом, услуги почты, расходы на электроэнергию для </a:t>
+                      </a:r>
+                      <a:r>
+                        <a:rPr lang="ru-RU" sz="1400" i="0" dirty="0" err="1">
+                          <a:latin typeface="Times New Roman"/>
+                          <a:ea typeface="Verdana"/>
+                        </a:rPr>
+                        <a:t>кофемашины</a:t>
+                      </a:r>
+                      <a:r>
+                        <a:rPr lang="ru-RU" sz="1400" i="0" dirty="0">
+                          <a:latin typeface="Times New Roman"/>
+                          <a:ea typeface="Verdana"/>
+                        </a:rPr>
+                        <a:t>, услуги вакцинации, расходы по уборке прилегающей территории</a:t>
+                      </a:r>
+                      <a:endParaRPr lang="ru-RU" sz="1400" i="1" dirty="0">
                         <a:latin typeface="Times New Roman"/>
                         <a:ea typeface="Calibri"/>
                       </a:endParaRPr>
@@ -43919,6 +43970,15 @@
 </file>
 
 <file path=customXml/item1.xml><?xml version="1.0" encoding="utf-8"?>
+<?mso-contentType ?>
+<FormTemplates xmlns="http://schemas.microsoft.com/sharepoint/v3/contenttype/forms">
+  <Display>DocumentLibraryForm</Display>
+  <Edit>DocumentLibraryForm</Edit>
+  <New>DocumentLibraryForm</New>
+</FormTemplates>
+</file>
+
+<file path=customXml/item2.xml><?xml version="1.0" encoding="utf-8"?>
 <ct:contentTypeSchema xmlns:ct="http://schemas.microsoft.com/office/2006/metadata/contentType" xmlns:ma="http://schemas.microsoft.com/office/2006/metadata/properties/metaAttributes" ct:_="" ma:_="" ma:contentTypeName="Document" ma:contentTypeID="0x0101007C1D5F340F01F94FA2FD29A5E6DC872E" ma:contentTypeVersion="0" ma:contentTypeDescription="Create a new document." ma:contentTypeScope="" ma:versionID="f583bd66513a361a730282b6a794e352">
   <xsd:schema xmlns:xsd="http://www.w3.org/2001/XMLSchema" xmlns:xs="http://www.w3.org/2001/XMLSchema" xmlns:p="http://schemas.microsoft.com/office/2006/metadata/properties" targetNamespace="http://schemas.microsoft.com/office/2006/metadata/properties" ma:root="true" ma:fieldsID="6841151cf538834e171094e4faaf2d73">
     <xsd:element name="properties">
@@ -44032,15 +44092,6 @@
 </ct:contentTypeSchema>
 </file>
 
-<file path=customXml/item2.xml><?xml version="1.0" encoding="utf-8"?>
-<?mso-contentType ?>
-<FormTemplates xmlns="http://schemas.microsoft.com/sharepoint/v3/contenttype/forms">
-  <Display>DocumentLibraryForm</Display>
-  <Edit>DocumentLibraryForm</Edit>
-  <New>DocumentLibraryForm</New>
-</FormTemplates>
-</file>
-
 <file path=customXml/item3.xml><?xml version="1.0" encoding="utf-8"?>
 <p:properties xmlns:p="http://schemas.microsoft.com/office/2006/metadata/properties" xmlns:xsi="http://www.w3.org/2001/XMLSchema-instance" xmlns:pc="http://schemas.microsoft.com/office/infopath/2007/PartnerControls">
   <documentManagement/>
@@ -44048,6 +44099,14 @@
 </file>
 
 <file path=customXml/itemProps1.xml><?xml version="1.0" encoding="utf-8"?>
+<ds:datastoreItem xmlns:ds="http://schemas.openxmlformats.org/officeDocument/2006/customXml" ds:itemID="{99150CD3-A6AC-414D-9560-715EC9E31BA5}">
+  <ds:schemaRefs>
+    <ds:schemaRef ds:uri="http://schemas.microsoft.com/sharepoint/v3/contenttype/forms"/>
+  </ds:schemaRefs>
+</ds:datastoreItem>
+</file>
+
+<file path=customXml/itemProps2.xml><?xml version="1.0" encoding="utf-8"?>
 <ds:datastoreItem xmlns:ds="http://schemas.openxmlformats.org/officeDocument/2006/customXml" ds:itemID="{4E963E73-FDB1-44AE-BA76-746BBD659F2B}">
   <ds:schemaRefs>
     <ds:schemaRef ds:uri="http://schemas.microsoft.com/office/2006/metadata/contentType"/>
@@ -44063,19 +44122,17 @@
 </ds:datastoreItem>
 </file>
 
-<file path=customXml/itemProps2.xml><?xml version="1.0" encoding="utf-8"?>
-<ds:datastoreItem xmlns:ds="http://schemas.openxmlformats.org/officeDocument/2006/customXml" ds:itemID="{99150CD3-A6AC-414D-9560-715EC9E31BA5}">
-  <ds:schemaRefs>
-    <ds:schemaRef ds:uri="http://schemas.microsoft.com/sharepoint/v3/contenttype/forms"/>
-  </ds:schemaRefs>
-</ds:datastoreItem>
-</file>
-
 <file path=customXml/itemProps3.xml><?xml version="1.0" encoding="utf-8"?>
 <ds:datastoreItem xmlns:ds="http://schemas.openxmlformats.org/officeDocument/2006/customXml" ds:itemID="{F2B73376-B181-4668-84FF-A62668D48FE9}">
   <ds:schemaRefs>
+    <ds:schemaRef ds:uri="http://purl.org/dc/elements/1.1/"/>
+    <ds:schemaRef ds:uri="http://purl.org/dc/terms/"/>
+    <ds:schemaRef ds:uri="http://schemas.microsoft.com/office/2006/documentManagement/types"/>
+    <ds:schemaRef ds:uri="http://schemas.microsoft.com/office/infopath/2007/PartnerControls"/>
+    <ds:schemaRef ds:uri="http://www.w3.org/XML/1998/namespace"/>
+    <ds:schemaRef ds:uri="http://purl.org/dc/dcmitype/"/>
+    <ds:schemaRef ds:uri="http://schemas.openxmlformats.org/package/2006/metadata/core-properties"/>
     <ds:schemaRef ds:uri="http://schemas.microsoft.com/office/2006/metadata/properties"/>
-    <ds:schemaRef ds:uri="http://schemas.microsoft.com/office/infopath/2007/PartnerControls"/>
   </ds:schemaRefs>
 </ds:datastoreItem>
 </file>